--- a/presentacion proyecto final.pptx
+++ b/presentacion proyecto final.pptx
@@ -11,6 +11,8 @@
     <p:sldId id="259" r:id="rId5"/>
     <p:sldId id="260" r:id="rId6"/>
     <p:sldId id="261" r:id="rId7"/>
+    <p:sldId id="262" r:id="rId8"/>
+    <p:sldId id="263" r:id="rId9"/>
   </p:sldIdLst>
   <p:sldSz cx="12192000" cy="6858000"/>
   <p:notesSz cx="6858000" cy="9144000"/>
@@ -109,6 +111,11 @@
       </a:defRPr>
     </a:lvl9pPr>
   </p:defaultTextStyle>
+  <p:extLst>
+    <p:ext uri="{EFAFB233-063F-42B5-8137-9DF3F51BA10A}">
+      <p15:sldGuideLst xmlns:p15="http://schemas.microsoft.com/office/powerpoint/2012/main"/>
+    </p:ext>
+  </p:extLst>
 </p:presentation>
 </file>
 
@@ -11225,7 +11232,7 @@
           <a:p>
             <a:fld id="{48A87A34-81AB-432B-8DAE-1953F412C126}" type="datetimeFigureOut">
               <a:rPr lang="en-US" dirty="0"/>
-              <a:t>5/27/2017</a:t>
+              <a:t>6/17/2017</a:t>
             </a:fld>
             <a:endParaRPr lang="en-US" dirty="0"/>
           </a:p>
@@ -11487,7 +11494,7 @@
           <a:p>
             <a:fld id="{48A87A34-81AB-432B-8DAE-1953F412C126}" type="datetimeFigureOut">
               <a:rPr lang="en-US" dirty="0"/>
-              <a:t>5/27/2017</a:t>
+              <a:t>6/17/2017</a:t>
             </a:fld>
             <a:endParaRPr lang="en-US" dirty="0"/>
           </a:p>
@@ -11714,7 +11721,7 @@
             <a:fld id="{48A87A34-81AB-432B-8DAE-1953F412C126}" type="datetimeFigureOut">
               <a:rPr lang="en-US" dirty="0"/>
               <a:pPr/>
-              <a:t>5/27/2017</a:t>
+              <a:t>6/17/2017</a:t>
             </a:fld>
             <a:endParaRPr lang="en-US" dirty="0"/>
           </a:p>
@@ -12020,7 +12027,7 @@
             <a:fld id="{48A87A34-81AB-432B-8DAE-1953F412C126}" type="datetimeFigureOut">
               <a:rPr lang="en-US" dirty="0"/>
               <a:pPr/>
-              <a:t>5/27/2017</a:t>
+              <a:t>6/17/2017</a:t>
             </a:fld>
             <a:endParaRPr lang="en-US" dirty="0"/>
           </a:p>
@@ -12489,7 +12496,7 @@
             <a:fld id="{48A87A34-81AB-432B-8DAE-1953F412C126}" type="datetimeFigureOut">
               <a:rPr lang="en-US" dirty="0"/>
               <a:pPr/>
-              <a:t>5/27/2017</a:t>
+              <a:t>6/17/2017</a:t>
             </a:fld>
             <a:endParaRPr lang="en-US" dirty="0"/>
           </a:p>
@@ -13031,7 +13038,7 @@
           <a:p>
             <a:fld id="{48A87A34-81AB-432B-8DAE-1953F412C126}" type="datetimeFigureOut">
               <a:rPr lang="en-US" dirty="0"/>
-              <a:t>5/27/2017</a:t>
+              <a:t>6/17/2017</a:t>
             </a:fld>
             <a:endParaRPr lang="en-US" dirty="0"/>
           </a:p>
@@ -13800,7 +13807,7 @@
           <a:p>
             <a:fld id="{48A87A34-81AB-432B-8DAE-1953F412C126}" type="datetimeFigureOut">
               <a:rPr lang="en-US" dirty="0"/>
-              <a:t>5/27/2017</a:t>
+              <a:t>6/17/2017</a:t>
             </a:fld>
             <a:endParaRPr lang="en-US" dirty="0"/>
           </a:p>
@@ -13970,7 +13977,7 @@
           <a:p>
             <a:fld id="{48A87A34-81AB-432B-8DAE-1953F412C126}" type="datetimeFigureOut">
               <a:rPr lang="en-US" dirty="0"/>
-              <a:t>5/27/2017</a:t>
+              <a:t>6/17/2017</a:t>
             </a:fld>
             <a:endParaRPr lang="en-US" dirty="0"/>
           </a:p>
@@ -14189,7 +14196,7 @@
             <a:fld id="{48A87A34-81AB-432B-8DAE-1953F412C126}" type="datetimeFigureOut">
               <a:rPr lang="en-US" dirty="0"/>
               <a:pPr/>
-              <a:t>5/27/2017</a:t>
+              <a:t>6/17/2017</a:t>
             </a:fld>
             <a:endParaRPr lang="en-US" dirty="0"/>
           </a:p>
@@ -14364,7 +14371,7 @@
           <a:p>
             <a:fld id="{48A87A34-81AB-432B-8DAE-1953F412C126}" type="datetimeFigureOut">
               <a:rPr lang="en-US" dirty="0"/>
-              <a:t>5/27/2017</a:t>
+              <a:t>6/17/2017</a:t>
             </a:fld>
             <a:endParaRPr lang="en-US" dirty="0"/>
           </a:p>
@@ -14649,7 +14656,7 @@
             <a:fld id="{48A87A34-81AB-432B-8DAE-1953F412C126}" type="datetimeFigureOut">
               <a:rPr lang="en-US" dirty="0"/>
               <a:pPr/>
-              <a:t>5/27/2017</a:t>
+              <a:t>6/17/2017</a:t>
             </a:fld>
             <a:endParaRPr lang="en-US" dirty="0"/>
           </a:p>
@@ -14886,7 +14893,7 @@
           <a:p>
             <a:fld id="{48A87A34-81AB-432B-8DAE-1953F412C126}" type="datetimeFigureOut">
               <a:rPr lang="en-US" dirty="0"/>
-              <a:t>5/27/2017</a:t>
+              <a:t>6/17/2017</a:t>
             </a:fld>
             <a:endParaRPr lang="en-US" dirty="0"/>
           </a:p>
@@ -15260,7 +15267,7 @@
           <a:p>
             <a:fld id="{48A87A34-81AB-432B-8DAE-1953F412C126}" type="datetimeFigureOut">
               <a:rPr lang="en-US" dirty="0"/>
-              <a:t>5/27/2017</a:t>
+              <a:t>6/17/2017</a:t>
             </a:fld>
             <a:endParaRPr lang="en-US" dirty="0"/>
           </a:p>
@@ -15373,7 +15380,7 @@
           <a:p>
             <a:fld id="{48A87A34-81AB-432B-8DAE-1953F412C126}" type="datetimeFigureOut">
               <a:rPr lang="en-US" dirty="0"/>
-              <a:t>5/27/2017</a:t>
+              <a:t>6/17/2017</a:t>
             </a:fld>
             <a:endParaRPr lang="en-US" dirty="0"/>
           </a:p>
@@ -15463,7 +15470,7 @@
           <a:p>
             <a:fld id="{48A87A34-81AB-432B-8DAE-1953F412C126}" type="datetimeFigureOut">
               <a:rPr lang="en-US" dirty="0"/>
-              <a:t>5/27/2017</a:t>
+              <a:t>6/17/2017</a:t>
             </a:fld>
             <a:endParaRPr lang="en-US" dirty="0"/>
           </a:p>
@@ -15707,7 +15714,7 @@
           <a:p>
             <a:fld id="{48A87A34-81AB-432B-8DAE-1953F412C126}" type="datetimeFigureOut">
               <a:rPr lang="en-US" dirty="0"/>
-              <a:t>5/27/2017</a:t>
+              <a:t>6/17/2017</a:t>
             </a:fld>
             <a:endParaRPr lang="en-US" dirty="0"/>
           </a:p>
@@ -15959,7 +15966,7 @@
           <a:p>
             <a:fld id="{48A87A34-81AB-432B-8DAE-1953F412C126}" type="datetimeFigureOut">
               <a:rPr lang="en-US" dirty="0"/>
-              <a:t>5/27/2017</a:t>
+              <a:t>6/17/2017</a:t>
             </a:fld>
             <a:endParaRPr lang="en-US" dirty="0"/>
           </a:p>
@@ -16198,7 +16205,7 @@
             <a:fld id="{48A87A34-81AB-432B-8DAE-1953F412C126}" type="datetimeFigureOut">
               <a:rPr lang="en-US" dirty="0"/>
               <a:pPr/>
-              <a:t>5/27/2017</a:t>
+              <a:t>6/17/2017</a:t>
             </a:fld>
             <a:endParaRPr lang="en-US" dirty="0"/>
           </a:p>
@@ -16696,13 +16703,13 @@
   <p:clrMapOvr>
     <a:masterClrMapping/>
   </p:clrMapOvr>
-  <mc:AlternateContent xmlns:mc="http://schemas.openxmlformats.org/markup-compatibility/2006">
-    <mc:Choice xmlns:p14="http://schemas.microsoft.com/office/powerpoint/2010/main" Requires="p14">
+  <mc:AlternateContent xmlns:mc="http://schemas.openxmlformats.org/markup-compatibility/2006" xmlns:p14="http://schemas.microsoft.com/office/powerpoint/2010/main">
+    <mc:Choice Requires="p14">
       <p:transition spd="slow" p14:dur="3400">
         <p14:reveal/>
       </p:transition>
     </mc:Choice>
-    <mc:Fallback>
+    <mc:Fallback xmlns="">
       <p:transition spd="slow">
         <p:fade/>
       </p:transition>
@@ -16977,13 +16984,13 @@
   <p:clrMapOvr>
     <a:masterClrMapping/>
   </p:clrMapOvr>
-  <mc:AlternateContent xmlns:mc="http://schemas.openxmlformats.org/markup-compatibility/2006">
-    <mc:Choice xmlns:p14="http://schemas.microsoft.com/office/powerpoint/2010/main" Requires="p14">
+  <mc:AlternateContent xmlns:mc="http://schemas.openxmlformats.org/markup-compatibility/2006" xmlns:p14="http://schemas.microsoft.com/office/powerpoint/2010/main">
+    <mc:Choice Requires="p14">
       <p:transition spd="slow" p14:dur="1500">
         <p:split orient="vert"/>
       </p:transition>
     </mc:Choice>
-    <mc:Fallback>
+    <mc:Fallback xmlns="">
       <p:transition spd="slow">
         <p:split orient="vert"/>
       </p:transition>
@@ -18245,13 +18252,13 @@
   <p:clrMapOvr>
     <a:masterClrMapping/>
   </p:clrMapOvr>
-  <mc:AlternateContent xmlns:mc="http://schemas.openxmlformats.org/markup-compatibility/2006">
-    <mc:Choice xmlns:p14="http://schemas.microsoft.com/office/powerpoint/2010/main" Requires="p14">
+  <mc:AlternateContent xmlns:mc="http://schemas.openxmlformats.org/markup-compatibility/2006" xmlns:p14="http://schemas.microsoft.com/office/powerpoint/2010/main">
+    <mc:Choice Requires="p14">
       <p:transition spd="slow" p14:dur="1500">
         <p:split orient="vert"/>
       </p:transition>
     </mc:Choice>
-    <mc:Fallback>
+    <mc:Fallback xmlns="">
       <p:transition spd="slow">
         <p:split orient="vert"/>
       </p:transition>
@@ -19245,7 +19252,6 @@
               <a:rPr lang="es-ES" dirty="0"/>
               <a:t>Para ordenarlos dentro del árbol se les asignara un ID de registro aleatorio.</a:t>
             </a:r>
-            <a:endParaRPr lang="es-ES" dirty="0"/>
           </a:p>
         </p:txBody>
       </p:sp>
@@ -19321,13 +19327,13 @@
   <p:clrMapOvr>
     <a:masterClrMapping/>
   </p:clrMapOvr>
-  <mc:AlternateContent xmlns:mc="http://schemas.openxmlformats.org/markup-compatibility/2006">
-    <mc:Choice xmlns:p14="http://schemas.microsoft.com/office/powerpoint/2010/main" Requires="p14">
+  <mc:AlternateContent xmlns:mc="http://schemas.openxmlformats.org/markup-compatibility/2006" xmlns:p14="http://schemas.microsoft.com/office/powerpoint/2010/main">
+    <mc:Choice Requires="p14">
       <p:transition spd="slow" p14:dur="1500">
         <p:split orient="vert"/>
       </p:transition>
     </mc:Choice>
-    <mc:Fallback>
+    <mc:Fallback xmlns="">
       <p:transition spd="slow">
         <p:split orient="vert"/>
       </p:transition>
@@ -20302,7 +20308,6 @@
               <a:rPr lang="es-ES" sz="1400" dirty="0"/>
               <a:t>Dirección</a:t>
             </a:r>
-            <a:endParaRPr lang="es-ES" sz="1400" dirty="0"/>
           </a:p>
         </p:txBody>
       </p:sp>
@@ -20368,7 +20373,6 @@
               <a:rPr lang="es-ES" sz="1600" dirty="0"/>
               <a:t>Sub total</a:t>
             </a:r>
-            <a:endParaRPr lang="es-ES" sz="1600" dirty="0"/>
           </a:p>
         </p:txBody>
       </p:sp>
@@ -20518,13 +20522,13 @@
   <p:clrMapOvr>
     <a:masterClrMapping/>
   </p:clrMapOvr>
-  <mc:AlternateContent xmlns:mc="http://schemas.openxmlformats.org/markup-compatibility/2006">
-    <mc:Choice xmlns:p14="http://schemas.microsoft.com/office/powerpoint/2010/main" Requires="p14">
+  <mc:AlternateContent xmlns:mc="http://schemas.openxmlformats.org/markup-compatibility/2006" xmlns:p14="http://schemas.microsoft.com/office/powerpoint/2010/main">
+    <mc:Choice Requires="p14">
       <p:transition spd="slow" p14:dur="1500">
         <p:split orient="vert"/>
       </p:transition>
     </mc:Choice>
-    <mc:Fallback>
+    <mc:Fallback xmlns="">
       <p:transition spd="slow">
         <p:split orient="vert"/>
       </p:transition>
@@ -21398,13 +21402,13 @@
   <p:clrMapOvr>
     <a:masterClrMapping/>
   </p:clrMapOvr>
-  <mc:AlternateContent xmlns:mc="http://schemas.openxmlformats.org/markup-compatibility/2006">
-    <mc:Choice xmlns:p14="http://schemas.microsoft.com/office/powerpoint/2010/main" Requires="p14">
+  <mc:AlternateContent xmlns:mc="http://schemas.openxmlformats.org/markup-compatibility/2006" xmlns:p14="http://schemas.microsoft.com/office/powerpoint/2010/main">
+    <mc:Choice Requires="p14">
       <p:transition spd="slow" p14:dur="1500">
         <p:split orient="vert"/>
       </p:transition>
     </mc:Choice>
-    <mc:Fallback>
+    <mc:Fallback xmlns="">
       <p:transition spd="slow">
         <p:split orient="vert"/>
       </p:transition>
@@ -22469,6 +22473,4076 @@
       <p:bldP spid="2" grpId="0"/>
       <p:bldP spid="3" grpId="0" build="p"/>
     </p:bldLst>
+  </p:timing>
+</p:sld>
+</file>
+
+<file path=ppt/slides/slide7.xml><?xml version="1.0" encoding="utf-8"?>
+<p:sld xmlns:a="http://schemas.openxmlformats.org/drawingml/2006/main" xmlns:r="http://schemas.openxmlformats.org/officeDocument/2006/relationships" xmlns:p="http://schemas.openxmlformats.org/presentationml/2006/main">
+  <p:cSld>
+    <p:spTree>
+      <p:nvGrpSpPr>
+        <p:cNvPr id="1" name=""/>
+        <p:cNvGrpSpPr/>
+        <p:nvPr/>
+      </p:nvGrpSpPr>
+      <p:grpSpPr>
+        <a:xfrm>
+          <a:off x="0" y="0"/>
+          <a:ext cx="0" cy="0"/>
+          <a:chOff x="0" y="0"/>
+          <a:chExt cx="0" cy="0"/>
+        </a:xfrm>
+      </p:grpSpPr>
+      <p:sp>
+        <p:nvSpPr>
+          <p:cNvPr id="2" name="Título 1"/>
+          <p:cNvSpPr>
+            <a:spLocks noGrp="1"/>
+          </p:cNvSpPr>
+          <p:nvPr>
+            <p:ph type="title"/>
+          </p:nvPr>
+        </p:nvSpPr>
+        <p:spPr>
+          <a:xfrm>
+            <a:off x="1262129" y="2541658"/>
+            <a:ext cx="9690279" cy="1293028"/>
+          </a:xfrm>
+        </p:spPr>
+        <p:txBody>
+          <a:bodyPr>
+            <a:noAutofit/>
+          </a:bodyPr>
+          <a:lstStyle/>
+          <a:p>
+            <a:r>
+              <a:rPr lang="es-GT" sz="8000" dirty="0" smtClean="0"/>
+              <a:t>Como funciona</a:t>
+            </a:r>
+            <a:endParaRPr lang="es-ES" sz="8000" dirty="0"/>
+          </a:p>
+        </p:txBody>
+      </p:sp>
+    </p:spTree>
+    <p:extLst>
+      <p:ext uri="{BB962C8B-B14F-4D97-AF65-F5344CB8AC3E}">
+        <p14:creationId xmlns:p14="http://schemas.microsoft.com/office/powerpoint/2010/main" val="620028665"/>
+      </p:ext>
+    </p:extLst>
+  </p:cSld>
+  <p:clrMapOvr>
+    <a:masterClrMapping/>
+  </p:clrMapOvr>
+  <p:timing>
+    <p:tnLst>
+      <p:par>
+        <p:cTn id="1" dur="indefinite" restart="never" nodeType="tmRoot">
+          <p:childTnLst>
+            <p:seq concurrent="1" nextAc="seek">
+              <p:cTn id="2" dur="indefinite" nodeType="mainSeq">
+                <p:childTnLst>
+                  <p:par>
+                    <p:cTn id="3" fill="hold">
+                      <p:stCondLst>
+                        <p:cond delay="indefinite"/>
+                      </p:stCondLst>
+                      <p:childTnLst>
+                        <p:par>
+                          <p:cTn id="4" fill="hold">
+                            <p:stCondLst>
+                              <p:cond delay="0"/>
+                            </p:stCondLst>
+                            <p:childTnLst>
+                              <p:par>
+                                <p:cTn id="5" presetID="16" presetClass="entr" presetSubtype="21" fill="hold" grpId="0" nodeType="clickEffect">
+                                  <p:stCondLst>
+                                    <p:cond delay="0"/>
+                                  </p:stCondLst>
+                                  <p:childTnLst>
+                                    <p:set>
+                                      <p:cBhvr>
+                                        <p:cTn id="6" dur="1" fill="hold">
+                                          <p:stCondLst>
+                                            <p:cond delay="0"/>
+                                          </p:stCondLst>
+                                        </p:cTn>
+                                        <p:tgtEl>
+                                          <p:spTgt spid="2"/>
+                                        </p:tgtEl>
+                                        <p:attrNameLst>
+                                          <p:attrName>style.visibility</p:attrName>
+                                        </p:attrNameLst>
+                                      </p:cBhvr>
+                                      <p:to>
+                                        <p:strVal val="visible"/>
+                                      </p:to>
+                                    </p:set>
+                                    <p:animEffect transition="in" filter="barn(inVertical)">
+                                      <p:cBhvr>
+                                        <p:cTn id="7" dur="500"/>
+                                        <p:tgtEl>
+                                          <p:spTgt spid="2"/>
+                                        </p:tgtEl>
+                                      </p:cBhvr>
+                                    </p:animEffect>
+                                  </p:childTnLst>
+                                </p:cTn>
+                              </p:par>
+                            </p:childTnLst>
+                          </p:cTn>
+                        </p:par>
+                      </p:childTnLst>
+                    </p:cTn>
+                  </p:par>
+                </p:childTnLst>
+              </p:cTn>
+              <p:prevCondLst>
+                <p:cond evt="onPrev" delay="0">
+                  <p:tgtEl>
+                    <p:sldTgt/>
+                  </p:tgtEl>
+                </p:cond>
+              </p:prevCondLst>
+              <p:nextCondLst>
+                <p:cond evt="onNext" delay="0">
+                  <p:tgtEl>
+                    <p:sldTgt/>
+                  </p:tgtEl>
+                </p:cond>
+              </p:nextCondLst>
+            </p:seq>
+          </p:childTnLst>
+        </p:cTn>
+      </p:par>
+    </p:tnLst>
+    <p:bldLst>
+      <p:bldP spid="2" grpId="0"/>
+    </p:bldLst>
+  </p:timing>
+</p:sld>
+</file>
+
+<file path=ppt/slides/slide8.xml><?xml version="1.0" encoding="utf-8"?>
+<p:sld xmlns:a="http://schemas.openxmlformats.org/drawingml/2006/main" xmlns:r="http://schemas.openxmlformats.org/officeDocument/2006/relationships" xmlns:p="http://schemas.openxmlformats.org/presentationml/2006/main">
+  <p:cSld>
+    <p:spTree>
+      <p:nvGrpSpPr>
+        <p:cNvPr id="1" name=""/>
+        <p:cNvGrpSpPr/>
+        <p:nvPr/>
+      </p:nvGrpSpPr>
+      <p:grpSpPr>
+        <a:xfrm>
+          <a:off x="0" y="0"/>
+          <a:ext cx="0" cy="0"/>
+          <a:chOff x="0" y="0"/>
+          <a:chExt cx="0" cy="0"/>
+        </a:xfrm>
+      </p:grpSpPr>
+      <p:sp>
+        <p:nvSpPr>
+          <p:cNvPr id="2" name="Título 1"/>
+          <p:cNvSpPr>
+            <a:spLocks noGrp="1"/>
+          </p:cNvSpPr>
+          <p:nvPr>
+            <p:ph type="title"/>
+          </p:nvPr>
+        </p:nvSpPr>
+        <p:spPr/>
+        <p:txBody>
+          <a:bodyPr/>
+          <a:lstStyle/>
+          <a:p>
+            <a:endParaRPr lang="es-ES"/>
+          </a:p>
+        </p:txBody>
+      </p:sp>
+      <p:sp>
+        <p:nvSpPr>
+          <p:cNvPr id="3" name="Marcador de contenido 2"/>
+          <p:cNvSpPr>
+            <a:spLocks noGrp="1"/>
+          </p:cNvSpPr>
+          <p:nvPr>
+            <p:ph idx="1"/>
+          </p:nvPr>
+        </p:nvSpPr>
+        <p:spPr/>
+        <p:txBody>
+          <a:bodyPr/>
+          <a:lstStyle/>
+          <a:p>
+            <a:endParaRPr lang="es-ES" dirty="0"/>
+          </a:p>
+        </p:txBody>
+      </p:sp>
+      <p:pic>
+        <p:nvPicPr>
+          <p:cNvPr id="4" name="Imagen 3"/>
+          <p:cNvPicPr>
+            <a:picLocks noChangeAspect="1"/>
+          </p:cNvPicPr>
+          <p:nvPr/>
+        </p:nvPicPr>
+        <p:blipFill rotWithShape="1">
+          <a:blip r:embed="rId2"/>
+          <a:srcRect l="24344" t="15521" r="26322" b="39948"/>
+          <a:stretch/>
+        </p:blipFill>
+        <p:spPr>
+          <a:xfrm>
+            <a:off x="2356833" y="1120461"/>
+            <a:ext cx="8120668" cy="4121239"/>
+          </a:xfrm>
+          <a:prstGeom prst="rect">
+            <a:avLst/>
+          </a:prstGeom>
+        </p:spPr>
+      </p:pic>
+      <p:pic>
+        <p:nvPicPr>
+          <p:cNvPr id="5" name="Imagen 4"/>
+          <p:cNvPicPr>
+            <a:picLocks noChangeAspect="1"/>
+          </p:cNvPicPr>
+          <p:nvPr/>
+        </p:nvPicPr>
+        <p:blipFill rotWithShape="1">
+          <a:blip r:embed="rId3"/>
+          <a:srcRect l="24258" t="15461" r="26285" b="40047"/>
+          <a:stretch/>
+        </p:blipFill>
+        <p:spPr>
+          <a:xfrm>
+            <a:off x="2150771" y="1142096"/>
+            <a:ext cx="8376353" cy="4236763"/>
+          </a:xfrm>
+          <a:prstGeom prst="rect">
+            <a:avLst/>
+          </a:prstGeom>
+        </p:spPr>
+      </p:pic>
+      <p:pic>
+        <p:nvPicPr>
+          <p:cNvPr id="6" name="Imagen 5"/>
+          <p:cNvPicPr>
+            <a:picLocks noChangeAspect="1"/>
+          </p:cNvPicPr>
+          <p:nvPr/>
+        </p:nvPicPr>
+        <p:blipFill rotWithShape="1">
+          <a:blip r:embed="rId4"/>
+          <a:srcRect l="24088" t="15358" r="26271" b="40199"/>
+          <a:stretch/>
+        </p:blipFill>
+        <p:spPr>
+          <a:xfrm>
+            <a:off x="2017532" y="1028441"/>
+            <a:ext cx="8642830" cy="4350418"/>
+          </a:xfrm>
+          <a:prstGeom prst="rect">
+            <a:avLst/>
+          </a:prstGeom>
+        </p:spPr>
+      </p:pic>
+      <p:pic>
+        <p:nvPicPr>
+          <p:cNvPr id="7" name="Imagen 6"/>
+          <p:cNvPicPr>
+            <a:picLocks noChangeAspect="1"/>
+          </p:cNvPicPr>
+          <p:nvPr/>
+        </p:nvPicPr>
+        <p:blipFill rotWithShape="1">
+          <a:blip r:embed="rId5"/>
+          <a:srcRect l="3824" t="6674" r="47035" b="48833"/>
+          <a:stretch/>
+        </p:blipFill>
+        <p:spPr>
+          <a:xfrm>
+            <a:off x="1693473" y="814266"/>
+            <a:ext cx="8966889" cy="4564593"/>
+          </a:xfrm>
+          <a:prstGeom prst="rect">
+            <a:avLst/>
+          </a:prstGeom>
+        </p:spPr>
+      </p:pic>
+      <p:pic>
+        <p:nvPicPr>
+          <p:cNvPr id="8" name="Imagen 7"/>
+          <p:cNvPicPr>
+            <a:picLocks noChangeAspect="1"/>
+          </p:cNvPicPr>
+          <p:nvPr/>
+        </p:nvPicPr>
+        <p:blipFill rotWithShape="1">
+          <a:blip r:embed="rId6"/>
+          <a:srcRect l="3924" t="6779" r="46836" b="48627"/>
+          <a:stretch/>
+        </p:blipFill>
+        <p:spPr>
+          <a:xfrm>
+            <a:off x="1693473" y="814265"/>
+            <a:ext cx="8964698" cy="4564593"/>
+          </a:xfrm>
+          <a:prstGeom prst="rect">
+            <a:avLst/>
+          </a:prstGeom>
+        </p:spPr>
+      </p:pic>
+      <p:pic>
+        <p:nvPicPr>
+          <p:cNvPr id="9" name="Imagen 8"/>
+          <p:cNvPicPr>
+            <a:picLocks noChangeAspect="1"/>
+          </p:cNvPicPr>
+          <p:nvPr/>
+        </p:nvPicPr>
+        <p:blipFill rotWithShape="1">
+          <a:blip r:embed="rId7"/>
+          <a:srcRect l="3839" t="7289" r="46749" b="22024"/>
+          <a:stretch/>
+        </p:blipFill>
+        <p:spPr>
+          <a:xfrm>
+            <a:off x="2684086" y="764373"/>
+            <a:ext cx="6823827" cy="5488376"/>
+          </a:xfrm>
+          <a:prstGeom prst="rect">
+            <a:avLst/>
+          </a:prstGeom>
+        </p:spPr>
+      </p:pic>
+      <p:pic>
+        <p:nvPicPr>
+          <p:cNvPr id="10" name="Imagen 9"/>
+          <p:cNvPicPr>
+            <a:picLocks noChangeAspect="1"/>
+          </p:cNvPicPr>
+          <p:nvPr/>
+        </p:nvPicPr>
+        <p:blipFill rotWithShape="1">
+          <a:blip r:embed="rId8"/>
+          <a:srcRect l="3810" t="6741" r="46661" b="21945"/>
+          <a:stretch/>
+        </p:blipFill>
+        <p:spPr>
+          <a:xfrm>
+            <a:off x="2444840" y="552860"/>
+            <a:ext cx="7302318" cy="5911402"/>
+          </a:xfrm>
+          <a:prstGeom prst="rect">
+            <a:avLst/>
+          </a:prstGeom>
+        </p:spPr>
+      </p:pic>
+      <p:pic>
+        <p:nvPicPr>
+          <p:cNvPr id="11" name="Imagen 10"/>
+          <p:cNvPicPr>
+            <a:picLocks noChangeAspect="1"/>
+          </p:cNvPicPr>
+          <p:nvPr/>
+        </p:nvPicPr>
+        <p:blipFill rotWithShape="1">
+          <a:blip r:embed="rId9"/>
+          <a:srcRect l="3848" t="6666" r="46754" b="50034"/>
+          <a:stretch/>
+        </p:blipFill>
+        <p:spPr>
+          <a:xfrm>
+            <a:off x="2148580" y="1142096"/>
+            <a:ext cx="7861685" cy="3874419"/>
+          </a:xfrm>
+          <a:prstGeom prst="rect">
+            <a:avLst/>
+          </a:prstGeom>
+        </p:spPr>
+      </p:pic>
+      <p:pic>
+        <p:nvPicPr>
+          <p:cNvPr id="12" name="Imagen 11"/>
+          <p:cNvPicPr>
+            <a:picLocks noChangeAspect="1"/>
+          </p:cNvPicPr>
+          <p:nvPr/>
+        </p:nvPicPr>
+        <p:blipFill rotWithShape="1">
+          <a:blip r:embed="rId10"/>
+          <a:srcRect l="3917" t="6727" r="46618" b="49997"/>
+          <a:stretch/>
+        </p:blipFill>
+        <p:spPr>
+          <a:xfrm>
+            <a:off x="1691282" y="994377"/>
+            <a:ext cx="8756199" cy="4306995"/>
+          </a:xfrm>
+          <a:prstGeom prst="rect">
+            <a:avLst/>
+          </a:prstGeom>
+        </p:spPr>
+      </p:pic>
+      <p:pic>
+        <p:nvPicPr>
+          <p:cNvPr id="13" name="Imagen 12"/>
+          <p:cNvPicPr>
+            <a:picLocks noChangeAspect="1"/>
+          </p:cNvPicPr>
+          <p:nvPr/>
+        </p:nvPicPr>
+        <p:blipFill rotWithShape="1">
+          <a:blip r:embed="rId11"/>
+          <a:srcRect l="3894" t="6645" r="46591" b="26692"/>
+          <a:stretch/>
+        </p:blipFill>
+        <p:spPr>
+          <a:xfrm>
+            <a:off x="2344348" y="573166"/>
+            <a:ext cx="7503301" cy="5679583"/>
+          </a:xfrm>
+          <a:prstGeom prst="rect">
+            <a:avLst/>
+          </a:prstGeom>
+        </p:spPr>
+      </p:pic>
+      <p:pic>
+        <p:nvPicPr>
+          <p:cNvPr id="14" name="Imagen 13"/>
+          <p:cNvPicPr>
+            <a:picLocks noChangeAspect="1"/>
+          </p:cNvPicPr>
+          <p:nvPr/>
+        </p:nvPicPr>
+        <p:blipFill rotWithShape="1">
+          <a:blip r:embed="rId12"/>
+          <a:srcRect l="3800" t="6785" r="46650" b="14237"/>
+          <a:stretch/>
+        </p:blipFill>
+        <p:spPr>
+          <a:xfrm>
+            <a:off x="2633839" y="304408"/>
+            <a:ext cx="6924318" cy="6205124"/>
+          </a:xfrm>
+          <a:prstGeom prst="rect">
+            <a:avLst/>
+          </a:prstGeom>
+        </p:spPr>
+      </p:pic>
+      <p:pic>
+        <p:nvPicPr>
+          <p:cNvPr id="15" name="Imagen 14"/>
+          <p:cNvPicPr>
+            <a:picLocks noChangeAspect="1"/>
+          </p:cNvPicPr>
+          <p:nvPr/>
+        </p:nvPicPr>
+        <p:blipFill rotWithShape="1">
+          <a:blip r:embed="rId13"/>
+          <a:srcRect l="3946" t="6761" r="46659" b="29983"/>
+          <a:stretch/>
+        </p:blipFill>
+        <p:spPr>
+          <a:xfrm>
+            <a:off x="1911303" y="476630"/>
+            <a:ext cx="8316155" cy="5987632"/>
+          </a:xfrm>
+          <a:prstGeom prst="rect">
+            <a:avLst/>
+          </a:prstGeom>
+        </p:spPr>
+      </p:pic>
+      <p:pic>
+        <p:nvPicPr>
+          <p:cNvPr id="16" name="Imagen 15"/>
+          <p:cNvPicPr>
+            <a:picLocks noChangeAspect="1"/>
+          </p:cNvPicPr>
+          <p:nvPr/>
+        </p:nvPicPr>
+        <p:blipFill rotWithShape="1">
+          <a:blip r:embed="rId14"/>
+          <a:srcRect l="3920" t="6561" r="46631" b="29905"/>
+          <a:stretch/>
+        </p:blipFill>
+        <p:spPr>
+          <a:xfrm>
+            <a:off x="2187123" y="573166"/>
+            <a:ext cx="7660526" cy="5533646"/>
+          </a:xfrm>
+          <a:prstGeom prst="rect">
+            <a:avLst/>
+          </a:prstGeom>
+        </p:spPr>
+      </p:pic>
+      <p:pic>
+        <p:nvPicPr>
+          <p:cNvPr id="17" name="Imagen 16"/>
+          <p:cNvPicPr>
+            <a:picLocks noChangeAspect="1"/>
+          </p:cNvPicPr>
+          <p:nvPr/>
+        </p:nvPicPr>
+        <p:blipFill rotWithShape="1">
+          <a:blip r:embed="rId15"/>
+          <a:srcRect l="3889" t="6994" r="46654" b="29802"/>
+          <a:stretch/>
+        </p:blipFill>
+        <p:spPr>
+          <a:xfrm>
+            <a:off x="2098957" y="668931"/>
+            <a:ext cx="7455293" cy="5342115"/>
+          </a:xfrm>
+          <a:prstGeom prst="rect">
+            <a:avLst/>
+          </a:prstGeom>
+        </p:spPr>
+      </p:pic>
+      <p:pic>
+        <p:nvPicPr>
+          <p:cNvPr id="18" name="Imagen 17"/>
+          <p:cNvPicPr>
+            <a:picLocks noChangeAspect="1"/>
+          </p:cNvPicPr>
+          <p:nvPr/>
+        </p:nvPicPr>
+        <p:blipFill rotWithShape="1">
+          <a:blip r:embed="rId16"/>
+          <a:srcRect l="3768" t="6425" r="46738" b="53454"/>
+          <a:stretch/>
+        </p:blipFill>
+        <p:spPr>
+          <a:xfrm>
+            <a:off x="2034655" y="1210476"/>
+            <a:ext cx="7583895" cy="3456468"/>
+          </a:xfrm>
+          <a:prstGeom prst="rect">
+            <a:avLst/>
+          </a:prstGeom>
+        </p:spPr>
+      </p:pic>
+      <p:pic>
+        <p:nvPicPr>
+          <p:cNvPr id="19" name="Imagen 18"/>
+          <p:cNvPicPr>
+            <a:picLocks noChangeAspect="1"/>
+          </p:cNvPicPr>
+          <p:nvPr/>
+        </p:nvPicPr>
+        <p:blipFill rotWithShape="1">
+          <a:blip r:embed="rId17"/>
+          <a:srcRect l="3827" t="6643" r="46779" b="17288"/>
+          <a:stretch/>
+        </p:blipFill>
+        <p:spPr>
+          <a:xfrm>
+            <a:off x="2184932" y="572540"/>
+            <a:ext cx="6830667" cy="5914357"/>
+          </a:xfrm>
+          <a:prstGeom prst="rect">
+            <a:avLst/>
+          </a:prstGeom>
+        </p:spPr>
+      </p:pic>
+      <p:pic>
+        <p:nvPicPr>
+          <p:cNvPr id="20" name="Imagen 19"/>
+          <p:cNvPicPr>
+            <a:picLocks noChangeAspect="1"/>
+          </p:cNvPicPr>
+          <p:nvPr/>
+        </p:nvPicPr>
+        <p:blipFill rotWithShape="1">
+          <a:blip r:embed="rId18"/>
+          <a:srcRect l="3802" t="6863" r="46620" b="43879"/>
+          <a:stretch/>
+        </p:blipFill>
+        <p:spPr>
+          <a:xfrm>
+            <a:off x="1964538" y="1312275"/>
+            <a:ext cx="7360251" cy="4111460"/>
+          </a:xfrm>
+          <a:prstGeom prst="rect">
+            <a:avLst/>
+          </a:prstGeom>
+        </p:spPr>
+      </p:pic>
+      <p:pic>
+        <p:nvPicPr>
+          <p:cNvPr id="21" name="Imagen 20"/>
+          <p:cNvPicPr>
+            <a:picLocks noChangeAspect="1"/>
+          </p:cNvPicPr>
+          <p:nvPr/>
+        </p:nvPicPr>
+        <p:blipFill rotWithShape="1">
+          <a:blip r:embed="rId19"/>
+          <a:srcRect l="3820" t="6857" r="46655" b="29946"/>
+          <a:stretch/>
+        </p:blipFill>
+        <p:spPr>
+          <a:xfrm>
+            <a:off x="2084441" y="1048696"/>
+            <a:ext cx="6857293" cy="4919730"/>
+          </a:xfrm>
+          <a:prstGeom prst="rect">
+            <a:avLst/>
+          </a:prstGeom>
+        </p:spPr>
+      </p:pic>
+    </p:spTree>
+    <p:extLst>
+      <p:ext uri="{BB962C8B-B14F-4D97-AF65-F5344CB8AC3E}">
+        <p14:creationId xmlns:p14="http://schemas.microsoft.com/office/powerpoint/2010/main" val="718854274"/>
+      </p:ext>
+    </p:extLst>
+  </p:cSld>
+  <p:clrMapOvr>
+    <a:masterClrMapping/>
+  </p:clrMapOvr>
+  <p:timing>
+    <p:tnLst>
+      <p:par>
+        <p:cTn id="1" dur="indefinite" restart="never" nodeType="tmRoot">
+          <p:childTnLst>
+            <p:seq concurrent="1" nextAc="seek">
+              <p:cTn id="2" dur="indefinite" nodeType="mainSeq">
+                <p:childTnLst>
+                  <p:par>
+                    <p:cTn id="3" fill="hold">
+                      <p:stCondLst>
+                        <p:cond delay="indefinite"/>
+                      </p:stCondLst>
+                      <p:childTnLst>
+                        <p:par>
+                          <p:cTn id="4" fill="hold">
+                            <p:stCondLst>
+                              <p:cond delay="0"/>
+                            </p:stCondLst>
+                            <p:childTnLst>
+                              <p:par>
+                                <p:cTn id="5" presetID="42" presetClass="entr" presetSubtype="0" fill="hold" nodeType="clickEffect">
+                                  <p:stCondLst>
+                                    <p:cond delay="0"/>
+                                  </p:stCondLst>
+                                  <p:childTnLst>
+                                    <p:set>
+                                      <p:cBhvr>
+                                        <p:cTn id="6" dur="1" fill="hold">
+                                          <p:stCondLst>
+                                            <p:cond delay="0"/>
+                                          </p:stCondLst>
+                                        </p:cTn>
+                                        <p:tgtEl>
+                                          <p:spTgt spid="4"/>
+                                        </p:tgtEl>
+                                        <p:attrNameLst>
+                                          <p:attrName>style.visibility</p:attrName>
+                                        </p:attrNameLst>
+                                      </p:cBhvr>
+                                      <p:to>
+                                        <p:strVal val="visible"/>
+                                      </p:to>
+                                    </p:set>
+                                    <p:animEffect transition="in" filter="fade">
+                                      <p:cBhvr>
+                                        <p:cTn id="7" dur="1000"/>
+                                        <p:tgtEl>
+                                          <p:spTgt spid="4"/>
+                                        </p:tgtEl>
+                                      </p:cBhvr>
+                                    </p:animEffect>
+                                    <p:anim calcmode="lin" valueType="num">
+                                      <p:cBhvr>
+                                        <p:cTn id="8" dur="1000" fill="hold"/>
+                                        <p:tgtEl>
+                                          <p:spTgt spid="4"/>
+                                        </p:tgtEl>
+                                        <p:attrNameLst>
+                                          <p:attrName>ppt_x</p:attrName>
+                                        </p:attrNameLst>
+                                      </p:cBhvr>
+                                      <p:tavLst>
+                                        <p:tav tm="0">
+                                          <p:val>
+                                            <p:strVal val="#ppt_x"/>
+                                          </p:val>
+                                        </p:tav>
+                                        <p:tav tm="100000">
+                                          <p:val>
+                                            <p:strVal val="#ppt_x"/>
+                                          </p:val>
+                                        </p:tav>
+                                      </p:tavLst>
+                                    </p:anim>
+                                    <p:anim calcmode="lin" valueType="num">
+                                      <p:cBhvr>
+                                        <p:cTn id="9" dur="1000" fill="hold"/>
+                                        <p:tgtEl>
+                                          <p:spTgt spid="4"/>
+                                        </p:tgtEl>
+                                        <p:attrNameLst>
+                                          <p:attrName>ppt_y</p:attrName>
+                                        </p:attrNameLst>
+                                      </p:cBhvr>
+                                      <p:tavLst>
+                                        <p:tav tm="0">
+                                          <p:val>
+                                            <p:strVal val="#ppt_y+.1"/>
+                                          </p:val>
+                                        </p:tav>
+                                        <p:tav tm="100000">
+                                          <p:val>
+                                            <p:strVal val="#ppt_y"/>
+                                          </p:val>
+                                        </p:tav>
+                                      </p:tavLst>
+                                    </p:anim>
+                                  </p:childTnLst>
+                                </p:cTn>
+                              </p:par>
+                            </p:childTnLst>
+                          </p:cTn>
+                        </p:par>
+                      </p:childTnLst>
+                    </p:cTn>
+                  </p:par>
+                  <p:par>
+                    <p:cTn id="10" fill="hold">
+                      <p:stCondLst>
+                        <p:cond delay="indefinite"/>
+                      </p:stCondLst>
+                      <p:childTnLst>
+                        <p:par>
+                          <p:cTn id="11" fill="hold">
+                            <p:stCondLst>
+                              <p:cond delay="0"/>
+                            </p:stCondLst>
+                            <p:childTnLst>
+                              <p:par>
+                                <p:cTn id="12" presetID="2" presetClass="exit" presetSubtype="4" fill="hold" nodeType="clickEffect">
+                                  <p:stCondLst>
+                                    <p:cond delay="0"/>
+                                  </p:stCondLst>
+                                  <p:childTnLst>
+                                    <p:anim calcmode="lin" valueType="num">
+                                      <p:cBhvr additive="base">
+                                        <p:cTn id="13" dur="500"/>
+                                        <p:tgtEl>
+                                          <p:spTgt spid="4"/>
+                                        </p:tgtEl>
+                                        <p:attrNameLst>
+                                          <p:attrName>ppt_x</p:attrName>
+                                        </p:attrNameLst>
+                                      </p:cBhvr>
+                                      <p:tavLst>
+                                        <p:tav tm="0">
+                                          <p:val>
+                                            <p:strVal val="ppt_x"/>
+                                          </p:val>
+                                        </p:tav>
+                                        <p:tav tm="100000">
+                                          <p:val>
+                                            <p:strVal val="ppt_x"/>
+                                          </p:val>
+                                        </p:tav>
+                                      </p:tavLst>
+                                    </p:anim>
+                                    <p:anim calcmode="lin" valueType="num">
+                                      <p:cBhvr additive="base">
+                                        <p:cTn id="14" dur="500"/>
+                                        <p:tgtEl>
+                                          <p:spTgt spid="4"/>
+                                        </p:tgtEl>
+                                        <p:attrNameLst>
+                                          <p:attrName>ppt_y</p:attrName>
+                                        </p:attrNameLst>
+                                      </p:cBhvr>
+                                      <p:tavLst>
+                                        <p:tav tm="0">
+                                          <p:val>
+                                            <p:strVal val="ppt_y"/>
+                                          </p:val>
+                                        </p:tav>
+                                        <p:tav tm="100000">
+                                          <p:val>
+                                            <p:strVal val="1+ppt_h/2"/>
+                                          </p:val>
+                                        </p:tav>
+                                      </p:tavLst>
+                                    </p:anim>
+                                    <p:set>
+                                      <p:cBhvr>
+                                        <p:cTn id="15" dur="1" fill="hold">
+                                          <p:stCondLst>
+                                            <p:cond delay="499"/>
+                                          </p:stCondLst>
+                                        </p:cTn>
+                                        <p:tgtEl>
+                                          <p:spTgt spid="4"/>
+                                        </p:tgtEl>
+                                        <p:attrNameLst>
+                                          <p:attrName>style.visibility</p:attrName>
+                                        </p:attrNameLst>
+                                      </p:cBhvr>
+                                      <p:to>
+                                        <p:strVal val="hidden"/>
+                                      </p:to>
+                                    </p:set>
+                                  </p:childTnLst>
+                                </p:cTn>
+                              </p:par>
+                            </p:childTnLst>
+                          </p:cTn>
+                        </p:par>
+                      </p:childTnLst>
+                    </p:cTn>
+                  </p:par>
+                  <p:par>
+                    <p:cTn id="16" fill="hold">
+                      <p:stCondLst>
+                        <p:cond delay="indefinite"/>
+                      </p:stCondLst>
+                      <p:childTnLst>
+                        <p:par>
+                          <p:cTn id="17" fill="hold">
+                            <p:stCondLst>
+                              <p:cond delay="0"/>
+                            </p:stCondLst>
+                            <p:childTnLst>
+                              <p:par>
+                                <p:cTn id="18" presetID="42" presetClass="entr" presetSubtype="0" fill="hold" nodeType="clickEffect">
+                                  <p:stCondLst>
+                                    <p:cond delay="0"/>
+                                  </p:stCondLst>
+                                  <p:childTnLst>
+                                    <p:set>
+                                      <p:cBhvr>
+                                        <p:cTn id="19" dur="1" fill="hold">
+                                          <p:stCondLst>
+                                            <p:cond delay="0"/>
+                                          </p:stCondLst>
+                                        </p:cTn>
+                                        <p:tgtEl>
+                                          <p:spTgt spid="5"/>
+                                        </p:tgtEl>
+                                        <p:attrNameLst>
+                                          <p:attrName>style.visibility</p:attrName>
+                                        </p:attrNameLst>
+                                      </p:cBhvr>
+                                      <p:to>
+                                        <p:strVal val="visible"/>
+                                      </p:to>
+                                    </p:set>
+                                    <p:animEffect transition="in" filter="fade">
+                                      <p:cBhvr>
+                                        <p:cTn id="20" dur="1000"/>
+                                        <p:tgtEl>
+                                          <p:spTgt spid="5"/>
+                                        </p:tgtEl>
+                                      </p:cBhvr>
+                                    </p:animEffect>
+                                    <p:anim calcmode="lin" valueType="num">
+                                      <p:cBhvr>
+                                        <p:cTn id="21" dur="1000" fill="hold"/>
+                                        <p:tgtEl>
+                                          <p:spTgt spid="5"/>
+                                        </p:tgtEl>
+                                        <p:attrNameLst>
+                                          <p:attrName>ppt_x</p:attrName>
+                                        </p:attrNameLst>
+                                      </p:cBhvr>
+                                      <p:tavLst>
+                                        <p:tav tm="0">
+                                          <p:val>
+                                            <p:strVal val="#ppt_x"/>
+                                          </p:val>
+                                        </p:tav>
+                                        <p:tav tm="100000">
+                                          <p:val>
+                                            <p:strVal val="#ppt_x"/>
+                                          </p:val>
+                                        </p:tav>
+                                      </p:tavLst>
+                                    </p:anim>
+                                    <p:anim calcmode="lin" valueType="num">
+                                      <p:cBhvr>
+                                        <p:cTn id="22" dur="1000" fill="hold"/>
+                                        <p:tgtEl>
+                                          <p:spTgt spid="5"/>
+                                        </p:tgtEl>
+                                        <p:attrNameLst>
+                                          <p:attrName>ppt_y</p:attrName>
+                                        </p:attrNameLst>
+                                      </p:cBhvr>
+                                      <p:tavLst>
+                                        <p:tav tm="0">
+                                          <p:val>
+                                            <p:strVal val="#ppt_y+.1"/>
+                                          </p:val>
+                                        </p:tav>
+                                        <p:tav tm="100000">
+                                          <p:val>
+                                            <p:strVal val="#ppt_y"/>
+                                          </p:val>
+                                        </p:tav>
+                                      </p:tavLst>
+                                    </p:anim>
+                                  </p:childTnLst>
+                                </p:cTn>
+                              </p:par>
+                            </p:childTnLst>
+                          </p:cTn>
+                        </p:par>
+                      </p:childTnLst>
+                    </p:cTn>
+                  </p:par>
+                  <p:par>
+                    <p:cTn id="23" fill="hold">
+                      <p:stCondLst>
+                        <p:cond delay="indefinite"/>
+                      </p:stCondLst>
+                      <p:childTnLst>
+                        <p:par>
+                          <p:cTn id="24" fill="hold">
+                            <p:stCondLst>
+                              <p:cond delay="0"/>
+                            </p:stCondLst>
+                            <p:childTnLst>
+                              <p:par>
+                                <p:cTn id="25" presetID="42" presetClass="exit" presetSubtype="0" fill="hold" nodeType="clickEffect">
+                                  <p:stCondLst>
+                                    <p:cond delay="0"/>
+                                  </p:stCondLst>
+                                  <p:childTnLst>
+                                    <p:animEffect transition="out" filter="fade">
+                                      <p:cBhvr>
+                                        <p:cTn id="26" dur="1000"/>
+                                        <p:tgtEl>
+                                          <p:spTgt spid="5"/>
+                                        </p:tgtEl>
+                                      </p:cBhvr>
+                                    </p:animEffect>
+                                    <p:anim calcmode="lin" valueType="num">
+                                      <p:cBhvr>
+                                        <p:cTn id="27" dur="1000"/>
+                                        <p:tgtEl>
+                                          <p:spTgt spid="5"/>
+                                        </p:tgtEl>
+                                        <p:attrNameLst>
+                                          <p:attrName>ppt_x</p:attrName>
+                                        </p:attrNameLst>
+                                      </p:cBhvr>
+                                      <p:tavLst>
+                                        <p:tav tm="0">
+                                          <p:val>
+                                            <p:strVal val="ppt_x"/>
+                                          </p:val>
+                                        </p:tav>
+                                        <p:tav tm="100000">
+                                          <p:val>
+                                            <p:strVal val="ppt_x"/>
+                                          </p:val>
+                                        </p:tav>
+                                      </p:tavLst>
+                                    </p:anim>
+                                    <p:anim calcmode="lin" valueType="num">
+                                      <p:cBhvr>
+                                        <p:cTn id="28" dur="1000"/>
+                                        <p:tgtEl>
+                                          <p:spTgt spid="5"/>
+                                        </p:tgtEl>
+                                        <p:attrNameLst>
+                                          <p:attrName>ppt_y</p:attrName>
+                                        </p:attrNameLst>
+                                      </p:cBhvr>
+                                      <p:tavLst>
+                                        <p:tav tm="0">
+                                          <p:val>
+                                            <p:strVal val="ppt_y"/>
+                                          </p:val>
+                                        </p:tav>
+                                        <p:tav tm="100000">
+                                          <p:val>
+                                            <p:strVal val="ppt_y+.1"/>
+                                          </p:val>
+                                        </p:tav>
+                                      </p:tavLst>
+                                    </p:anim>
+                                    <p:set>
+                                      <p:cBhvr>
+                                        <p:cTn id="29" dur="1" fill="hold">
+                                          <p:stCondLst>
+                                            <p:cond delay="999"/>
+                                          </p:stCondLst>
+                                        </p:cTn>
+                                        <p:tgtEl>
+                                          <p:spTgt spid="5"/>
+                                        </p:tgtEl>
+                                        <p:attrNameLst>
+                                          <p:attrName>style.visibility</p:attrName>
+                                        </p:attrNameLst>
+                                      </p:cBhvr>
+                                      <p:to>
+                                        <p:strVal val="hidden"/>
+                                      </p:to>
+                                    </p:set>
+                                  </p:childTnLst>
+                                </p:cTn>
+                              </p:par>
+                            </p:childTnLst>
+                          </p:cTn>
+                        </p:par>
+                      </p:childTnLst>
+                    </p:cTn>
+                  </p:par>
+                  <p:par>
+                    <p:cTn id="30" fill="hold">
+                      <p:stCondLst>
+                        <p:cond delay="indefinite"/>
+                      </p:stCondLst>
+                      <p:childTnLst>
+                        <p:par>
+                          <p:cTn id="31" fill="hold">
+                            <p:stCondLst>
+                              <p:cond delay="0"/>
+                            </p:stCondLst>
+                            <p:childTnLst>
+                              <p:par>
+                                <p:cTn id="32" presetID="42" presetClass="entr" presetSubtype="0" fill="hold" nodeType="clickEffect">
+                                  <p:stCondLst>
+                                    <p:cond delay="0"/>
+                                  </p:stCondLst>
+                                  <p:childTnLst>
+                                    <p:set>
+                                      <p:cBhvr>
+                                        <p:cTn id="33" dur="1" fill="hold">
+                                          <p:stCondLst>
+                                            <p:cond delay="0"/>
+                                          </p:stCondLst>
+                                        </p:cTn>
+                                        <p:tgtEl>
+                                          <p:spTgt spid="6"/>
+                                        </p:tgtEl>
+                                        <p:attrNameLst>
+                                          <p:attrName>style.visibility</p:attrName>
+                                        </p:attrNameLst>
+                                      </p:cBhvr>
+                                      <p:to>
+                                        <p:strVal val="visible"/>
+                                      </p:to>
+                                    </p:set>
+                                    <p:animEffect transition="in" filter="fade">
+                                      <p:cBhvr>
+                                        <p:cTn id="34" dur="1000"/>
+                                        <p:tgtEl>
+                                          <p:spTgt spid="6"/>
+                                        </p:tgtEl>
+                                      </p:cBhvr>
+                                    </p:animEffect>
+                                    <p:anim calcmode="lin" valueType="num">
+                                      <p:cBhvr>
+                                        <p:cTn id="35" dur="1000" fill="hold"/>
+                                        <p:tgtEl>
+                                          <p:spTgt spid="6"/>
+                                        </p:tgtEl>
+                                        <p:attrNameLst>
+                                          <p:attrName>ppt_x</p:attrName>
+                                        </p:attrNameLst>
+                                      </p:cBhvr>
+                                      <p:tavLst>
+                                        <p:tav tm="0">
+                                          <p:val>
+                                            <p:strVal val="#ppt_x"/>
+                                          </p:val>
+                                        </p:tav>
+                                        <p:tav tm="100000">
+                                          <p:val>
+                                            <p:strVal val="#ppt_x"/>
+                                          </p:val>
+                                        </p:tav>
+                                      </p:tavLst>
+                                    </p:anim>
+                                    <p:anim calcmode="lin" valueType="num">
+                                      <p:cBhvr>
+                                        <p:cTn id="36" dur="1000" fill="hold"/>
+                                        <p:tgtEl>
+                                          <p:spTgt spid="6"/>
+                                        </p:tgtEl>
+                                        <p:attrNameLst>
+                                          <p:attrName>ppt_y</p:attrName>
+                                        </p:attrNameLst>
+                                      </p:cBhvr>
+                                      <p:tavLst>
+                                        <p:tav tm="0">
+                                          <p:val>
+                                            <p:strVal val="#ppt_y+.1"/>
+                                          </p:val>
+                                        </p:tav>
+                                        <p:tav tm="100000">
+                                          <p:val>
+                                            <p:strVal val="#ppt_y"/>
+                                          </p:val>
+                                        </p:tav>
+                                      </p:tavLst>
+                                    </p:anim>
+                                  </p:childTnLst>
+                                </p:cTn>
+                              </p:par>
+                            </p:childTnLst>
+                          </p:cTn>
+                        </p:par>
+                      </p:childTnLst>
+                    </p:cTn>
+                  </p:par>
+                  <p:par>
+                    <p:cTn id="37" fill="hold">
+                      <p:stCondLst>
+                        <p:cond delay="indefinite"/>
+                      </p:stCondLst>
+                      <p:childTnLst>
+                        <p:par>
+                          <p:cTn id="38" fill="hold">
+                            <p:stCondLst>
+                              <p:cond delay="0"/>
+                            </p:stCondLst>
+                            <p:childTnLst>
+                              <p:par>
+                                <p:cTn id="39" presetID="42" presetClass="exit" presetSubtype="0" fill="hold" nodeType="clickEffect">
+                                  <p:stCondLst>
+                                    <p:cond delay="0"/>
+                                  </p:stCondLst>
+                                  <p:childTnLst>
+                                    <p:animEffect transition="out" filter="fade">
+                                      <p:cBhvr>
+                                        <p:cTn id="40" dur="1000"/>
+                                        <p:tgtEl>
+                                          <p:spTgt spid="6"/>
+                                        </p:tgtEl>
+                                      </p:cBhvr>
+                                    </p:animEffect>
+                                    <p:anim calcmode="lin" valueType="num">
+                                      <p:cBhvr>
+                                        <p:cTn id="41" dur="1000"/>
+                                        <p:tgtEl>
+                                          <p:spTgt spid="6"/>
+                                        </p:tgtEl>
+                                        <p:attrNameLst>
+                                          <p:attrName>ppt_x</p:attrName>
+                                        </p:attrNameLst>
+                                      </p:cBhvr>
+                                      <p:tavLst>
+                                        <p:tav tm="0">
+                                          <p:val>
+                                            <p:strVal val="ppt_x"/>
+                                          </p:val>
+                                        </p:tav>
+                                        <p:tav tm="100000">
+                                          <p:val>
+                                            <p:strVal val="ppt_x"/>
+                                          </p:val>
+                                        </p:tav>
+                                      </p:tavLst>
+                                    </p:anim>
+                                    <p:anim calcmode="lin" valueType="num">
+                                      <p:cBhvr>
+                                        <p:cTn id="42" dur="1000"/>
+                                        <p:tgtEl>
+                                          <p:spTgt spid="6"/>
+                                        </p:tgtEl>
+                                        <p:attrNameLst>
+                                          <p:attrName>ppt_y</p:attrName>
+                                        </p:attrNameLst>
+                                      </p:cBhvr>
+                                      <p:tavLst>
+                                        <p:tav tm="0">
+                                          <p:val>
+                                            <p:strVal val="ppt_y"/>
+                                          </p:val>
+                                        </p:tav>
+                                        <p:tav tm="100000">
+                                          <p:val>
+                                            <p:strVal val="ppt_y+.1"/>
+                                          </p:val>
+                                        </p:tav>
+                                      </p:tavLst>
+                                    </p:anim>
+                                    <p:set>
+                                      <p:cBhvr>
+                                        <p:cTn id="43" dur="1" fill="hold">
+                                          <p:stCondLst>
+                                            <p:cond delay="999"/>
+                                          </p:stCondLst>
+                                        </p:cTn>
+                                        <p:tgtEl>
+                                          <p:spTgt spid="6"/>
+                                        </p:tgtEl>
+                                        <p:attrNameLst>
+                                          <p:attrName>style.visibility</p:attrName>
+                                        </p:attrNameLst>
+                                      </p:cBhvr>
+                                      <p:to>
+                                        <p:strVal val="hidden"/>
+                                      </p:to>
+                                    </p:set>
+                                  </p:childTnLst>
+                                </p:cTn>
+                              </p:par>
+                            </p:childTnLst>
+                          </p:cTn>
+                        </p:par>
+                      </p:childTnLst>
+                    </p:cTn>
+                  </p:par>
+                  <p:par>
+                    <p:cTn id="44" fill="hold">
+                      <p:stCondLst>
+                        <p:cond delay="indefinite"/>
+                      </p:stCondLst>
+                      <p:childTnLst>
+                        <p:par>
+                          <p:cTn id="45" fill="hold">
+                            <p:stCondLst>
+                              <p:cond delay="0"/>
+                            </p:stCondLst>
+                            <p:childTnLst>
+                              <p:par>
+                                <p:cTn id="46" presetID="2" presetClass="exit" presetSubtype="4" fill="hold" nodeType="clickEffect">
+                                  <p:stCondLst>
+                                    <p:cond delay="0"/>
+                                  </p:stCondLst>
+                                  <p:childTnLst>
+                                    <p:anim calcmode="lin" valueType="num">
+                                      <p:cBhvr additive="base">
+                                        <p:cTn id="47" dur="500"/>
+                                        <p:tgtEl>
+                                          <p:spTgt spid="6"/>
+                                        </p:tgtEl>
+                                        <p:attrNameLst>
+                                          <p:attrName>ppt_x</p:attrName>
+                                        </p:attrNameLst>
+                                      </p:cBhvr>
+                                      <p:tavLst>
+                                        <p:tav tm="0">
+                                          <p:val>
+                                            <p:strVal val="ppt_x"/>
+                                          </p:val>
+                                        </p:tav>
+                                        <p:tav tm="100000">
+                                          <p:val>
+                                            <p:strVal val="ppt_x"/>
+                                          </p:val>
+                                        </p:tav>
+                                      </p:tavLst>
+                                    </p:anim>
+                                    <p:anim calcmode="lin" valueType="num">
+                                      <p:cBhvr additive="base">
+                                        <p:cTn id="48" dur="500"/>
+                                        <p:tgtEl>
+                                          <p:spTgt spid="6"/>
+                                        </p:tgtEl>
+                                        <p:attrNameLst>
+                                          <p:attrName>ppt_y</p:attrName>
+                                        </p:attrNameLst>
+                                      </p:cBhvr>
+                                      <p:tavLst>
+                                        <p:tav tm="0">
+                                          <p:val>
+                                            <p:strVal val="ppt_y"/>
+                                          </p:val>
+                                        </p:tav>
+                                        <p:tav tm="100000">
+                                          <p:val>
+                                            <p:strVal val="1+ppt_h/2"/>
+                                          </p:val>
+                                        </p:tav>
+                                      </p:tavLst>
+                                    </p:anim>
+                                    <p:set>
+                                      <p:cBhvr>
+                                        <p:cTn id="49" dur="1" fill="hold">
+                                          <p:stCondLst>
+                                            <p:cond delay="499"/>
+                                          </p:stCondLst>
+                                        </p:cTn>
+                                        <p:tgtEl>
+                                          <p:spTgt spid="6"/>
+                                        </p:tgtEl>
+                                        <p:attrNameLst>
+                                          <p:attrName>style.visibility</p:attrName>
+                                        </p:attrNameLst>
+                                      </p:cBhvr>
+                                      <p:to>
+                                        <p:strVal val="hidden"/>
+                                      </p:to>
+                                    </p:set>
+                                  </p:childTnLst>
+                                </p:cTn>
+                              </p:par>
+                            </p:childTnLst>
+                          </p:cTn>
+                        </p:par>
+                      </p:childTnLst>
+                    </p:cTn>
+                  </p:par>
+                  <p:par>
+                    <p:cTn id="50" fill="hold">
+                      <p:stCondLst>
+                        <p:cond delay="indefinite"/>
+                      </p:stCondLst>
+                      <p:childTnLst>
+                        <p:par>
+                          <p:cTn id="51" fill="hold">
+                            <p:stCondLst>
+                              <p:cond delay="0"/>
+                            </p:stCondLst>
+                            <p:childTnLst>
+                              <p:par>
+                                <p:cTn id="52" presetID="47" presetClass="entr" presetSubtype="0" fill="hold" nodeType="clickEffect">
+                                  <p:stCondLst>
+                                    <p:cond delay="0"/>
+                                  </p:stCondLst>
+                                  <p:childTnLst>
+                                    <p:set>
+                                      <p:cBhvr>
+                                        <p:cTn id="53" dur="1" fill="hold">
+                                          <p:stCondLst>
+                                            <p:cond delay="0"/>
+                                          </p:stCondLst>
+                                        </p:cTn>
+                                        <p:tgtEl>
+                                          <p:spTgt spid="7"/>
+                                        </p:tgtEl>
+                                        <p:attrNameLst>
+                                          <p:attrName>style.visibility</p:attrName>
+                                        </p:attrNameLst>
+                                      </p:cBhvr>
+                                      <p:to>
+                                        <p:strVal val="visible"/>
+                                      </p:to>
+                                    </p:set>
+                                    <p:animEffect transition="in" filter="fade">
+                                      <p:cBhvr>
+                                        <p:cTn id="54" dur="1000"/>
+                                        <p:tgtEl>
+                                          <p:spTgt spid="7"/>
+                                        </p:tgtEl>
+                                      </p:cBhvr>
+                                    </p:animEffect>
+                                    <p:anim calcmode="lin" valueType="num">
+                                      <p:cBhvr>
+                                        <p:cTn id="55" dur="1000" fill="hold"/>
+                                        <p:tgtEl>
+                                          <p:spTgt spid="7"/>
+                                        </p:tgtEl>
+                                        <p:attrNameLst>
+                                          <p:attrName>ppt_x</p:attrName>
+                                        </p:attrNameLst>
+                                      </p:cBhvr>
+                                      <p:tavLst>
+                                        <p:tav tm="0">
+                                          <p:val>
+                                            <p:strVal val="#ppt_x"/>
+                                          </p:val>
+                                        </p:tav>
+                                        <p:tav tm="100000">
+                                          <p:val>
+                                            <p:strVal val="#ppt_x"/>
+                                          </p:val>
+                                        </p:tav>
+                                      </p:tavLst>
+                                    </p:anim>
+                                    <p:anim calcmode="lin" valueType="num">
+                                      <p:cBhvr>
+                                        <p:cTn id="56" dur="1000" fill="hold"/>
+                                        <p:tgtEl>
+                                          <p:spTgt spid="7"/>
+                                        </p:tgtEl>
+                                        <p:attrNameLst>
+                                          <p:attrName>ppt_y</p:attrName>
+                                        </p:attrNameLst>
+                                      </p:cBhvr>
+                                      <p:tavLst>
+                                        <p:tav tm="0">
+                                          <p:val>
+                                            <p:strVal val="#ppt_y-.1"/>
+                                          </p:val>
+                                        </p:tav>
+                                        <p:tav tm="100000">
+                                          <p:val>
+                                            <p:strVal val="#ppt_y"/>
+                                          </p:val>
+                                        </p:tav>
+                                      </p:tavLst>
+                                    </p:anim>
+                                  </p:childTnLst>
+                                </p:cTn>
+                              </p:par>
+                            </p:childTnLst>
+                          </p:cTn>
+                        </p:par>
+                      </p:childTnLst>
+                    </p:cTn>
+                  </p:par>
+                  <p:par>
+                    <p:cTn id="57" fill="hold">
+                      <p:stCondLst>
+                        <p:cond delay="indefinite"/>
+                      </p:stCondLst>
+                      <p:childTnLst>
+                        <p:par>
+                          <p:cTn id="58" fill="hold">
+                            <p:stCondLst>
+                              <p:cond delay="0"/>
+                            </p:stCondLst>
+                            <p:childTnLst>
+                              <p:par>
+                                <p:cTn id="59" presetID="2" presetClass="exit" presetSubtype="4" fill="hold" nodeType="clickEffect">
+                                  <p:stCondLst>
+                                    <p:cond delay="0"/>
+                                  </p:stCondLst>
+                                  <p:childTnLst>
+                                    <p:anim calcmode="lin" valueType="num">
+                                      <p:cBhvr additive="base">
+                                        <p:cTn id="60" dur="500"/>
+                                        <p:tgtEl>
+                                          <p:spTgt spid="7"/>
+                                        </p:tgtEl>
+                                        <p:attrNameLst>
+                                          <p:attrName>ppt_x</p:attrName>
+                                        </p:attrNameLst>
+                                      </p:cBhvr>
+                                      <p:tavLst>
+                                        <p:tav tm="0">
+                                          <p:val>
+                                            <p:strVal val="ppt_x"/>
+                                          </p:val>
+                                        </p:tav>
+                                        <p:tav tm="100000">
+                                          <p:val>
+                                            <p:strVal val="ppt_x"/>
+                                          </p:val>
+                                        </p:tav>
+                                      </p:tavLst>
+                                    </p:anim>
+                                    <p:anim calcmode="lin" valueType="num">
+                                      <p:cBhvr additive="base">
+                                        <p:cTn id="61" dur="500"/>
+                                        <p:tgtEl>
+                                          <p:spTgt spid="7"/>
+                                        </p:tgtEl>
+                                        <p:attrNameLst>
+                                          <p:attrName>ppt_y</p:attrName>
+                                        </p:attrNameLst>
+                                      </p:cBhvr>
+                                      <p:tavLst>
+                                        <p:tav tm="0">
+                                          <p:val>
+                                            <p:strVal val="ppt_y"/>
+                                          </p:val>
+                                        </p:tav>
+                                        <p:tav tm="100000">
+                                          <p:val>
+                                            <p:strVal val="1+ppt_h/2"/>
+                                          </p:val>
+                                        </p:tav>
+                                      </p:tavLst>
+                                    </p:anim>
+                                    <p:set>
+                                      <p:cBhvr>
+                                        <p:cTn id="62" dur="1" fill="hold">
+                                          <p:stCondLst>
+                                            <p:cond delay="499"/>
+                                          </p:stCondLst>
+                                        </p:cTn>
+                                        <p:tgtEl>
+                                          <p:spTgt spid="7"/>
+                                        </p:tgtEl>
+                                        <p:attrNameLst>
+                                          <p:attrName>style.visibility</p:attrName>
+                                        </p:attrNameLst>
+                                      </p:cBhvr>
+                                      <p:to>
+                                        <p:strVal val="hidden"/>
+                                      </p:to>
+                                    </p:set>
+                                  </p:childTnLst>
+                                </p:cTn>
+                              </p:par>
+                            </p:childTnLst>
+                          </p:cTn>
+                        </p:par>
+                      </p:childTnLst>
+                    </p:cTn>
+                  </p:par>
+                  <p:par>
+                    <p:cTn id="63" fill="hold">
+                      <p:stCondLst>
+                        <p:cond delay="indefinite"/>
+                      </p:stCondLst>
+                      <p:childTnLst>
+                        <p:par>
+                          <p:cTn id="64" fill="hold">
+                            <p:stCondLst>
+                              <p:cond delay="0"/>
+                            </p:stCondLst>
+                            <p:childTnLst>
+                              <p:par>
+                                <p:cTn id="65" presetID="47" presetClass="entr" presetSubtype="0" fill="hold" nodeType="clickEffect">
+                                  <p:stCondLst>
+                                    <p:cond delay="0"/>
+                                  </p:stCondLst>
+                                  <p:childTnLst>
+                                    <p:set>
+                                      <p:cBhvr>
+                                        <p:cTn id="66" dur="1" fill="hold">
+                                          <p:stCondLst>
+                                            <p:cond delay="0"/>
+                                          </p:stCondLst>
+                                        </p:cTn>
+                                        <p:tgtEl>
+                                          <p:spTgt spid="8"/>
+                                        </p:tgtEl>
+                                        <p:attrNameLst>
+                                          <p:attrName>style.visibility</p:attrName>
+                                        </p:attrNameLst>
+                                      </p:cBhvr>
+                                      <p:to>
+                                        <p:strVal val="visible"/>
+                                      </p:to>
+                                    </p:set>
+                                    <p:animEffect transition="in" filter="fade">
+                                      <p:cBhvr>
+                                        <p:cTn id="67" dur="1000"/>
+                                        <p:tgtEl>
+                                          <p:spTgt spid="8"/>
+                                        </p:tgtEl>
+                                      </p:cBhvr>
+                                    </p:animEffect>
+                                    <p:anim calcmode="lin" valueType="num">
+                                      <p:cBhvr>
+                                        <p:cTn id="68" dur="1000" fill="hold"/>
+                                        <p:tgtEl>
+                                          <p:spTgt spid="8"/>
+                                        </p:tgtEl>
+                                        <p:attrNameLst>
+                                          <p:attrName>ppt_x</p:attrName>
+                                        </p:attrNameLst>
+                                      </p:cBhvr>
+                                      <p:tavLst>
+                                        <p:tav tm="0">
+                                          <p:val>
+                                            <p:strVal val="#ppt_x"/>
+                                          </p:val>
+                                        </p:tav>
+                                        <p:tav tm="100000">
+                                          <p:val>
+                                            <p:strVal val="#ppt_x"/>
+                                          </p:val>
+                                        </p:tav>
+                                      </p:tavLst>
+                                    </p:anim>
+                                    <p:anim calcmode="lin" valueType="num">
+                                      <p:cBhvr>
+                                        <p:cTn id="69" dur="1000" fill="hold"/>
+                                        <p:tgtEl>
+                                          <p:spTgt spid="8"/>
+                                        </p:tgtEl>
+                                        <p:attrNameLst>
+                                          <p:attrName>ppt_y</p:attrName>
+                                        </p:attrNameLst>
+                                      </p:cBhvr>
+                                      <p:tavLst>
+                                        <p:tav tm="0">
+                                          <p:val>
+                                            <p:strVal val="#ppt_y-.1"/>
+                                          </p:val>
+                                        </p:tav>
+                                        <p:tav tm="100000">
+                                          <p:val>
+                                            <p:strVal val="#ppt_y"/>
+                                          </p:val>
+                                        </p:tav>
+                                      </p:tavLst>
+                                    </p:anim>
+                                  </p:childTnLst>
+                                </p:cTn>
+                              </p:par>
+                            </p:childTnLst>
+                          </p:cTn>
+                        </p:par>
+                      </p:childTnLst>
+                    </p:cTn>
+                  </p:par>
+                  <p:par>
+                    <p:cTn id="70" fill="hold">
+                      <p:stCondLst>
+                        <p:cond delay="indefinite"/>
+                      </p:stCondLst>
+                      <p:childTnLst>
+                        <p:par>
+                          <p:cTn id="71" fill="hold">
+                            <p:stCondLst>
+                              <p:cond delay="0"/>
+                            </p:stCondLst>
+                            <p:childTnLst>
+                              <p:par>
+                                <p:cTn id="72" presetID="42" presetClass="exit" presetSubtype="0" fill="hold" nodeType="clickEffect">
+                                  <p:stCondLst>
+                                    <p:cond delay="0"/>
+                                  </p:stCondLst>
+                                  <p:childTnLst>
+                                    <p:animEffect transition="out" filter="fade">
+                                      <p:cBhvr>
+                                        <p:cTn id="73" dur="1000"/>
+                                        <p:tgtEl>
+                                          <p:spTgt spid="8"/>
+                                        </p:tgtEl>
+                                      </p:cBhvr>
+                                    </p:animEffect>
+                                    <p:anim calcmode="lin" valueType="num">
+                                      <p:cBhvr>
+                                        <p:cTn id="74" dur="1000"/>
+                                        <p:tgtEl>
+                                          <p:spTgt spid="8"/>
+                                        </p:tgtEl>
+                                        <p:attrNameLst>
+                                          <p:attrName>ppt_x</p:attrName>
+                                        </p:attrNameLst>
+                                      </p:cBhvr>
+                                      <p:tavLst>
+                                        <p:tav tm="0">
+                                          <p:val>
+                                            <p:strVal val="ppt_x"/>
+                                          </p:val>
+                                        </p:tav>
+                                        <p:tav tm="100000">
+                                          <p:val>
+                                            <p:strVal val="ppt_x"/>
+                                          </p:val>
+                                        </p:tav>
+                                      </p:tavLst>
+                                    </p:anim>
+                                    <p:anim calcmode="lin" valueType="num">
+                                      <p:cBhvr>
+                                        <p:cTn id="75" dur="1000"/>
+                                        <p:tgtEl>
+                                          <p:spTgt spid="8"/>
+                                        </p:tgtEl>
+                                        <p:attrNameLst>
+                                          <p:attrName>ppt_y</p:attrName>
+                                        </p:attrNameLst>
+                                      </p:cBhvr>
+                                      <p:tavLst>
+                                        <p:tav tm="0">
+                                          <p:val>
+                                            <p:strVal val="ppt_y"/>
+                                          </p:val>
+                                        </p:tav>
+                                        <p:tav tm="100000">
+                                          <p:val>
+                                            <p:strVal val="ppt_y+.1"/>
+                                          </p:val>
+                                        </p:tav>
+                                      </p:tavLst>
+                                    </p:anim>
+                                    <p:set>
+                                      <p:cBhvr>
+                                        <p:cTn id="76" dur="1" fill="hold">
+                                          <p:stCondLst>
+                                            <p:cond delay="999"/>
+                                          </p:stCondLst>
+                                        </p:cTn>
+                                        <p:tgtEl>
+                                          <p:spTgt spid="8"/>
+                                        </p:tgtEl>
+                                        <p:attrNameLst>
+                                          <p:attrName>style.visibility</p:attrName>
+                                        </p:attrNameLst>
+                                      </p:cBhvr>
+                                      <p:to>
+                                        <p:strVal val="hidden"/>
+                                      </p:to>
+                                    </p:set>
+                                  </p:childTnLst>
+                                </p:cTn>
+                              </p:par>
+                            </p:childTnLst>
+                          </p:cTn>
+                        </p:par>
+                      </p:childTnLst>
+                    </p:cTn>
+                  </p:par>
+                  <p:par>
+                    <p:cTn id="77" fill="hold">
+                      <p:stCondLst>
+                        <p:cond delay="indefinite"/>
+                      </p:stCondLst>
+                      <p:childTnLst>
+                        <p:par>
+                          <p:cTn id="78" fill="hold">
+                            <p:stCondLst>
+                              <p:cond delay="0"/>
+                            </p:stCondLst>
+                            <p:childTnLst>
+                              <p:par>
+                                <p:cTn id="79" presetID="47" presetClass="entr" presetSubtype="0" fill="hold" nodeType="clickEffect">
+                                  <p:stCondLst>
+                                    <p:cond delay="0"/>
+                                  </p:stCondLst>
+                                  <p:childTnLst>
+                                    <p:set>
+                                      <p:cBhvr>
+                                        <p:cTn id="80" dur="1" fill="hold">
+                                          <p:stCondLst>
+                                            <p:cond delay="0"/>
+                                          </p:stCondLst>
+                                        </p:cTn>
+                                        <p:tgtEl>
+                                          <p:spTgt spid="9"/>
+                                        </p:tgtEl>
+                                        <p:attrNameLst>
+                                          <p:attrName>style.visibility</p:attrName>
+                                        </p:attrNameLst>
+                                      </p:cBhvr>
+                                      <p:to>
+                                        <p:strVal val="visible"/>
+                                      </p:to>
+                                    </p:set>
+                                    <p:animEffect transition="in" filter="fade">
+                                      <p:cBhvr>
+                                        <p:cTn id="81" dur="1000"/>
+                                        <p:tgtEl>
+                                          <p:spTgt spid="9"/>
+                                        </p:tgtEl>
+                                      </p:cBhvr>
+                                    </p:animEffect>
+                                    <p:anim calcmode="lin" valueType="num">
+                                      <p:cBhvr>
+                                        <p:cTn id="82" dur="1000" fill="hold"/>
+                                        <p:tgtEl>
+                                          <p:spTgt spid="9"/>
+                                        </p:tgtEl>
+                                        <p:attrNameLst>
+                                          <p:attrName>ppt_x</p:attrName>
+                                        </p:attrNameLst>
+                                      </p:cBhvr>
+                                      <p:tavLst>
+                                        <p:tav tm="0">
+                                          <p:val>
+                                            <p:strVal val="#ppt_x"/>
+                                          </p:val>
+                                        </p:tav>
+                                        <p:tav tm="100000">
+                                          <p:val>
+                                            <p:strVal val="#ppt_x"/>
+                                          </p:val>
+                                        </p:tav>
+                                      </p:tavLst>
+                                    </p:anim>
+                                    <p:anim calcmode="lin" valueType="num">
+                                      <p:cBhvr>
+                                        <p:cTn id="83" dur="1000" fill="hold"/>
+                                        <p:tgtEl>
+                                          <p:spTgt spid="9"/>
+                                        </p:tgtEl>
+                                        <p:attrNameLst>
+                                          <p:attrName>ppt_y</p:attrName>
+                                        </p:attrNameLst>
+                                      </p:cBhvr>
+                                      <p:tavLst>
+                                        <p:tav tm="0">
+                                          <p:val>
+                                            <p:strVal val="#ppt_y-.1"/>
+                                          </p:val>
+                                        </p:tav>
+                                        <p:tav tm="100000">
+                                          <p:val>
+                                            <p:strVal val="#ppt_y"/>
+                                          </p:val>
+                                        </p:tav>
+                                      </p:tavLst>
+                                    </p:anim>
+                                  </p:childTnLst>
+                                </p:cTn>
+                              </p:par>
+                            </p:childTnLst>
+                          </p:cTn>
+                        </p:par>
+                      </p:childTnLst>
+                    </p:cTn>
+                  </p:par>
+                  <p:par>
+                    <p:cTn id="84" fill="hold">
+                      <p:stCondLst>
+                        <p:cond delay="indefinite"/>
+                      </p:stCondLst>
+                      <p:childTnLst>
+                        <p:par>
+                          <p:cTn id="85" fill="hold">
+                            <p:stCondLst>
+                              <p:cond delay="0"/>
+                            </p:stCondLst>
+                            <p:childTnLst>
+                              <p:par>
+                                <p:cTn id="86" presetID="2" presetClass="exit" presetSubtype="4" fill="hold" nodeType="clickEffect">
+                                  <p:stCondLst>
+                                    <p:cond delay="0"/>
+                                  </p:stCondLst>
+                                  <p:childTnLst>
+                                    <p:anim calcmode="lin" valueType="num">
+                                      <p:cBhvr additive="base">
+                                        <p:cTn id="87" dur="500"/>
+                                        <p:tgtEl>
+                                          <p:spTgt spid="9"/>
+                                        </p:tgtEl>
+                                        <p:attrNameLst>
+                                          <p:attrName>ppt_x</p:attrName>
+                                        </p:attrNameLst>
+                                      </p:cBhvr>
+                                      <p:tavLst>
+                                        <p:tav tm="0">
+                                          <p:val>
+                                            <p:strVal val="ppt_x"/>
+                                          </p:val>
+                                        </p:tav>
+                                        <p:tav tm="100000">
+                                          <p:val>
+                                            <p:strVal val="ppt_x"/>
+                                          </p:val>
+                                        </p:tav>
+                                      </p:tavLst>
+                                    </p:anim>
+                                    <p:anim calcmode="lin" valueType="num">
+                                      <p:cBhvr additive="base">
+                                        <p:cTn id="88" dur="500"/>
+                                        <p:tgtEl>
+                                          <p:spTgt spid="9"/>
+                                        </p:tgtEl>
+                                        <p:attrNameLst>
+                                          <p:attrName>ppt_y</p:attrName>
+                                        </p:attrNameLst>
+                                      </p:cBhvr>
+                                      <p:tavLst>
+                                        <p:tav tm="0">
+                                          <p:val>
+                                            <p:strVal val="ppt_y"/>
+                                          </p:val>
+                                        </p:tav>
+                                        <p:tav tm="100000">
+                                          <p:val>
+                                            <p:strVal val="1+ppt_h/2"/>
+                                          </p:val>
+                                        </p:tav>
+                                      </p:tavLst>
+                                    </p:anim>
+                                    <p:set>
+                                      <p:cBhvr>
+                                        <p:cTn id="89" dur="1" fill="hold">
+                                          <p:stCondLst>
+                                            <p:cond delay="499"/>
+                                          </p:stCondLst>
+                                        </p:cTn>
+                                        <p:tgtEl>
+                                          <p:spTgt spid="9"/>
+                                        </p:tgtEl>
+                                        <p:attrNameLst>
+                                          <p:attrName>style.visibility</p:attrName>
+                                        </p:attrNameLst>
+                                      </p:cBhvr>
+                                      <p:to>
+                                        <p:strVal val="hidden"/>
+                                      </p:to>
+                                    </p:set>
+                                  </p:childTnLst>
+                                </p:cTn>
+                              </p:par>
+                            </p:childTnLst>
+                          </p:cTn>
+                        </p:par>
+                      </p:childTnLst>
+                    </p:cTn>
+                  </p:par>
+                  <p:par>
+                    <p:cTn id="90" fill="hold">
+                      <p:stCondLst>
+                        <p:cond delay="indefinite"/>
+                      </p:stCondLst>
+                      <p:childTnLst>
+                        <p:par>
+                          <p:cTn id="91" fill="hold">
+                            <p:stCondLst>
+                              <p:cond delay="0"/>
+                            </p:stCondLst>
+                            <p:childTnLst>
+                              <p:par>
+                                <p:cTn id="92" presetID="42" presetClass="entr" presetSubtype="0" fill="hold" nodeType="clickEffect">
+                                  <p:stCondLst>
+                                    <p:cond delay="0"/>
+                                  </p:stCondLst>
+                                  <p:childTnLst>
+                                    <p:set>
+                                      <p:cBhvr>
+                                        <p:cTn id="93" dur="1" fill="hold">
+                                          <p:stCondLst>
+                                            <p:cond delay="0"/>
+                                          </p:stCondLst>
+                                        </p:cTn>
+                                        <p:tgtEl>
+                                          <p:spTgt spid="10"/>
+                                        </p:tgtEl>
+                                        <p:attrNameLst>
+                                          <p:attrName>style.visibility</p:attrName>
+                                        </p:attrNameLst>
+                                      </p:cBhvr>
+                                      <p:to>
+                                        <p:strVal val="visible"/>
+                                      </p:to>
+                                    </p:set>
+                                    <p:animEffect transition="in" filter="fade">
+                                      <p:cBhvr>
+                                        <p:cTn id="94" dur="1000"/>
+                                        <p:tgtEl>
+                                          <p:spTgt spid="10"/>
+                                        </p:tgtEl>
+                                      </p:cBhvr>
+                                    </p:animEffect>
+                                    <p:anim calcmode="lin" valueType="num">
+                                      <p:cBhvr>
+                                        <p:cTn id="95" dur="1000" fill="hold"/>
+                                        <p:tgtEl>
+                                          <p:spTgt spid="10"/>
+                                        </p:tgtEl>
+                                        <p:attrNameLst>
+                                          <p:attrName>ppt_x</p:attrName>
+                                        </p:attrNameLst>
+                                      </p:cBhvr>
+                                      <p:tavLst>
+                                        <p:tav tm="0">
+                                          <p:val>
+                                            <p:strVal val="#ppt_x"/>
+                                          </p:val>
+                                        </p:tav>
+                                        <p:tav tm="100000">
+                                          <p:val>
+                                            <p:strVal val="#ppt_x"/>
+                                          </p:val>
+                                        </p:tav>
+                                      </p:tavLst>
+                                    </p:anim>
+                                    <p:anim calcmode="lin" valueType="num">
+                                      <p:cBhvr>
+                                        <p:cTn id="96" dur="1000" fill="hold"/>
+                                        <p:tgtEl>
+                                          <p:spTgt spid="10"/>
+                                        </p:tgtEl>
+                                        <p:attrNameLst>
+                                          <p:attrName>ppt_y</p:attrName>
+                                        </p:attrNameLst>
+                                      </p:cBhvr>
+                                      <p:tavLst>
+                                        <p:tav tm="0">
+                                          <p:val>
+                                            <p:strVal val="#ppt_y+.1"/>
+                                          </p:val>
+                                        </p:tav>
+                                        <p:tav tm="100000">
+                                          <p:val>
+                                            <p:strVal val="#ppt_y"/>
+                                          </p:val>
+                                        </p:tav>
+                                      </p:tavLst>
+                                    </p:anim>
+                                  </p:childTnLst>
+                                </p:cTn>
+                              </p:par>
+                            </p:childTnLst>
+                          </p:cTn>
+                        </p:par>
+                      </p:childTnLst>
+                    </p:cTn>
+                  </p:par>
+                  <p:par>
+                    <p:cTn id="97" fill="hold">
+                      <p:stCondLst>
+                        <p:cond delay="indefinite"/>
+                      </p:stCondLst>
+                      <p:childTnLst>
+                        <p:par>
+                          <p:cTn id="98" fill="hold">
+                            <p:stCondLst>
+                              <p:cond delay="0"/>
+                            </p:stCondLst>
+                            <p:childTnLst>
+                              <p:par>
+                                <p:cTn id="99" presetID="2" presetClass="exit" presetSubtype="4" fill="hold" nodeType="clickEffect">
+                                  <p:stCondLst>
+                                    <p:cond delay="0"/>
+                                  </p:stCondLst>
+                                  <p:childTnLst>
+                                    <p:anim calcmode="lin" valueType="num">
+                                      <p:cBhvr additive="base">
+                                        <p:cTn id="100" dur="500"/>
+                                        <p:tgtEl>
+                                          <p:spTgt spid="10"/>
+                                        </p:tgtEl>
+                                        <p:attrNameLst>
+                                          <p:attrName>ppt_x</p:attrName>
+                                        </p:attrNameLst>
+                                      </p:cBhvr>
+                                      <p:tavLst>
+                                        <p:tav tm="0">
+                                          <p:val>
+                                            <p:strVal val="ppt_x"/>
+                                          </p:val>
+                                        </p:tav>
+                                        <p:tav tm="100000">
+                                          <p:val>
+                                            <p:strVal val="ppt_x"/>
+                                          </p:val>
+                                        </p:tav>
+                                      </p:tavLst>
+                                    </p:anim>
+                                    <p:anim calcmode="lin" valueType="num">
+                                      <p:cBhvr additive="base">
+                                        <p:cTn id="101" dur="500"/>
+                                        <p:tgtEl>
+                                          <p:spTgt spid="10"/>
+                                        </p:tgtEl>
+                                        <p:attrNameLst>
+                                          <p:attrName>ppt_y</p:attrName>
+                                        </p:attrNameLst>
+                                      </p:cBhvr>
+                                      <p:tavLst>
+                                        <p:tav tm="0">
+                                          <p:val>
+                                            <p:strVal val="ppt_y"/>
+                                          </p:val>
+                                        </p:tav>
+                                        <p:tav tm="100000">
+                                          <p:val>
+                                            <p:strVal val="1+ppt_h/2"/>
+                                          </p:val>
+                                        </p:tav>
+                                      </p:tavLst>
+                                    </p:anim>
+                                    <p:set>
+                                      <p:cBhvr>
+                                        <p:cTn id="102" dur="1" fill="hold">
+                                          <p:stCondLst>
+                                            <p:cond delay="499"/>
+                                          </p:stCondLst>
+                                        </p:cTn>
+                                        <p:tgtEl>
+                                          <p:spTgt spid="10"/>
+                                        </p:tgtEl>
+                                        <p:attrNameLst>
+                                          <p:attrName>style.visibility</p:attrName>
+                                        </p:attrNameLst>
+                                      </p:cBhvr>
+                                      <p:to>
+                                        <p:strVal val="hidden"/>
+                                      </p:to>
+                                    </p:set>
+                                  </p:childTnLst>
+                                </p:cTn>
+                              </p:par>
+                            </p:childTnLst>
+                          </p:cTn>
+                        </p:par>
+                      </p:childTnLst>
+                    </p:cTn>
+                  </p:par>
+                  <p:par>
+                    <p:cTn id="103" fill="hold">
+                      <p:stCondLst>
+                        <p:cond delay="indefinite"/>
+                      </p:stCondLst>
+                      <p:childTnLst>
+                        <p:par>
+                          <p:cTn id="104" fill="hold">
+                            <p:stCondLst>
+                              <p:cond delay="0"/>
+                            </p:stCondLst>
+                            <p:childTnLst>
+                              <p:par>
+                                <p:cTn id="105" presetID="42" presetClass="exit" presetSubtype="0" fill="hold" nodeType="clickEffect">
+                                  <p:stCondLst>
+                                    <p:cond delay="0"/>
+                                  </p:stCondLst>
+                                  <p:childTnLst>
+                                    <p:animEffect transition="out" filter="fade">
+                                      <p:cBhvr>
+                                        <p:cTn id="106" dur="1000"/>
+                                        <p:tgtEl>
+                                          <p:spTgt spid="10"/>
+                                        </p:tgtEl>
+                                      </p:cBhvr>
+                                    </p:animEffect>
+                                    <p:anim calcmode="lin" valueType="num">
+                                      <p:cBhvr>
+                                        <p:cTn id="107" dur="1000"/>
+                                        <p:tgtEl>
+                                          <p:spTgt spid="10"/>
+                                        </p:tgtEl>
+                                        <p:attrNameLst>
+                                          <p:attrName>ppt_x</p:attrName>
+                                        </p:attrNameLst>
+                                      </p:cBhvr>
+                                      <p:tavLst>
+                                        <p:tav tm="0">
+                                          <p:val>
+                                            <p:strVal val="ppt_x"/>
+                                          </p:val>
+                                        </p:tav>
+                                        <p:tav tm="100000">
+                                          <p:val>
+                                            <p:strVal val="ppt_x"/>
+                                          </p:val>
+                                        </p:tav>
+                                      </p:tavLst>
+                                    </p:anim>
+                                    <p:anim calcmode="lin" valueType="num">
+                                      <p:cBhvr>
+                                        <p:cTn id="108" dur="1000"/>
+                                        <p:tgtEl>
+                                          <p:spTgt spid="10"/>
+                                        </p:tgtEl>
+                                        <p:attrNameLst>
+                                          <p:attrName>ppt_y</p:attrName>
+                                        </p:attrNameLst>
+                                      </p:cBhvr>
+                                      <p:tavLst>
+                                        <p:tav tm="0">
+                                          <p:val>
+                                            <p:strVal val="ppt_y"/>
+                                          </p:val>
+                                        </p:tav>
+                                        <p:tav tm="100000">
+                                          <p:val>
+                                            <p:strVal val="ppt_y+.1"/>
+                                          </p:val>
+                                        </p:tav>
+                                      </p:tavLst>
+                                    </p:anim>
+                                    <p:set>
+                                      <p:cBhvr>
+                                        <p:cTn id="109" dur="1" fill="hold">
+                                          <p:stCondLst>
+                                            <p:cond delay="999"/>
+                                          </p:stCondLst>
+                                        </p:cTn>
+                                        <p:tgtEl>
+                                          <p:spTgt spid="10"/>
+                                        </p:tgtEl>
+                                        <p:attrNameLst>
+                                          <p:attrName>style.visibility</p:attrName>
+                                        </p:attrNameLst>
+                                      </p:cBhvr>
+                                      <p:to>
+                                        <p:strVal val="hidden"/>
+                                      </p:to>
+                                    </p:set>
+                                  </p:childTnLst>
+                                </p:cTn>
+                              </p:par>
+                            </p:childTnLst>
+                          </p:cTn>
+                        </p:par>
+                      </p:childTnLst>
+                    </p:cTn>
+                  </p:par>
+                  <p:par>
+                    <p:cTn id="110" fill="hold">
+                      <p:stCondLst>
+                        <p:cond delay="indefinite"/>
+                      </p:stCondLst>
+                      <p:childTnLst>
+                        <p:par>
+                          <p:cTn id="111" fill="hold">
+                            <p:stCondLst>
+                              <p:cond delay="0"/>
+                            </p:stCondLst>
+                            <p:childTnLst>
+                              <p:par>
+                                <p:cTn id="112" presetID="42" presetClass="entr" presetSubtype="0" fill="hold" nodeType="clickEffect">
+                                  <p:stCondLst>
+                                    <p:cond delay="0"/>
+                                  </p:stCondLst>
+                                  <p:childTnLst>
+                                    <p:set>
+                                      <p:cBhvr>
+                                        <p:cTn id="113" dur="1" fill="hold">
+                                          <p:stCondLst>
+                                            <p:cond delay="0"/>
+                                          </p:stCondLst>
+                                        </p:cTn>
+                                        <p:tgtEl>
+                                          <p:spTgt spid="11"/>
+                                        </p:tgtEl>
+                                        <p:attrNameLst>
+                                          <p:attrName>style.visibility</p:attrName>
+                                        </p:attrNameLst>
+                                      </p:cBhvr>
+                                      <p:to>
+                                        <p:strVal val="visible"/>
+                                      </p:to>
+                                    </p:set>
+                                    <p:animEffect transition="in" filter="fade">
+                                      <p:cBhvr>
+                                        <p:cTn id="114" dur="1000"/>
+                                        <p:tgtEl>
+                                          <p:spTgt spid="11"/>
+                                        </p:tgtEl>
+                                      </p:cBhvr>
+                                    </p:animEffect>
+                                    <p:anim calcmode="lin" valueType="num">
+                                      <p:cBhvr>
+                                        <p:cTn id="115" dur="1000" fill="hold"/>
+                                        <p:tgtEl>
+                                          <p:spTgt spid="11"/>
+                                        </p:tgtEl>
+                                        <p:attrNameLst>
+                                          <p:attrName>ppt_x</p:attrName>
+                                        </p:attrNameLst>
+                                      </p:cBhvr>
+                                      <p:tavLst>
+                                        <p:tav tm="0">
+                                          <p:val>
+                                            <p:strVal val="#ppt_x"/>
+                                          </p:val>
+                                        </p:tav>
+                                        <p:tav tm="100000">
+                                          <p:val>
+                                            <p:strVal val="#ppt_x"/>
+                                          </p:val>
+                                        </p:tav>
+                                      </p:tavLst>
+                                    </p:anim>
+                                    <p:anim calcmode="lin" valueType="num">
+                                      <p:cBhvr>
+                                        <p:cTn id="116" dur="1000" fill="hold"/>
+                                        <p:tgtEl>
+                                          <p:spTgt spid="11"/>
+                                        </p:tgtEl>
+                                        <p:attrNameLst>
+                                          <p:attrName>ppt_y</p:attrName>
+                                        </p:attrNameLst>
+                                      </p:cBhvr>
+                                      <p:tavLst>
+                                        <p:tav tm="0">
+                                          <p:val>
+                                            <p:strVal val="#ppt_y+.1"/>
+                                          </p:val>
+                                        </p:tav>
+                                        <p:tav tm="100000">
+                                          <p:val>
+                                            <p:strVal val="#ppt_y"/>
+                                          </p:val>
+                                        </p:tav>
+                                      </p:tavLst>
+                                    </p:anim>
+                                  </p:childTnLst>
+                                </p:cTn>
+                              </p:par>
+                            </p:childTnLst>
+                          </p:cTn>
+                        </p:par>
+                      </p:childTnLst>
+                    </p:cTn>
+                  </p:par>
+                  <p:par>
+                    <p:cTn id="117" fill="hold">
+                      <p:stCondLst>
+                        <p:cond delay="indefinite"/>
+                      </p:stCondLst>
+                      <p:childTnLst>
+                        <p:par>
+                          <p:cTn id="118" fill="hold">
+                            <p:stCondLst>
+                              <p:cond delay="0"/>
+                            </p:stCondLst>
+                            <p:childTnLst>
+                              <p:par>
+                                <p:cTn id="119" presetID="42" presetClass="exit" presetSubtype="0" fill="hold" nodeType="clickEffect">
+                                  <p:stCondLst>
+                                    <p:cond delay="0"/>
+                                  </p:stCondLst>
+                                  <p:childTnLst>
+                                    <p:animEffect transition="out" filter="fade">
+                                      <p:cBhvr>
+                                        <p:cTn id="120" dur="1000"/>
+                                        <p:tgtEl>
+                                          <p:spTgt spid="11"/>
+                                        </p:tgtEl>
+                                      </p:cBhvr>
+                                    </p:animEffect>
+                                    <p:anim calcmode="lin" valueType="num">
+                                      <p:cBhvr>
+                                        <p:cTn id="121" dur="1000"/>
+                                        <p:tgtEl>
+                                          <p:spTgt spid="11"/>
+                                        </p:tgtEl>
+                                        <p:attrNameLst>
+                                          <p:attrName>ppt_x</p:attrName>
+                                        </p:attrNameLst>
+                                      </p:cBhvr>
+                                      <p:tavLst>
+                                        <p:tav tm="0">
+                                          <p:val>
+                                            <p:strVal val="ppt_x"/>
+                                          </p:val>
+                                        </p:tav>
+                                        <p:tav tm="100000">
+                                          <p:val>
+                                            <p:strVal val="ppt_x"/>
+                                          </p:val>
+                                        </p:tav>
+                                      </p:tavLst>
+                                    </p:anim>
+                                    <p:anim calcmode="lin" valueType="num">
+                                      <p:cBhvr>
+                                        <p:cTn id="122" dur="1000"/>
+                                        <p:tgtEl>
+                                          <p:spTgt spid="11"/>
+                                        </p:tgtEl>
+                                        <p:attrNameLst>
+                                          <p:attrName>ppt_y</p:attrName>
+                                        </p:attrNameLst>
+                                      </p:cBhvr>
+                                      <p:tavLst>
+                                        <p:tav tm="0">
+                                          <p:val>
+                                            <p:strVal val="ppt_y"/>
+                                          </p:val>
+                                        </p:tav>
+                                        <p:tav tm="100000">
+                                          <p:val>
+                                            <p:strVal val="ppt_y+.1"/>
+                                          </p:val>
+                                        </p:tav>
+                                      </p:tavLst>
+                                    </p:anim>
+                                    <p:set>
+                                      <p:cBhvr>
+                                        <p:cTn id="123" dur="1" fill="hold">
+                                          <p:stCondLst>
+                                            <p:cond delay="999"/>
+                                          </p:stCondLst>
+                                        </p:cTn>
+                                        <p:tgtEl>
+                                          <p:spTgt spid="11"/>
+                                        </p:tgtEl>
+                                        <p:attrNameLst>
+                                          <p:attrName>style.visibility</p:attrName>
+                                        </p:attrNameLst>
+                                      </p:cBhvr>
+                                      <p:to>
+                                        <p:strVal val="hidden"/>
+                                      </p:to>
+                                    </p:set>
+                                  </p:childTnLst>
+                                </p:cTn>
+                              </p:par>
+                            </p:childTnLst>
+                          </p:cTn>
+                        </p:par>
+                      </p:childTnLst>
+                    </p:cTn>
+                  </p:par>
+                  <p:par>
+                    <p:cTn id="124" fill="hold">
+                      <p:stCondLst>
+                        <p:cond delay="indefinite"/>
+                      </p:stCondLst>
+                      <p:childTnLst>
+                        <p:par>
+                          <p:cTn id="125" fill="hold">
+                            <p:stCondLst>
+                              <p:cond delay="0"/>
+                            </p:stCondLst>
+                            <p:childTnLst>
+                              <p:par>
+                                <p:cTn id="126" presetID="47" presetClass="entr" presetSubtype="0" fill="hold" nodeType="clickEffect">
+                                  <p:stCondLst>
+                                    <p:cond delay="0"/>
+                                  </p:stCondLst>
+                                  <p:childTnLst>
+                                    <p:set>
+                                      <p:cBhvr>
+                                        <p:cTn id="127" dur="1" fill="hold">
+                                          <p:stCondLst>
+                                            <p:cond delay="0"/>
+                                          </p:stCondLst>
+                                        </p:cTn>
+                                        <p:tgtEl>
+                                          <p:spTgt spid="12"/>
+                                        </p:tgtEl>
+                                        <p:attrNameLst>
+                                          <p:attrName>style.visibility</p:attrName>
+                                        </p:attrNameLst>
+                                      </p:cBhvr>
+                                      <p:to>
+                                        <p:strVal val="visible"/>
+                                      </p:to>
+                                    </p:set>
+                                    <p:animEffect transition="in" filter="fade">
+                                      <p:cBhvr>
+                                        <p:cTn id="128" dur="1000"/>
+                                        <p:tgtEl>
+                                          <p:spTgt spid="12"/>
+                                        </p:tgtEl>
+                                      </p:cBhvr>
+                                    </p:animEffect>
+                                    <p:anim calcmode="lin" valueType="num">
+                                      <p:cBhvr>
+                                        <p:cTn id="129" dur="1000" fill="hold"/>
+                                        <p:tgtEl>
+                                          <p:spTgt spid="12"/>
+                                        </p:tgtEl>
+                                        <p:attrNameLst>
+                                          <p:attrName>ppt_x</p:attrName>
+                                        </p:attrNameLst>
+                                      </p:cBhvr>
+                                      <p:tavLst>
+                                        <p:tav tm="0">
+                                          <p:val>
+                                            <p:strVal val="#ppt_x"/>
+                                          </p:val>
+                                        </p:tav>
+                                        <p:tav tm="100000">
+                                          <p:val>
+                                            <p:strVal val="#ppt_x"/>
+                                          </p:val>
+                                        </p:tav>
+                                      </p:tavLst>
+                                    </p:anim>
+                                    <p:anim calcmode="lin" valueType="num">
+                                      <p:cBhvr>
+                                        <p:cTn id="130" dur="1000" fill="hold"/>
+                                        <p:tgtEl>
+                                          <p:spTgt spid="12"/>
+                                        </p:tgtEl>
+                                        <p:attrNameLst>
+                                          <p:attrName>ppt_y</p:attrName>
+                                        </p:attrNameLst>
+                                      </p:cBhvr>
+                                      <p:tavLst>
+                                        <p:tav tm="0">
+                                          <p:val>
+                                            <p:strVal val="#ppt_y-.1"/>
+                                          </p:val>
+                                        </p:tav>
+                                        <p:tav tm="100000">
+                                          <p:val>
+                                            <p:strVal val="#ppt_y"/>
+                                          </p:val>
+                                        </p:tav>
+                                      </p:tavLst>
+                                    </p:anim>
+                                  </p:childTnLst>
+                                </p:cTn>
+                              </p:par>
+                            </p:childTnLst>
+                          </p:cTn>
+                        </p:par>
+                      </p:childTnLst>
+                    </p:cTn>
+                  </p:par>
+                  <p:par>
+                    <p:cTn id="131" fill="hold">
+                      <p:stCondLst>
+                        <p:cond delay="indefinite"/>
+                      </p:stCondLst>
+                      <p:childTnLst>
+                        <p:par>
+                          <p:cTn id="132" fill="hold">
+                            <p:stCondLst>
+                              <p:cond delay="0"/>
+                            </p:stCondLst>
+                            <p:childTnLst>
+                              <p:par>
+                                <p:cTn id="133" presetID="42" presetClass="exit" presetSubtype="0" fill="hold" nodeType="clickEffect">
+                                  <p:stCondLst>
+                                    <p:cond delay="0"/>
+                                  </p:stCondLst>
+                                  <p:childTnLst>
+                                    <p:animEffect transition="out" filter="fade">
+                                      <p:cBhvr>
+                                        <p:cTn id="134" dur="1000"/>
+                                        <p:tgtEl>
+                                          <p:spTgt spid="12"/>
+                                        </p:tgtEl>
+                                      </p:cBhvr>
+                                    </p:animEffect>
+                                    <p:anim calcmode="lin" valueType="num">
+                                      <p:cBhvr>
+                                        <p:cTn id="135" dur="1000"/>
+                                        <p:tgtEl>
+                                          <p:spTgt spid="12"/>
+                                        </p:tgtEl>
+                                        <p:attrNameLst>
+                                          <p:attrName>ppt_x</p:attrName>
+                                        </p:attrNameLst>
+                                      </p:cBhvr>
+                                      <p:tavLst>
+                                        <p:tav tm="0">
+                                          <p:val>
+                                            <p:strVal val="ppt_x"/>
+                                          </p:val>
+                                        </p:tav>
+                                        <p:tav tm="100000">
+                                          <p:val>
+                                            <p:strVal val="ppt_x"/>
+                                          </p:val>
+                                        </p:tav>
+                                      </p:tavLst>
+                                    </p:anim>
+                                    <p:anim calcmode="lin" valueType="num">
+                                      <p:cBhvr>
+                                        <p:cTn id="136" dur="1000"/>
+                                        <p:tgtEl>
+                                          <p:spTgt spid="12"/>
+                                        </p:tgtEl>
+                                        <p:attrNameLst>
+                                          <p:attrName>ppt_y</p:attrName>
+                                        </p:attrNameLst>
+                                      </p:cBhvr>
+                                      <p:tavLst>
+                                        <p:tav tm="0">
+                                          <p:val>
+                                            <p:strVal val="ppt_y"/>
+                                          </p:val>
+                                        </p:tav>
+                                        <p:tav tm="100000">
+                                          <p:val>
+                                            <p:strVal val="ppt_y+.1"/>
+                                          </p:val>
+                                        </p:tav>
+                                      </p:tavLst>
+                                    </p:anim>
+                                    <p:set>
+                                      <p:cBhvr>
+                                        <p:cTn id="137" dur="1" fill="hold">
+                                          <p:stCondLst>
+                                            <p:cond delay="999"/>
+                                          </p:stCondLst>
+                                        </p:cTn>
+                                        <p:tgtEl>
+                                          <p:spTgt spid="12"/>
+                                        </p:tgtEl>
+                                        <p:attrNameLst>
+                                          <p:attrName>style.visibility</p:attrName>
+                                        </p:attrNameLst>
+                                      </p:cBhvr>
+                                      <p:to>
+                                        <p:strVal val="hidden"/>
+                                      </p:to>
+                                    </p:set>
+                                  </p:childTnLst>
+                                </p:cTn>
+                              </p:par>
+                            </p:childTnLst>
+                          </p:cTn>
+                        </p:par>
+                      </p:childTnLst>
+                    </p:cTn>
+                  </p:par>
+                  <p:par>
+                    <p:cTn id="138" fill="hold">
+                      <p:stCondLst>
+                        <p:cond delay="indefinite"/>
+                      </p:stCondLst>
+                      <p:childTnLst>
+                        <p:par>
+                          <p:cTn id="139" fill="hold">
+                            <p:stCondLst>
+                              <p:cond delay="0"/>
+                            </p:stCondLst>
+                            <p:childTnLst>
+                              <p:par>
+                                <p:cTn id="140" presetID="42" presetClass="entr" presetSubtype="0" fill="hold" nodeType="clickEffect">
+                                  <p:stCondLst>
+                                    <p:cond delay="0"/>
+                                  </p:stCondLst>
+                                  <p:childTnLst>
+                                    <p:set>
+                                      <p:cBhvr>
+                                        <p:cTn id="141" dur="1" fill="hold">
+                                          <p:stCondLst>
+                                            <p:cond delay="0"/>
+                                          </p:stCondLst>
+                                        </p:cTn>
+                                        <p:tgtEl>
+                                          <p:spTgt spid="13"/>
+                                        </p:tgtEl>
+                                        <p:attrNameLst>
+                                          <p:attrName>style.visibility</p:attrName>
+                                        </p:attrNameLst>
+                                      </p:cBhvr>
+                                      <p:to>
+                                        <p:strVal val="visible"/>
+                                      </p:to>
+                                    </p:set>
+                                    <p:animEffect transition="in" filter="fade">
+                                      <p:cBhvr>
+                                        <p:cTn id="142" dur="1000"/>
+                                        <p:tgtEl>
+                                          <p:spTgt spid="13"/>
+                                        </p:tgtEl>
+                                      </p:cBhvr>
+                                    </p:animEffect>
+                                    <p:anim calcmode="lin" valueType="num">
+                                      <p:cBhvr>
+                                        <p:cTn id="143" dur="1000" fill="hold"/>
+                                        <p:tgtEl>
+                                          <p:spTgt spid="13"/>
+                                        </p:tgtEl>
+                                        <p:attrNameLst>
+                                          <p:attrName>ppt_x</p:attrName>
+                                        </p:attrNameLst>
+                                      </p:cBhvr>
+                                      <p:tavLst>
+                                        <p:tav tm="0">
+                                          <p:val>
+                                            <p:strVal val="#ppt_x"/>
+                                          </p:val>
+                                        </p:tav>
+                                        <p:tav tm="100000">
+                                          <p:val>
+                                            <p:strVal val="#ppt_x"/>
+                                          </p:val>
+                                        </p:tav>
+                                      </p:tavLst>
+                                    </p:anim>
+                                    <p:anim calcmode="lin" valueType="num">
+                                      <p:cBhvr>
+                                        <p:cTn id="144" dur="1000" fill="hold"/>
+                                        <p:tgtEl>
+                                          <p:spTgt spid="13"/>
+                                        </p:tgtEl>
+                                        <p:attrNameLst>
+                                          <p:attrName>ppt_y</p:attrName>
+                                        </p:attrNameLst>
+                                      </p:cBhvr>
+                                      <p:tavLst>
+                                        <p:tav tm="0">
+                                          <p:val>
+                                            <p:strVal val="#ppt_y+.1"/>
+                                          </p:val>
+                                        </p:tav>
+                                        <p:tav tm="100000">
+                                          <p:val>
+                                            <p:strVal val="#ppt_y"/>
+                                          </p:val>
+                                        </p:tav>
+                                      </p:tavLst>
+                                    </p:anim>
+                                  </p:childTnLst>
+                                </p:cTn>
+                              </p:par>
+                            </p:childTnLst>
+                          </p:cTn>
+                        </p:par>
+                      </p:childTnLst>
+                    </p:cTn>
+                  </p:par>
+                  <p:par>
+                    <p:cTn id="145" fill="hold">
+                      <p:stCondLst>
+                        <p:cond delay="indefinite"/>
+                      </p:stCondLst>
+                      <p:childTnLst>
+                        <p:par>
+                          <p:cTn id="146" fill="hold">
+                            <p:stCondLst>
+                              <p:cond delay="0"/>
+                            </p:stCondLst>
+                            <p:childTnLst>
+                              <p:par>
+                                <p:cTn id="147" presetID="2" presetClass="exit" presetSubtype="4" fill="hold" nodeType="clickEffect">
+                                  <p:stCondLst>
+                                    <p:cond delay="0"/>
+                                  </p:stCondLst>
+                                  <p:childTnLst>
+                                    <p:anim calcmode="lin" valueType="num">
+                                      <p:cBhvr additive="base">
+                                        <p:cTn id="148" dur="500"/>
+                                        <p:tgtEl>
+                                          <p:spTgt spid="13"/>
+                                        </p:tgtEl>
+                                        <p:attrNameLst>
+                                          <p:attrName>ppt_x</p:attrName>
+                                        </p:attrNameLst>
+                                      </p:cBhvr>
+                                      <p:tavLst>
+                                        <p:tav tm="0">
+                                          <p:val>
+                                            <p:strVal val="ppt_x"/>
+                                          </p:val>
+                                        </p:tav>
+                                        <p:tav tm="100000">
+                                          <p:val>
+                                            <p:strVal val="ppt_x"/>
+                                          </p:val>
+                                        </p:tav>
+                                      </p:tavLst>
+                                    </p:anim>
+                                    <p:anim calcmode="lin" valueType="num">
+                                      <p:cBhvr additive="base">
+                                        <p:cTn id="149" dur="500"/>
+                                        <p:tgtEl>
+                                          <p:spTgt spid="13"/>
+                                        </p:tgtEl>
+                                        <p:attrNameLst>
+                                          <p:attrName>ppt_y</p:attrName>
+                                        </p:attrNameLst>
+                                      </p:cBhvr>
+                                      <p:tavLst>
+                                        <p:tav tm="0">
+                                          <p:val>
+                                            <p:strVal val="ppt_y"/>
+                                          </p:val>
+                                        </p:tav>
+                                        <p:tav tm="100000">
+                                          <p:val>
+                                            <p:strVal val="1+ppt_h/2"/>
+                                          </p:val>
+                                        </p:tav>
+                                      </p:tavLst>
+                                    </p:anim>
+                                    <p:set>
+                                      <p:cBhvr>
+                                        <p:cTn id="150" dur="1" fill="hold">
+                                          <p:stCondLst>
+                                            <p:cond delay="499"/>
+                                          </p:stCondLst>
+                                        </p:cTn>
+                                        <p:tgtEl>
+                                          <p:spTgt spid="13"/>
+                                        </p:tgtEl>
+                                        <p:attrNameLst>
+                                          <p:attrName>style.visibility</p:attrName>
+                                        </p:attrNameLst>
+                                      </p:cBhvr>
+                                      <p:to>
+                                        <p:strVal val="hidden"/>
+                                      </p:to>
+                                    </p:set>
+                                  </p:childTnLst>
+                                </p:cTn>
+                              </p:par>
+                            </p:childTnLst>
+                          </p:cTn>
+                        </p:par>
+                      </p:childTnLst>
+                    </p:cTn>
+                  </p:par>
+                  <p:par>
+                    <p:cTn id="151" fill="hold">
+                      <p:stCondLst>
+                        <p:cond delay="indefinite"/>
+                      </p:stCondLst>
+                      <p:childTnLst>
+                        <p:par>
+                          <p:cTn id="152" fill="hold">
+                            <p:stCondLst>
+                              <p:cond delay="0"/>
+                            </p:stCondLst>
+                            <p:childTnLst>
+                              <p:par>
+                                <p:cTn id="153" presetID="2" presetClass="entr" presetSubtype="9" fill="hold" nodeType="clickEffect">
+                                  <p:stCondLst>
+                                    <p:cond delay="0"/>
+                                  </p:stCondLst>
+                                  <p:childTnLst>
+                                    <p:set>
+                                      <p:cBhvr>
+                                        <p:cTn id="154" dur="1" fill="hold">
+                                          <p:stCondLst>
+                                            <p:cond delay="0"/>
+                                          </p:stCondLst>
+                                        </p:cTn>
+                                        <p:tgtEl>
+                                          <p:spTgt spid="14"/>
+                                        </p:tgtEl>
+                                        <p:attrNameLst>
+                                          <p:attrName>style.visibility</p:attrName>
+                                        </p:attrNameLst>
+                                      </p:cBhvr>
+                                      <p:to>
+                                        <p:strVal val="visible"/>
+                                      </p:to>
+                                    </p:set>
+                                    <p:anim calcmode="lin" valueType="num">
+                                      <p:cBhvr additive="base">
+                                        <p:cTn id="155" dur="500" fill="hold"/>
+                                        <p:tgtEl>
+                                          <p:spTgt spid="14"/>
+                                        </p:tgtEl>
+                                        <p:attrNameLst>
+                                          <p:attrName>ppt_x</p:attrName>
+                                        </p:attrNameLst>
+                                      </p:cBhvr>
+                                      <p:tavLst>
+                                        <p:tav tm="0">
+                                          <p:val>
+                                            <p:strVal val="0-#ppt_w/2"/>
+                                          </p:val>
+                                        </p:tav>
+                                        <p:tav tm="100000">
+                                          <p:val>
+                                            <p:strVal val="#ppt_x"/>
+                                          </p:val>
+                                        </p:tav>
+                                      </p:tavLst>
+                                    </p:anim>
+                                    <p:anim calcmode="lin" valueType="num">
+                                      <p:cBhvr additive="base">
+                                        <p:cTn id="156" dur="500" fill="hold"/>
+                                        <p:tgtEl>
+                                          <p:spTgt spid="14"/>
+                                        </p:tgtEl>
+                                        <p:attrNameLst>
+                                          <p:attrName>ppt_y</p:attrName>
+                                        </p:attrNameLst>
+                                      </p:cBhvr>
+                                      <p:tavLst>
+                                        <p:tav tm="0">
+                                          <p:val>
+                                            <p:strVal val="0-#ppt_h/2"/>
+                                          </p:val>
+                                        </p:tav>
+                                        <p:tav tm="100000">
+                                          <p:val>
+                                            <p:strVal val="#ppt_y"/>
+                                          </p:val>
+                                        </p:tav>
+                                      </p:tavLst>
+                                    </p:anim>
+                                  </p:childTnLst>
+                                </p:cTn>
+                              </p:par>
+                            </p:childTnLst>
+                          </p:cTn>
+                        </p:par>
+                      </p:childTnLst>
+                    </p:cTn>
+                  </p:par>
+                  <p:par>
+                    <p:cTn id="157" fill="hold">
+                      <p:stCondLst>
+                        <p:cond delay="indefinite"/>
+                      </p:stCondLst>
+                      <p:childTnLst>
+                        <p:par>
+                          <p:cTn id="158" fill="hold">
+                            <p:stCondLst>
+                              <p:cond delay="0"/>
+                            </p:stCondLst>
+                            <p:childTnLst>
+                              <p:par>
+                                <p:cTn id="159" presetID="47" presetClass="exit" presetSubtype="0" fill="hold" nodeType="clickEffect">
+                                  <p:stCondLst>
+                                    <p:cond delay="0"/>
+                                  </p:stCondLst>
+                                  <p:childTnLst>
+                                    <p:animEffect transition="out" filter="fade">
+                                      <p:cBhvr>
+                                        <p:cTn id="160" dur="1000"/>
+                                        <p:tgtEl>
+                                          <p:spTgt spid="14"/>
+                                        </p:tgtEl>
+                                      </p:cBhvr>
+                                    </p:animEffect>
+                                    <p:anim calcmode="lin" valueType="num">
+                                      <p:cBhvr>
+                                        <p:cTn id="161" dur="1000"/>
+                                        <p:tgtEl>
+                                          <p:spTgt spid="14"/>
+                                        </p:tgtEl>
+                                        <p:attrNameLst>
+                                          <p:attrName>ppt_x</p:attrName>
+                                        </p:attrNameLst>
+                                      </p:cBhvr>
+                                      <p:tavLst>
+                                        <p:tav tm="0">
+                                          <p:val>
+                                            <p:strVal val="ppt_x"/>
+                                          </p:val>
+                                        </p:tav>
+                                        <p:tav tm="100000">
+                                          <p:val>
+                                            <p:strVal val="ppt_x"/>
+                                          </p:val>
+                                        </p:tav>
+                                      </p:tavLst>
+                                    </p:anim>
+                                    <p:anim calcmode="lin" valueType="num">
+                                      <p:cBhvr>
+                                        <p:cTn id="162" dur="1000"/>
+                                        <p:tgtEl>
+                                          <p:spTgt spid="14"/>
+                                        </p:tgtEl>
+                                        <p:attrNameLst>
+                                          <p:attrName>ppt_y</p:attrName>
+                                        </p:attrNameLst>
+                                      </p:cBhvr>
+                                      <p:tavLst>
+                                        <p:tav tm="0">
+                                          <p:val>
+                                            <p:strVal val="ppt_y"/>
+                                          </p:val>
+                                        </p:tav>
+                                        <p:tav tm="100000">
+                                          <p:val>
+                                            <p:strVal val="ppt_y-.1"/>
+                                          </p:val>
+                                        </p:tav>
+                                      </p:tavLst>
+                                    </p:anim>
+                                    <p:set>
+                                      <p:cBhvr>
+                                        <p:cTn id="163" dur="1" fill="hold">
+                                          <p:stCondLst>
+                                            <p:cond delay="999"/>
+                                          </p:stCondLst>
+                                        </p:cTn>
+                                        <p:tgtEl>
+                                          <p:spTgt spid="14"/>
+                                        </p:tgtEl>
+                                        <p:attrNameLst>
+                                          <p:attrName>style.visibility</p:attrName>
+                                        </p:attrNameLst>
+                                      </p:cBhvr>
+                                      <p:to>
+                                        <p:strVal val="hidden"/>
+                                      </p:to>
+                                    </p:set>
+                                  </p:childTnLst>
+                                </p:cTn>
+                              </p:par>
+                            </p:childTnLst>
+                          </p:cTn>
+                        </p:par>
+                      </p:childTnLst>
+                    </p:cTn>
+                  </p:par>
+                  <p:par>
+                    <p:cTn id="164" fill="hold">
+                      <p:stCondLst>
+                        <p:cond delay="indefinite"/>
+                      </p:stCondLst>
+                      <p:childTnLst>
+                        <p:par>
+                          <p:cTn id="165" fill="hold">
+                            <p:stCondLst>
+                              <p:cond delay="0"/>
+                            </p:stCondLst>
+                            <p:childTnLst>
+                              <p:par>
+                                <p:cTn id="166" presetID="2" presetClass="entr" presetSubtype="3" fill="hold" nodeType="clickEffect">
+                                  <p:stCondLst>
+                                    <p:cond delay="0"/>
+                                  </p:stCondLst>
+                                  <p:childTnLst>
+                                    <p:set>
+                                      <p:cBhvr>
+                                        <p:cTn id="167" dur="1" fill="hold">
+                                          <p:stCondLst>
+                                            <p:cond delay="0"/>
+                                          </p:stCondLst>
+                                        </p:cTn>
+                                        <p:tgtEl>
+                                          <p:spTgt spid="15"/>
+                                        </p:tgtEl>
+                                        <p:attrNameLst>
+                                          <p:attrName>style.visibility</p:attrName>
+                                        </p:attrNameLst>
+                                      </p:cBhvr>
+                                      <p:to>
+                                        <p:strVal val="visible"/>
+                                      </p:to>
+                                    </p:set>
+                                    <p:anim calcmode="lin" valueType="num">
+                                      <p:cBhvr additive="base">
+                                        <p:cTn id="168" dur="500" fill="hold"/>
+                                        <p:tgtEl>
+                                          <p:spTgt spid="15"/>
+                                        </p:tgtEl>
+                                        <p:attrNameLst>
+                                          <p:attrName>ppt_x</p:attrName>
+                                        </p:attrNameLst>
+                                      </p:cBhvr>
+                                      <p:tavLst>
+                                        <p:tav tm="0">
+                                          <p:val>
+                                            <p:strVal val="1+#ppt_w/2"/>
+                                          </p:val>
+                                        </p:tav>
+                                        <p:tav tm="100000">
+                                          <p:val>
+                                            <p:strVal val="#ppt_x"/>
+                                          </p:val>
+                                        </p:tav>
+                                      </p:tavLst>
+                                    </p:anim>
+                                    <p:anim calcmode="lin" valueType="num">
+                                      <p:cBhvr additive="base">
+                                        <p:cTn id="169" dur="500" fill="hold"/>
+                                        <p:tgtEl>
+                                          <p:spTgt spid="15"/>
+                                        </p:tgtEl>
+                                        <p:attrNameLst>
+                                          <p:attrName>ppt_y</p:attrName>
+                                        </p:attrNameLst>
+                                      </p:cBhvr>
+                                      <p:tavLst>
+                                        <p:tav tm="0">
+                                          <p:val>
+                                            <p:strVal val="0-#ppt_h/2"/>
+                                          </p:val>
+                                        </p:tav>
+                                        <p:tav tm="100000">
+                                          <p:val>
+                                            <p:strVal val="#ppt_y"/>
+                                          </p:val>
+                                        </p:tav>
+                                      </p:tavLst>
+                                    </p:anim>
+                                  </p:childTnLst>
+                                </p:cTn>
+                              </p:par>
+                            </p:childTnLst>
+                          </p:cTn>
+                        </p:par>
+                      </p:childTnLst>
+                    </p:cTn>
+                  </p:par>
+                  <p:par>
+                    <p:cTn id="170" fill="hold">
+                      <p:stCondLst>
+                        <p:cond delay="indefinite"/>
+                      </p:stCondLst>
+                      <p:childTnLst>
+                        <p:par>
+                          <p:cTn id="171" fill="hold">
+                            <p:stCondLst>
+                              <p:cond delay="0"/>
+                            </p:stCondLst>
+                            <p:childTnLst>
+                              <p:par>
+                                <p:cTn id="172" presetID="2" presetClass="exit" presetSubtype="12" fill="hold" nodeType="clickEffect">
+                                  <p:stCondLst>
+                                    <p:cond delay="0"/>
+                                  </p:stCondLst>
+                                  <p:childTnLst>
+                                    <p:anim calcmode="lin" valueType="num">
+                                      <p:cBhvr additive="base">
+                                        <p:cTn id="173" dur="500"/>
+                                        <p:tgtEl>
+                                          <p:spTgt spid="15"/>
+                                        </p:tgtEl>
+                                        <p:attrNameLst>
+                                          <p:attrName>ppt_x</p:attrName>
+                                        </p:attrNameLst>
+                                      </p:cBhvr>
+                                      <p:tavLst>
+                                        <p:tav tm="0">
+                                          <p:val>
+                                            <p:strVal val="ppt_x"/>
+                                          </p:val>
+                                        </p:tav>
+                                        <p:tav tm="100000">
+                                          <p:val>
+                                            <p:strVal val="0-ppt_w/2"/>
+                                          </p:val>
+                                        </p:tav>
+                                      </p:tavLst>
+                                    </p:anim>
+                                    <p:anim calcmode="lin" valueType="num">
+                                      <p:cBhvr additive="base">
+                                        <p:cTn id="174" dur="500"/>
+                                        <p:tgtEl>
+                                          <p:spTgt spid="15"/>
+                                        </p:tgtEl>
+                                        <p:attrNameLst>
+                                          <p:attrName>ppt_y</p:attrName>
+                                        </p:attrNameLst>
+                                      </p:cBhvr>
+                                      <p:tavLst>
+                                        <p:tav tm="0">
+                                          <p:val>
+                                            <p:strVal val="ppt_y"/>
+                                          </p:val>
+                                        </p:tav>
+                                        <p:tav tm="100000">
+                                          <p:val>
+                                            <p:strVal val="1+ppt_h/2"/>
+                                          </p:val>
+                                        </p:tav>
+                                      </p:tavLst>
+                                    </p:anim>
+                                    <p:set>
+                                      <p:cBhvr>
+                                        <p:cTn id="175" dur="1" fill="hold">
+                                          <p:stCondLst>
+                                            <p:cond delay="499"/>
+                                          </p:stCondLst>
+                                        </p:cTn>
+                                        <p:tgtEl>
+                                          <p:spTgt spid="15"/>
+                                        </p:tgtEl>
+                                        <p:attrNameLst>
+                                          <p:attrName>style.visibility</p:attrName>
+                                        </p:attrNameLst>
+                                      </p:cBhvr>
+                                      <p:to>
+                                        <p:strVal val="hidden"/>
+                                      </p:to>
+                                    </p:set>
+                                  </p:childTnLst>
+                                </p:cTn>
+                              </p:par>
+                            </p:childTnLst>
+                          </p:cTn>
+                        </p:par>
+                      </p:childTnLst>
+                    </p:cTn>
+                  </p:par>
+                  <p:par>
+                    <p:cTn id="176" fill="hold">
+                      <p:stCondLst>
+                        <p:cond delay="indefinite"/>
+                      </p:stCondLst>
+                      <p:childTnLst>
+                        <p:par>
+                          <p:cTn id="177" fill="hold">
+                            <p:stCondLst>
+                              <p:cond delay="0"/>
+                            </p:stCondLst>
+                            <p:childTnLst>
+                              <p:par>
+                                <p:cTn id="178" presetID="2" presetClass="entr" presetSubtype="8" fill="hold" nodeType="clickEffect">
+                                  <p:stCondLst>
+                                    <p:cond delay="0"/>
+                                  </p:stCondLst>
+                                  <p:childTnLst>
+                                    <p:set>
+                                      <p:cBhvr>
+                                        <p:cTn id="179" dur="1" fill="hold">
+                                          <p:stCondLst>
+                                            <p:cond delay="0"/>
+                                          </p:stCondLst>
+                                        </p:cTn>
+                                        <p:tgtEl>
+                                          <p:spTgt spid="16"/>
+                                        </p:tgtEl>
+                                        <p:attrNameLst>
+                                          <p:attrName>style.visibility</p:attrName>
+                                        </p:attrNameLst>
+                                      </p:cBhvr>
+                                      <p:to>
+                                        <p:strVal val="visible"/>
+                                      </p:to>
+                                    </p:set>
+                                    <p:anim calcmode="lin" valueType="num">
+                                      <p:cBhvr additive="base">
+                                        <p:cTn id="180" dur="500" fill="hold"/>
+                                        <p:tgtEl>
+                                          <p:spTgt spid="16"/>
+                                        </p:tgtEl>
+                                        <p:attrNameLst>
+                                          <p:attrName>ppt_x</p:attrName>
+                                        </p:attrNameLst>
+                                      </p:cBhvr>
+                                      <p:tavLst>
+                                        <p:tav tm="0">
+                                          <p:val>
+                                            <p:strVal val="0-#ppt_w/2"/>
+                                          </p:val>
+                                        </p:tav>
+                                        <p:tav tm="100000">
+                                          <p:val>
+                                            <p:strVal val="#ppt_x"/>
+                                          </p:val>
+                                        </p:tav>
+                                      </p:tavLst>
+                                    </p:anim>
+                                    <p:anim calcmode="lin" valueType="num">
+                                      <p:cBhvr additive="base">
+                                        <p:cTn id="181" dur="500" fill="hold"/>
+                                        <p:tgtEl>
+                                          <p:spTgt spid="16"/>
+                                        </p:tgtEl>
+                                        <p:attrNameLst>
+                                          <p:attrName>ppt_y</p:attrName>
+                                        </p:attrNameLst>
+                                      </p:cBhvr>
+                                      <p:tavLst>
+                                        <p:tav tm="0">
+                                          <p:val>
+                                            <p:strVal val="#ppt_y"/>
+                                          </p:val>
+                                        </p:tav>
+                                        <p:tav tm="100000">
+                                          <p:val>
+                                            <p:strVal val="#ppt_y"/>
+                                          </p:val>
+                                        </p:tav>
+                                      </p:tavLst>
+                                    </p:anim>
+                                  </p:childTnLst>
+                                </p:cTn>
+                              </p:par>
+                            </p:childTnLst>
+                          </p:cTn>
+                        </p:par>
+                      </p:childTnLst>
+                    </p:cTn>
+                  </p:par>
+                  <p:par>
+                    <p:cTn id="182" fill="hold">
+                      <p:stCondLst>
+                        <p:cond delay="indefinite"/>
+                      </p:stCondLst>
+                      <p:childTnLst>
+                        <p:par>
+                          <p:cTn id="183" fill="hold">
+                            <p:stCondLst>
+                              <p:cond delay="0"/>
+                            </p:stCondLst>
+                            <p:childTnLst>
+                              <p:par>
+                                <p:cTn id="184" presetID="2" presetClass="exit" presetSubtype="2" fill="hold" nodeType="clickEffect">
+                                  <p:stCondLst>
+                                    <p:cond delay="0"/>
+                                  </p:stCondLst>
+                                  <p:childTnLst>
+                                    <p:anim calcmode="lin" valueType="num">
+                                      <p:cBhvr additive="base">
+                                        <p:cTn id="185" dur="500"/>
+                                        <p:tgtEl>
+                                          <p:spTgt spid="16"/>
+                                        </p:tgtEl>
+                                        <p:attrNameLst>
+                                          <p:attrName>ppt_x</p:attrName>
+                                        </p:attrNameLst>
+                                      </p:cBhvr>
+                                      <p:tavLst>
+                                        <p:tav tm="0">
+                                          <p:val>
+                                            <p:strVal val="ppt_x"/>
+                                          </p:val>
+                                        </p:tav>
+                                        <p:tav tm="100000">
+                                          <p:val>
+                                            <p:strVal val="1+ppt_w/2"/>
+                                          </p:val>
+                                        </p:tav>
+                                      </p:tavLst>
+                                    </p:anim>
+                                    <p:anim calcmode="lin" valueType="num">
+                                      <p:cBhvr additive="base">
+                                        <p:cTn id="186" dur="500"/>
+                                        <p:tgtEl>
+                                          <p:spTgt spid="16"/>
+                                        </p:tgtEl>
+                                        <p:attrNameLst>
+                                          <p:attrName>ppt_y</p:attrName>
+                                        </p:attrNameLst>
+                                      </p:cBhvr>
+                                      <p:tavLst>
+                                        <p:tav tm="0">
+                                          <p:val>
+                                            <p:strVal val="ppt_y"/>
+                                          </p:val>
+                                        </p:tav>
+                                        <p:tav tm="100000">
+                                          <p:val>
+                                            <p:strVal val="ppt_y"/>
+                                          </p:val>
+                                        </p:tav>
+                                      </p:tavLst>
+                                    </p:anim>
+                                    <p:set>
+                                      <p:cBhvr>
+                                        <p:cTn id="187" dur="1" fill="hold">
+                                          <p:stCondLst>
+                                            <p:cond delay="499"/>
+                                          </p:stCondLst>
+                                        </p:cTn>
+                                        <p:tgtEl>
+                                          <p:spTgt spid="16"/>
+                                        </p:tgtEl>
+                                        <p:attrNameLst>
+                                          <p:attrName>style.visibility</p:attrName>
+                                        </p:attrNameLst>
+                                      </p:cBhvr>
+                                      <p:to>
+                                        <p:strVal val="hidden"/>
+                                      </p:to>
+                                    </p:set>
+                                  </p:childTnLst>
+                                </p:cTn>
+                              </p:par>
+                            </p:childTnLst>
+                          </p:cTn>
+                        </p:par>
+                      </p:childTnLst>
+                    </p:cTn>
+                  </p:par>
+                  <p:par>
+                    <p:cTn id="188" fill="hold">
+                      <p:stCondLst>
+                        <p:cond delay="indefinite"/>
+                      </p:stCondLst>
+                      <p:childTnLst>
+                        <p:par>
+                          <p:cTn id="189" fill="hold">
+                            <p:stCondLst>
+                              <p:cond delay="0"/>
+                            </p:stCondLst>
+                            <p:childTnLst>
+                              <p:par>
+                                <p:cTn id="190" presetID="2" presetClass="entr" presetSubtype="1" fill="hold" nodeType="clickEffect">
+                                  <p:stCondLst>
+                                    <p:cond delay="0"/>
+                                  </p:stCondLst>
+                                  <p:childTnLst>
+                                    <p:set>
+                                      <p:cBhvr>
+                                        <p:cTn id="191" dur="1" fill="hold">
+                                          <p:stCondLst>
+                                            <p:cond delay="0"/>
+                                          </p:stCondLst>
+                                        </p:cTn>
+                                        <p:tgtEl>
+                                          <p:spTgt spid="17"/>
+                                        </p:tgtEl>
+                                        <p:attrNameLst>
+                                          <p:attrName>style.visibility</p:attrName>
+                                        </p:attrNameLst>
+                                      </p:cBhvr>
+                                      <p:to>
+                                        <p:strVal val="visible"/>
+                                      </p:to>
+                                    </p:set>
+                                    <p:anim calcmode="lin" valueType="num">
+                                      <p:cBhvr additive="base">
+                                        <p:cTn id="192" dur="500" fill="hold"/>
+                                        <p:tgtEl>
+                                          <p:spTgt spid="17"/>
+                                        </p:tgtEl>
+                                        <p:attrNameLst>
+                                          <p:attrName>ppt_x</p:attrName>
+                                        </p:attrNameLst>
+                                      </p:cBhvr>
+                                      <p:tavLst>
+                                        <p:tav tm="0">
+                                          <p:val>
+                                            <p:strVal val="#ppt_x"/>
+                                          </p:val>
+                                        </p:tav>
+                                        <p:tav tm="100000">
+                                          <p:val>
+                                            <p:strVal val="#ppt_x"/>
+                                          </p:val>
+                                        </p:tav>
+                                      </p:tavLst>
+                                    </p:anim>
+                                    <p:anim calcmode="lin" valueType="num">
+                                      <p:cBhvr additive="base">
+                                        <p:cTn id="193" dur="500" fill="hold"/>
+                                        <p:tgtEl>
+                                          <p:spTgt spid="17"/>
+                                        </p:tgtEl>
+                                        <p:attrNameLst>
+                                          <p:attrName>ppt_y</p:attrName>
+                                        </p:attrNameLst>
+                                      </p:cBhvr>
+                                      <p:tavLst>
+                                        <p:tav tm="0">
+                                          <p:val>
+                                            <p:strVal val="0-#ppt_h/2"/>
+                                          </p:val>
+                                        </p:tav>
+                                        <p:tav tm="100000">
+                                          <p:val>
+                                            <p:strVal val="#ppt_y"/>
+                                          </p:val>
+                                        </p:tav>
+                                      </p:tavLst>
+                                    </p:anim>
+                                  </p:childTnLst>
+                                </p:cTn>
+                              </p:par>
+                            </p:childTnLst>
+                          </p:cTn>
+                        </p:par>
+                      </p:childTnLst>
+                    </p:cTn>
+                  </p:par>
+                  <p:par>
+                    <p:cTn id="194" fill="hold">
+                      <p:stCondLst>
+                        <p:cond delay="indefinite"/>
+                      </p:stCondLst>
+                      <p:childTnLst>
+                        <p:par>
+                          <p:cTn id="195" fill="hold">
+                            <p:stCondLst>
+                              <p:cond delay="0"/>
+                            </p:stCondLst>
+                            <p:childTnLst>
+                              <p:par>
+                                <p:cTn id="196" presetID="2" presetClass="exit" presetSubtype="4" fill="hold" nodeType="clickEffect">
+                                  <p:stCondLst>
+                                    <p:cond delay="0"/>
+                                  </p:stCondLst>
+                                  <p:childTnLst>
+                                    <p:anim calcmode="lin" valueType="num">
+                                      <p:cBhvr additive="base">
+                                        <p:cTn id="197" dur="500"/>
+                                        <p:tgtEl>
+                                          <p:spTgt spid="17"/>
+                                        </p:tgtEl>
+                                        <p:attrNameLst>
+                                          <p:attrName>ppt_x</p:attrName>
+                                        </p:attrNameLst>
+                                      </p:cBhvr>
+                                      <p:tavLst>
+                                        <p:tav tm="0">
+                                          <p:val>
+                                            <p:strVal val="ppt_x"/>
+                                          </p:val>
+                                        </p:tav>
+                                        <p:tav tm="100000">
+                                          <p:val>
+                                            <p:strVal val="ppt_x"/>
+                                          </p:val>
+                                        </p:tav>
+                                      </p:tavLst>
+                                    </p:anim>
+                                    <p:anim calcmode="lin" valueType="num">
+                                      <p:cBhvr additive="base">
+                                        <p:cTn id="198" dur="500"/>
+                                        <p:tgtEl>
+                                          <p:spTgt spid="17"/>
+                                        </p:tgtEl>
+                                        <p:attrNameLst>
+                                          <p:attrName>ppt_y</p:attrName>
+                                        </p:attrNameLst>
+                                      </p:cBhvr>
+                                      <p:tavLst>
+                                        <p:tav tm="0">
+                                          <p:val>
+                                            <p:strVal val="ppt_y"/>
+                                          </p:val>
+                                        </p:tav>
+                                        <p:tav tm="100000">
+                                          <p:val>
+                                            <p:strVal val="1+ppt_h/2"/>
+                                          </p:val>
+                                        </p:tav>
+                                      </p:tavLst>
+                                    </p:anim>
+                                    <p:set>
+                                      <p:cBhvr>
+                                        <p:cTn id="199" dur="1" fill="hold">
+                                          <p:stCondLst>
+                                            <p:cond delay="499"/>
+                                          </p:stCondLst>
+                                        </p:cTn>
+                                        <p:tgtEl>
+                                          <p:spTgt spid="17"/>
+                                        </p:tgtEl>
+                                        <p:attrNameLst>
+                                          <p:attrName>style.visibility</p:attrName>
+                                        </p:attrNameLst>
+                                      </p:cBhvr>
+                                      <p:to>
+                                        <p:strVal val="hidden"/>
+                                      </p:to>
+                                    </p:set>
+                                  </p:childTnLst>
+                                </p:cTn>
+                              </p:par>
+                            </p:childTnLst>
+                          </p:cTn>
+                        </p:par>
+                      </p:childTnLst>
+                    </p:cTn>
+                  </p:par>
+                  <p:par>
+                    <p:cTn id="200" fill="hold">
+                      <p:stCondLst>
+                        <p:cond delay="indefinite"/>
+                      </p:stCondLst>
+                      <p:childTnLst>
+                        <p:par>
+                          <p:cTn id="201" fill="hold">
+                            <p:stCondLst>
+                              <p:cond delay="0"/>
+                            </p:stCondLst>
+                            <p:childTnLst>
+                              <p:par>
+                                <p:cTn id="202" presetID="2" presetClass="entr" presetSubtype="4" fill="hold" nodeType="clickEffect">
+                                  <p:stCondLst>
+                                    <p:cond delay="0"/>
+                                  </p:stCondLst>
+                                  <p:childTnLst>
+                                    <p:set>
+                                      <p:cBhvr>
+                                        <p:cTn id="203" dur="1" fill="hold">
+                                          <p:stCondLst>
+                                            <p:cond delay="0"/>
+                                          </p:stCondLst>
+                                        </p:cTn>
+                                        <p:tgtEl>
+                                          <p:spTgt spid="18"/>
+                                        </p:tgtEl>
+                                        <p:attrNameLst>
+                                          <p:attrName>style.visibility</p:attrName>
+                                        </p:attrNameLst>
+                                      </p:cBhvr>
+                                      <p:to>
+                                        <p:strVal val="visible"/>
+                                      </p:to>
+                                    </p:set>
+                                    <p:anim calcmode="lin" valueType="num">
+                                      <p:cBhvr additive="base">
+                                        <p:cTn id="204" dur="500" fill="hold"/>
+                                        <p:tgtEl>
+                                          <p:spTgt spid="18"/>
+                                        </p:tgtEl>
+                                        <p:attrNameLst>
+                                          <p:attrName>ppt_x</p:attrName>
+                                        </p:attrNameLst>
+                                      </p:cBhvr>
+                                      <p:tavLst>
+                                        <p:tav tm="0">
+                                          <p:val>
+                                            <p:strVal val="#ppt_x"/>
+                                          </p:val>
+                                        </p:tav>
+                                        <p:tav tm="100000">
+                                          <p:val>
+                                            <p:strVal val="#ppt_x"/>
+                                          </p:val>
+                                        </p:tav>
+                                      </p:tavLst>
+                                    </p:anim>
+                                    <p:anim calcmode="lin" valueType="num">
+                                      <p:cBhvr additive="base">
+                                        <p:cTn id="205" dur="500" fill="hold"/>
+                                        <p:tgtEl>
+                                          <p:spTgt spid="18"/>
+                                        </p:tgtEl>
+                                        <p:attrNameLst>
+                                          <p:attrName>ppt_y</p:attrName>
+                                        </p:attrNameLst>
+                                      </p:cBhvr>
+                                      <p:tavLst>
+                                        <p:tav tm="0">
+                                          <p:val>
+                                            <p:strVal val="1+#ppt_h/2"/>
+                                          </p:val>
+                                        </p:tav>
+                                        <p:tav tm="100000">
+                                          <p:val>
+                                            <p:strVal val="#ppt_y"/>
+                                          </p:val>
+                                        </p:tav>
+                                      </p:tavLst>
+                                    </p:anim>
+                                  </p:childTnLst>
+                                </p:cTn>
+                              </p:par>
+                            </p:childTnLst>
+                          </p:cTn>
+                        </p:par>
+                      </p:childTnLst>
+                    </p:cTn>
+                  </p:par>
+                  <p:par>
+                    <p:cTn id="206" fill="hold">
+                      <p:stCondLst>
+                        <p:cond delay="indefinite"/>
+                      </p:stCondLst>
+                      <p:childTnLst>
+                        <p:par>
+                          <p:cTn id="207" fill="hold">
+                            <p:stCondLst>
+                              <p:cond delay="0"/>
+                            </p:stCondLst>
+                            <p:childTnLst>
+                              <p:par>
+                                <p:cTn id="208" presetID="2" presetClass="exit" presetSubtype="1" fill="hold" nodeType="clickEffect">
+                                  <p:stCondLst>
+                                    <p:cond delay="0"/>
+                                  </p:stCondLst>
+                                  <p:childTnLst>
+                                    <p:anim calcmode="lin" valueType="num">
+                                      <p:cBhvr additive="base">
+                                        <p:cTn id="209" dur="500"/>
+                                        <p:tgtEl>
+                                          <p:spTgt spid="18"/>
+                                        </p:tgtEl>
+                                        <p:attrNameLst>
+                                          <p:attrName>ppt_x</p:attrName>
+                                        </p:attrNameLst>
+                                      </p:cBhvr>
+                                      <p:tavLst>
+                                        <p:tav tm="0">
+                                          <p:val>
+                                            <p:strVal val="ppt_x"/>
+                                          </p:val>
+                                        </p:tav>
+                                        <p:tav tm="100000">
+                                          <p:val>
+                                            <p:strVal val="ppt_x"/>
+                                          </p:val>
+                                        </p:tav>
+                                      </p:tavLst>
+                                    </p:anim>
+                                    <p:anim calcmode="lin" valueType="num">
+                                      <p:cBhvr additive="base">
+                                        <p:cTn id="210" dur="500"/>
+                                        <p:tgtEl>
+                                          <p:spTgt spid="18"/>
+                                        </p:tgtEl>
+                                        <p:attrNameLst>
+                                          <p:attrName>ppt_y</p:attrName>
+                                        </p:attrNameLst>
+                                      </p:cBhvr>
+                                      <p:tavLst>
+                                        <p:tav tm="0">
+                                          <p:val>
+                                            <p:strVal val="ppt_y"/>
+                                          </p:val>
+                                        </p:tav>
+                                        <p:tav tm="100000">
+                                          <p:val>
+                                            <p:strVal val="0-ppt_h/2"/>
+                                          </p:val>
+                                        </p:tav>
+                                      </p:tavLst>
+                                    </p:anim>
+                                    <p:set>
+                                      <p:cBhvr>
+                                        <p:cTn id="211" dur="1" fill="hold">
+                                          <p:stCondLst>
+                                            <p:cond delay="499"/>
+                                          </p:stCondLst>
+                                        </p:cTn>
+                                        <p:tgtEl>
+                                          <p:spTgt spid="18"/>
+                                        </p:tgtEl>
+                                        <p:attrNameLst>
+                                          <p:attrName>style.visibility</p:attrName>
+                                        </p:attrNameLst>
+                                      </p:cBhvr>
+                                      <p:to>
+                                        <p:strVal val="hidden"/>
+                                      </p:to>
+                                    </p:set>
+                                  </p:childTnLst>
+                                </p:cTn>
+                              </p:par>
+                            </p:childTnLst>
+                          </p:cTn>
+                        </p:par>
+                      </p:childTnLst>
+                    </p:cTn>
+                  </p:par>
+                  <p:par>
+                    <p:cTn id="212" fill="hold">
+                      <p:stCondLst>
+                        <p:cond delay="indefinite"/>
+                      </p:stCondLst>
+                      <p:childTnLst>
+                        <p:par>
+                          <p:cTn id="213" fill="hold">
+                            <p:stCondLst>
+                              <p:cond delay="0"/>
+                            </p:stCondLst>
+                            <p:childTnLst>
+                              <p:par>
+                                <p:cTn id="214" presetID="2" presetClass="entr" presetSubtype="2" fill="hold" nodeType="clickEffect">
+                                  <p:stCondLst>
+                                    <p:cond delay="0"/>
+                                  </p:stCondLst>
+                                  <p:childTnLst>
+                                    <p:set>
+                                      <p:cBhvr>
+                                        <p:cTn id="215" dur="1" fill="hold">
+                                          <p:stCondLst>
+                                            <p:cond delay="0"/>
+                                          </p:stCondLst>
+                                        </p:cTn>
+                                        <p:tgtEl>
+                                          <p:spTgt spid="19"/>
+                                        </p:tgtEl>
+                                        <p:attrNameLst>
+                                          <p:attrName>style.visibility</p:attrName>
+                                        </p:attrNameLst>
+                                      </p:cBhvr>
+                                      <p:to>
+                                        <p:strVal val="visible"/>
+                                      </p:to>
+                                    </p:set>
+                                    <p:anim calcmode="lin" valueType="num">
+                                      <p:cBhvr additive="base">
+                                        <p:cTn id="216" dur="500" fill="hold"/>
+                                        <p:tgtEl>
+                                          <p:spTgt spid="19"/>
+                                        </p:tgtEl>
+                                        <p:attrNameLst>
+                                          <p:attrName>ppt_x</p:attrName>
+                                        </p:attrNameLst>
+                                      </p:cBhvr>
+                                      <p:tavLst>
+                                        <p:tav tm="0">
+                                          <p:val>
+                                            <p:strVal val="1+#ppt_w/2"/>
+                                          </p:val>
+                                        </p:tav>
+                                        <p:tav tm="100000">
+                                          <p:val>
+                                            <p:strVal val="#ppt_x"/>
+                                          </p:val>
+                                        </p:tav>
+                                      </p:tavLst>
+                                    </p:anim>
+                                    <p:anim calcmode="lin" valueType="num">
+                                      <p:cBhvr additive="base">
+                                        <p:cTn id="217" dur="500" fill="hold"/>
+                                        <p:tgtEl>
+                                          <p:spTgt spid="19"/>
+                                        </p:tgtEl>
+                                        <p:attrNameLst>
+                                          <p:attrName>ppt_y</p:attrName>
+                                        </p:attrNameLst>
+                                      </p:cBhvr>
+                                      <p:tavLst>
+                                        <p:tav tm="0">
+                                          <p:val>
+                                            <p:strVal val="#ppt_y"/>
+                                          </p:val>
+                                        </p:tav>
+                                        <p:tav tm="100000">
+                                          <p:val>
+                                            <p:strVal val="#ppt_y"/>
+                                          </p:val>
+                                        </p:tav>
+                                      </p:tavLst>
+                                    </p:anim>
+                                  </p:childTnLst>
+                                </p:cTn>
+                              </p:par>
+                            </p:childTnLst>
+                          </p:cTn>
+                        </p:par>
+                      </p:childTnLst>
+                    </p:cTn>
+                  </p:par>
+                  <p:par>
+                    <p:cTn id="218" fill="hold">
+                      <p:stCondLst>
+                        <p:cond delay="indefinite"/>
+                      </p:stCondLst>
+                      <p:childTnLst>
+                        <p:par>
+                          <p:cTn id="219" fill="hold">
+                            <p:stCondLst>
+                              <p:cond delay="0"/>
+                            </p:stCondLst>
+                            <p:childTnLst>
+                              <p:par>
+                                <p:cTn id="220" presetID="2" presetClass="exit" presetSubtype="8" fill="hold" nodeType="clickEffect">
+                                  <p:stCondLst>
+                                    <p:cond delay="0"/>
+                                  </p:stCondLst>
+                                  <p:childTnLst>
+                                    <p:anim calcmode="lin" valueType="num">
+                                      <p:cBhvr additive="base">
+                                        <p:cTn id="221" dur="500"/>
+                                        <p:tgtEl>
+                                          <p:spTgt spid="19"/>
+                                        </p:tgtEl>
+                                        <p:attrNameLst>
+                                          <p:attrName>ppt_x</p:attrName>
+                                        </p:attrNameLst>
+                                      </p:cBhvr>
+                                      <p:tavLst>
+                                        <p:tav tm="0">
+                                          <p:val>
+                                            <p:strVal val="ppt_x"/>
+                                          </p:val>
+                                        </p:tav>
+                                        <p:tav tm="100000">
+                                          <p:val>
+                                            <p:strVal val="0-ppt_w/2"/>
+                                          </p:val>
+                                        </p:tav>
+                                      </p:tavLst>
+                                    </p:anim>
+                                    <p:anim calcmode="lin" valueType="num">
+                                      <p:cBhvr additive="base">
+                                        <p:cTn id="222" dur="500"/>
+                                        <p:tgtEl>
+                                          <p:spTgt spid="19"/>
+                                        </p:tgtEl>
+                                        <p:attrNameLst>
+                                          <p:attrName>ppt_y</p:attrName>
+                                        </p:attrNameLst>
+                                      </p:cBhvr>
+                                      <p:tavLst>
+                                        <p:tav tm="0">
+                                          <p:val>
+                                            <p:strVal val="ppt_y"/>
+                                          </p:val>
+                                        </p:tav>
+                                        <p:tav tm="100000">
+                                          <p:val>
+                                            <p:strVal val="ppt_y"/>
+                                          </p:val>
+                                        </p:tav>
+                                      </p:tavLst>
+                                    </p:anim>
+                                    <p:set>
+                                      <p:cBhvr>
+                                        <p:cTn id="223" dur="1" fill="hold">
+                                          <p:stCondLst>
+                                            <p:cond delay="499"/>
+                                          </p:stCondLst>
+                                        </p:cTn>
+                                        <p:tgtEl>
+                                          <p:spTgt spid="19"/>
+                                        </p:tgtEl>
+                                        <p:attrNameLst>
+                                          <p:attrName>style.visibility</p:attrName>
+                                        </p:attrNameLst>
+                                      </p:cBhvr>
+                                      <p:to>
+                                        <p:strVal val="hidden"/>
+                                      </p:to>
+                                    </p:set>
+                                  </p:childTnLst>
+                                </p:cTn>
+                              </p:par>
+                            </p:childTnLst>
+                          </p:cTn>
+                        </p:par>
+                      </p:childTnLst>
+                    </p:cTn>
+                  </p:par>
+                  <p:par>
+                    <p:cTn id="224" fill="hold">
+                      <p:stCondLst>
+                        <p:cond delay="indefinite"/>
+                      </p:stCondLst>
+                      <p:childTnLst>
+                        <p:par>
+                          <p:cTn id="225" fill="hold">
+                            <p:stCondLst>
+                              <p:cond delay="0"/>
+                            </p:stCondLst>
+                            <p:childTnLst>
+                              <p:par>
+                                <p:cTn id="226" presetID="2" presetClass="entr" presetSubtype="9" fill="hold" nodeType="clickEffect">
+                                  <p:stCondLst>
+                                    <p:cond delay="0"/>
+                                  </p:stCondLst>
+                                  <p:childTnLst>
+                                    <p:set>
+                                      <p:cBhvr>
+                                        <p:cTn id="227" dur="1" fill="hold">
+                                          <p:stCondLst>
+                                            <p:cond delay="0"/>
+                                          </p:stCondLst>
+                                        </p:cTn>
+                                        <p:tgtEl>
+                                          <p:spTgt spid="20"/>
+                                        </p:tgtEl>
+                                        <p:attrNameLst>
+                                          <p:attrName>style.visibility</p:attrName>
+                                        </p:attrNameLst>
+                                      </p:cBhvr>
+                                      <p:to>
+                                        <p:strVal val="visible"/>
+                                      </p:to>
+                                    </p:set>
+                                    <p:anim calcmode="lin" valueType="num">
+                                      <p:cBhvr additive="base">
+                                        <p:cTn id="228" dur="500" fill="hold"/>
+                                        <p:tgtEl>
+                                          <p:spTgt spid="20"/>
+                                        </p:tgtEl>
+                                        <p:attrNameLst>
+                                          <p:attrName>ppt_x</p:attrName>
+                                        </p:attrNameLst>
+                                      </p:cBhvr>
+                                      <p:tavLst>
+                                        <p:tav tm="0">
+                                          <p:val>
+                                            <p:strVal val="0-#ppt_w/2"/>
+                                          </p:val>
+                                        </p:tav>
+                                        <p:tav tm="100000">
+                                          <p:val>
+                                            <p:strVal val="#ppt_x"/>
+                                          </p:val>
+                                        </p:tav>
+                                      </p:tavLst>
+                                    </p:anim>
+                                    <p:anim calcmode="lin" valueType="num">
+                                      <p:cBhvr additive="base">
+                                        <p:cTn id="229" dur="500" fill="hold"/>
+                                        <p:tgtEl>
+                                          <p:spTgt spid="20"/>
+                                        </p:tgtEl>
+                                        <p:attrNameLst>
+                                          <p:attrName>ppt_y</p:attrName>
+                                        </p:attrNameLst>
+                                      </p:cBhvr>
+                                      <p:tavLst>
+                                        <p:tav tm="0">
+                                          <p:val>
+                                            <p:strVal val="0-#ppt_h/2"/>
+                                          </p:val>
+                                        </p:tav>
+                                        <p:tav tm="100000">
+                                          <p:val>
+                                            <p:strVal val="#ppt_y"/>
+                                          </p:val>
+                                        </p:tav>
+                                      </p:tavLst>
+                                    </p:anim>
+                                  </p:childTnLst>
+                                </p:cTn>
+                              </p:par>
+                            </p:childTnLst>
+                          </p:cTn>
+                        </p:par>
+                      </p:childTnLst>
+                    </p:cTn>
+                  </p:par>
+                  <p:par>
+                    <p:cTn id="230" fill="hold">
+                      <p:stCondLst>
+                        <p:cond delay="indefinite"/>
+                      </p:stCondLst>
+                      <p:childTnLst>
+                        <p:par>
+                          <p:cTn id="231" fill="hold">
+                            <p:stCondLst>
+                              <p:cond delay="0"/>
+                            </p:stCondLst>
+                            <p:childTnLst>
+                              <p:par>
+                                <p:cTn id="232" presetID="2" presetClass="exit" presetSubtype="6" fill="hold" nodeType="clickEffect">
+                                  <p:stCondLst>
+                                    <p:cond delay="0"/>
+                                  </p:stCondLst>
+                                  <p:childTnLst>
+                                    <p:anim calcmode="lin" valueType="num">
+                                      <p:cBhvr additive="base">
+                                        <p:cTn id="233" dur="500"/>
+                                        <p:tgtEl>
+                                          <p:spTgt spid="20"/>
+                                        </p:tgtEl>
+                                        <p:attrNameLst>
+                                          <p:attrName>ppt_x</p:attrName>
+                                        </p:attrNameLst>
+                                      </p:cBhvr>
+                                      <p:tavLst>
+                                        <p:tav tm="0">
+                                          <p:val>
+                                            <p:strVal val="ppt_x"/>
+                                          </p:val>
+                                        </p:tav>
+                                        <p:tav tm="100000">
+                                          <p:val>
+                                            <p:strVal val="1+ppt_w/2"/>
+                                          </p:val>
+                                        </p:tav>
+                                      </p:tavLst>
+                                    </p:anim>
+                                    <p:anim calcmode="lin" valueType="num">
+                                      <p:cBhvr additive="base">
+                                        <p:cTn id="234" dur="500"/>
+                                        <p:tgtEl>
+                                          <p:spTgt spid="20"/>
+                                        </p:tgtEl>
+                                        <p:attrNameLst>
+                                          <p:attrName>ppt_y</p:attrName>
+                                        </p:attrNameLst>
+                                      </p:cBhvr>
+                                      <p:tavLst>
+                                        <p:tav tm="0">
+                                          <p:val>
+                                            <p:strVal val="ppt_y"/>
+                                          </p:val>
+                                        </p:tav>
+                                        <p:tav tm="100000">
+                                          <p:val>
+                                            <p:strVal val="1+ppt_h/2"/>
+                                          </p:val>
+                                        </p:tav>
+                                      </p:tavLst>
+                                    </p:anim>
+                                    <p:set>
+                                      <p:cBhvr>
+                                        <p:cTn id="235" dur="1" fill="hold">
+                                          <p:stCondLst>
+                                            <p:cond delay="499"/>
+                                          </p:stCondLst>
+                                        </p:cTn>
+                                        <p:tgtEl>
+                                          <p:spTgt spid="20"/>
+                                        </p:tgtEl>
+                                        <p:attrNameLst>
+                                          <p:attrName>style.visibility</p:attrName>
+                                        </p:attrNameLst>
+                                      </p:cBhvr>
+                                      <p:to>
+                                        <p:strVal val="hidden"/>
+                                      </p:to>
+                                    </p:set>
+                                  </p:childTnLst>
+                                </p:cTn>
+                              </p:par>
+                            </p:childTnLst>
+                          </p:cTn>
+                        </p:par>
+                      </p:childTnLst>
+                    </p:cTn>
+                  </p:par>
+                </p:childTnLst>
+              </p:cTn>
+              <p:prevCondLst>
+                <p:cond evt="onPrev" delay="0">
+                  <p:tgtEl>
+                    <p:sldTgt/>
+                  </p:tgtEl>
+                </p:cond>
+              </p:prevCondLst>
+              <p:nextCondLst>
+                <p:cond evt="onNext" delay="0">
+                  <p:tgtEl>
+                    <p:sldTgt/>
+                  </p:tgtEl>
+                </p:cond>
+              </p:nextCondLst>
+            </p:seq>
+          </p:childTnLst>
+        </p:cTn>
+      </p:par>
+    </p:tnLst>
   </p:timing>
 </p:sld>
 </file>

--- a/presentacion proyecto final.pptx
+++ b/presentacion proyecto final.pptx
@@ -11,8 +11,6 @@
     <p:sldId id="259" r:id="rId5"/>
     <p:sldId id="260" r:id="rId6"/>
     <p:sldId id="261" r:id="rId7"/>
-    <p:sldId id="262" r:id="rId8"/>
-    <p:sldId id="263" r:id="rId9"/>
   </p:sldIdLst>
   <p:sldSz cx="12192000" cy="6858000"/>
   <p:notesSz cx="6858000" cy="9144000"/>
@@ -113,7 +111,7 @@
   </p:defaultTextStyle>
   <p:extLst>
     <p:ext uri="{EFAFB233-063F-42B5-8137-9DF3F51BA10A}">
-      <p15:sldGuideLst xmlns:p15="http://schemas.microsoft.com/office/powerpoint/2012/main"/>
+      <p15:sldGuideLst xmlns:p15="http://schemas.microsoft.com/office/powerpoint/2012/main" xmlns=""/>
     </p:ext>
   </p:extLst>
 </p:presentation>
@@ -22477,4076 +22475,6 @@
 </p:sld>
 </file>
 
-<file path=ppt/slides/slide7.xml><?xml version="1.0" encoding="utf-8"?>
-<p:sld xmlns:a="http://schemas.openxmlformats.org/drawingml/2006/main" xmlns:r="http://schemas.openxmlformats.org/officeDocument/2006/relationships" xmlns:p="http://schemas.openxmlformats.org/presentationml/2006/main">
-  <p:cSld>
-    <p:spTree>
-      <p:nvGrpSpPr>
-        <p:cNvPr id="1" name=""/>
-        <p:cNvGrpSpPr/>
-        <p:nvPr/>
-      </p:nvGrpSpPr>
-      <p:grpSpPr>
-        <a:xfrm>
-          <a:off x="0" y="0"/>
-          <a:ext cx="0" cy="0"/>
-          <a:chOff x="0" y="0"/>
-          <a:chExt cx="0" cy="0"/>
-        </a:xfrm>
-      </p:grpSpPr>
-      <p:sp>
-        <p:nvSpPr>
-          <p:cNvPr id="2" name="Título 1"/>
-          <p:cNvSpPr>
-            <a:spLocks noGrp="1"/>
-          </p:cNvSpPr>
-          <p:nvPr>
-            <p:ph type="title"/>
-          </p:nvPr>
-        </p:nvSpPr>
-        <p:spPr>
-          <a:xfrm>
-            <a:off x="1262129" y="2541658"/>
-            <a:ext cx="9690279" cy="1293028"/>
-          </a:xfrm>
-        </p:spPr>
-        <p:txBody>
-          <a:bodyPr>
-            <a:noAutofit/>
-          </a:bodyPr>
-          <a:lstStyle/>
-          <a:p>
-            <a:r>
-              <a:rPr lang="es-GT" sz="8000" dirty="0" smtClean="0"/>
-              <a:t>Como funciona</a:t>
-            </a:r>
-            <a:endParaRPr lang="es-ES" sz="8000" dirty="0"/>
-          </a:p>
-        </p:txBody>
-      </p:sp>
-    </p:spTree>
-    <p:extLst>
-      <p:ext uri="{BB962C8B-B14F-4D97-AF65-F5344CB8AC3E}">
-        <p14:creationId xmlns:p14="http://schemas.microsoft.com/office/powerpoint/2010/main" val="620028665"/>
-      </p:ext>
-    </p:extLst>
-  </p:cSld>
-  <p:clrMapOvr>
-    <a:masterClrMapping/>
-  </p:clrMapOvr>
-  <p:timing>
-    <p:tnLst>
-      <p:par>
-        <p:cTn id="1" dur="indefinite" restart="never" nodeType="tmRoot">
-          <p:childTnLst>
-            <p:seq concurrent="1" nextAc="seek">
-              <p:cTn id="2" dur="indefinite" nodeType="mainSeq">
-                <p:childTnLst>
-                  <p:par>
-                    <p:cTn id="3" fill="hold">
-                      <p:stCondLst>
-                        <p:cond delay="indefinite"/>
-                      </p:stCondLst>
-                      <p:childTnLst>
-                        <p:par>
-                          <p:cTn id="4" fill="hold">
-                            <p:stCondLst>
-                              <p:cond delay="0"/>
-                            </p:stCondLst>
-                            <p:childTnLst>
-                              <p:par>
-                                <p:cTn id="5" presetID="16" presetClass="entr" presetSubtype="21" fill="hold" grpId="0" nodeType="clickEffect">
-                                  <p:stCondLst>
-                                    <p:cond delay="0"/>
-                                  </p:stCondLst>
-                                  <p:childTnLst>
-                                    <p:set>
-                                      <p:cBhvr>
-                                        <p:cTn id="6" dur="1" fill="hold">
-                                          <p:stCondLst>
-                                            <p:cond delay="0"/>
-                                          </p:stCondLst>
-                                        </p:cTn>
-                                        <p:tgtEl>
-                                          <p:spTgt spid="2"/>
-                                        </p:tgtEl>
-                                        <p:attrNameLst>
-                                          <p:attrName>style.visibility</p:attrName>
-                                        </p:attrNameLst>
-                                      </p:cBhvr>
-                                      <p:to>
-                                        <p:strVal val="visible"/>
-                                      </p:to>
-                                    </p:set>
-                                    <p:animEffect transition="in" filter="barn(inVertical)">
-                                      <p:cBhvr>
-                                        <p:cTn id="7" dur="500"/>
-                                        <p:tgtEl>
-                                          <p:spTgt spid="2"/>
-                                        </p:tgtEl>
-                                      </p:cBhvr>
-                                    </p:animEffect>
-                                  </p:childTnLst>
-                                </p:cTn>
-                              </p:par>
-                            </p:childTnLst>
-                          </p:cTn>
-                        </p:par>
-                      </p:childTnLst>
-                    </p:cTn>
-                  </p:par>
-                </p:childTnLst>
-              </p:cTn>
-              <p:prevCondLst>
-                <p:cond evt="onPrev" delay="0">
-                  <p:tgtEl>
-                    <p:sldTgt/>
-                  </p:tgtEl>
-                </p:cond>
-              </p:prevCondLst>
-              <p:nextCondLst>
-                <p:cond evt="onNext" delay="0">
-                  <p:tgtEl>
-                    <p:sldTgt/>
-                  </p:tgtEl>
-                </p:cond>
-              </p:nextCondLst>
-            </p:seq>
-          </p:childTnLst>
-        </p:cTn>
-      </p:par>
-    </p:tnLst>
-    <p:bldLst>
-      <p:bldP spid="2" grpId="0"/>
-    </p:bldLst>
-  </p:timing>
-</p:sld>
-</file>
-
-<file path=ppt/slides/slide8.xml><?xml version="1.0" encoding="utf-8"?>
-<p:sld xmlns:a="http://schemas.openxmlformats.org/drawingml/2006/main" xmlns:r="http://schemas.openxmlformats.org/officeDocument/2006/relationships" xmlns:p="http://schemas.openxmlformats.org/presentationml/2006/main">
-  <p:cSld>
-    <p:spTree>
-      <p:nvGrpSpPr>
-        <p:cNvPr id="1" name=""/>
-        <p:cNvGrpSpPr/>
-        <p:nvPr/>
-      </p:nvGrpSpPr>
-      <p:grpSpPr>
-        <a:xfrm>
-          <a:off x="0" y="0"/>
-          <a:ext cx="0" cy="0"/>
-          <a:chOff x="0" y="0"/>
-          <a:chExt cx="0" cy="0"/>
-        </a:xfrm>
-      </p:grpSpPr>
-      <p:sp>
-        <p:nvSpPr>
-          <p:cNvPr id="2" name="Título 1"/>
-          <p:cNvSpPr>
-            <a:spLocks noGrp="1"/>
-          </p:cNvSpPr>
-          <p:nvPr>
-            <p:ph type="title"/>
-          </p:nvPr>
-        </p:nvSpPr>
-        <p:spPr/>
-        <p:txBody>
-          <a:bodyPr/>
-          <a:lstStyle/>
-          <a:p>
-            <a:endParaRPr lang="es-ES"/>
-          </a:p>
-        </p:txBody>
-      </p:sp>
-      <p:sp>
-        <p:nvSpPr>
-          <p:cNvPr id="3" name="Marcador de contenido 2"/>
-          <p:cNvSpPr>
-            <a:spLocks noGrp="1"/>
-          </p:cNvSpPr>
-          <p:nvPr>
-            <p:ph idx="1"/>
-          </p:nvPr>
-        </p:nvSpPr>
-        <p:spPr/>
-        <p:txBody>
-          <a:bodyPr/>
-          <a:lstStyle/>
-          <a:p>
-            <a:endParaRPr lang="es-ES" dirty="0"/>
-          </a:p>
-        </p:txBody>
-      </p:sp>
-      <p:pic>
-        <p:nvPicPr>
-          <p:cNvPr id="4" name="Imagen 3"/>
-          <p:cNvPicPr>
-            <a:picLocks noChangeAspect="1"/>
-          </p:cNvPicPr>
-          <p:nvPr/>
-        </p:nvPicPr>
-        <p:blipFill rotWithShape="1">
-          <a:blip r:embed="rId2"/>
-          <a:srcRect l="24344" t="15521" r="26322" b="39948"/>
-          <a:stretch/>
-        </p:blipFill>
-        <p:spPr>
-          <a:xfrm>
-            <a:off x="2356833" y="1120461"/>
-            <a:ext cx="8120668" cy="4121239"/>
-          </a:xfrm>
-          <a:prstGeom prst="rect">
-            <a:avLst/>
-          </a:prstGeom>
-        </p:spPr>
-      </p:pic>
-      <p:pic>
-        <p:nvPicPr>
-          <p:cNvPr id="5" name="Imagen 4"/>
-          <p:cNvPicPr>
-            <a:picLocks noChangeAspect="1"/>
-          </p:cNvPicPr>
-          <p:nvPr/>
-        </p:nvPicPr>
-        <p:blipFill rotWithShape="1">
-          <a:blip r:embed="rId3"/>
-          <a:srcRect l="24258" t="15461" r="26285" b="40047"/>
-          <a:stretch/>
-        </p:blipFill>
-        <p:spPr>
-          <a:xfrm>
-            <a:off x="2150771" y="1142096"/>
-            <a:ext cx="8376353" cy="4236763"/>
-          </a:xfrm>
-          <a:prstGeom prst="rect">
-            <a:avLst/>
-          </a:prstGeom>
-        </p:spPr>
-      </p:pic>
-      <p:pic>
-        <p:nvPicPr>
-          <p:cNvPr id="6" name="Imagen 5"/>
-          <p:cNvPicPr>
-            <a:picLocks noChangeAspect="1"/>
-          </p:cNvPicPr>
-          <p:nvPr/>
-        </p:nvPicPr>
-        <p:blipFill rotWithShape="1">
-          <a:blip r:embed="rId4"/>
-          <a:srcRect l="24088" t="15358" r="26271" b="40199"/>
-          <a:stretch/>
-        </p:blipFill>
-        <p:spPr>
-          <a:xfrm>
-            <a:off x="2017532" y="1028441"/>
-            <a:ext cx="8642830" cy="4350418"/>
-          </a:xfrm>
-          <a:prstGeom prst="rect">
-            <a:avLst/>
-          </a:prstGeom>
-        </p:spPr>
-      </p:pic>
-      <p:pic>
-        <p:nvPicPr>
-          <p:cNvPr id="7" name="Imagen 6"/>
-          <p:cNvPicPr>
-            <a:picLocks noChangeAspect="1"/>
-          </p:cNvPicPr>
-          <p:nvPr/>
-        </p:nvPicPr>
-        <p:blipFill rotWithShape="1">
-          <a:blip r:embed="rId5"/>
-          <a:srcRect l="3824" t="6674" r="47035" b="48833"/>
-          <a:stretch/>
-        </p:blipFill>
-        <p:spPr>
-          <a:xfrm>
-            <a:off x="1693473" y="814266"/>
-            <a:ext cx="8966889" cy="4564593"/>
-          </a:xfrm>
-          <a:prstGeom prst="rect">
-            <a:avLst/>
-          </a:prstGeom>
-        </p:spPr>
-      </p:pic>
-      <p:pic>
-        <p:nvPicPr>
-          <p:cNvPr id="8" name="Imagen 7"/>
-          <p:cNvPicPr>
-            <a:picLocks noChangeAspect="1"/>
-          </p:cNvPicPr>
-          <p:nvPr/>
-        </p:nvPicPr>
-        <p:blipFill rotWithShape="1">
-          <a:blip r:embed="rId6"/>
-          <a:srcRect l="3924" t="6779" r="46836" b="48627"/>
-          <a:stretch/>
-        </p:blipFill>
-        <p:spPr>
-          <a:xfrm>
-            <a:off x="1693473" y="814265"/>
-            <a:ext cx="8964698" cy="4564593"/>
-          </a:xfrm>
-          <a:prstGeom prst="rect">
-            <a:avLst/>
-          </a:prstGeom>
-        </p:spPr>
-      </p:pic>
-      <p:pic>
-        <p:nvPicPr>
-          <p:cNvPr id="9" name="Imagen 8"/>
-          <p:cNvPicPr>
-            <a:picLocks noChangeAspect="1"/>
-          </p:cNvPicPr>
-          <p:nvPr/>
-        </p:nvPicPr>
-        <p:blipFill rotWithShape="1">
-          <a:blip r:embed="rId7"/>
-          <a:srcRect l="3839" t="7289" r="46749" b="22024"/>
-          <a:stretch/>
-        </p:blipFill>
-        <p:spPr>
-          <a:xfrm>
-            <a:off x="2684086" y="764373"/>
-            <a:ext cx="6823827" cy="5488376"/>
-          </a:xfrm>
-          <a:prstGeom prst="rect">
-            <a:avLst/>
-          </a:prstGeom>
-        </p:spPr>
-      </p:pic>
-      <p:pic>
-        <p:nvPicPr>
-          <p:cNvPr id="10" name="Imagen 9"/>
-          <p:cNvPicPr>
-            <a:picLocks noChangeAspect="1"/>
-          </p:cNvPicPr>
-          <p:nvPr/>
-        </p:nvPicPr>
-        <p:blipFill rotWithShape="1">
-          <a:blip r:embed="rId8"/>
-          <a:srcRect l="3810" t="6741" r="46661" b="21945"/>
-          <a:stretch/>
-        </p:blipFill>
-        <p:spPr>
-          <a:xfrm>
-            <a:off x="2444840" y="552860"/>
-            <a:ext cx="7302318" cy="5911402"/>
-          </a:xfrm>
-          <a:prstGeom prst="rect">
-            <a:avLst/>
-          </a:prstGeom>
-        </p:spPr>
-      </p:pic>
-      <p:pic>
-        <p:nvPicPr>
-          <p:cNvPr id="11" name="Imagen 10"/>
-          <p:cNvPicPr>
-            <a:picLocks noChangeAspect="1"/>
-          </p:cNvPicPr>
-          <p:nvPr/>
-        </p:nvPicPr>
-        <p:blipFill rotWithShape="1">
-          <a:blip r:embed="rId9"/>
-          <a:srcRect l="3848" t="6666" r="46754" b="50034"/>
-          <a:stretch/>
-        </p:blipFill>
-        <p:spPr>
-          <a:xfrm>
-            <a:off x="2148580" y="1142096"/>
-            <a:ext cx="7861685" cy="3874419"/>
-          </a:xfrm>
-          <a:prstGeom prst="rect">
-            <a:avLst/>
-          </a:prstGeom>
-        </p:spPr>
-      </p:pic>
-      <p:pic>
-        <p:nvPicPr>
-          <p:cNvPr id="12" name="Imagen 11"/>
-          <p:cNvPicPr>
-            <a:picLocks noChangeAspect="1"/>
-          </p:cNvPicPr>
-          <p:nvPr/>
-        </p:nvPicPr>
-        <p:blipFill rotWithShape="1">
-          <a:blip r:embed="rId10"/>
-          <a:srcRect l="3917" t="6727" r="46618" b="49997"/>
-          <a:stretch/>
-        </p:blipFill>
-        <p:spPr>
-          <a:xfrm>
-            <a:off x="1691282" y="994377"/>
-            <a:ext cx="8756199" cy="4306995"/>
-          </a:xfrm>
-          <a:prstGeom prst="rect">
-            <a:avLst/>
-          </a:prstGeom>
-        </p:spPr>
-      </p:pic>
-      <p:pic>
-        <p:nvPicPr>
-          <p:cNvPr id="13" name="Imagen 12"/>
-          <p:cNvPicPr>
-            <a:picLocks noChangeAspect="1"/>
-          </p:cNvPicPr>
-          <p:nvPr/>
-        </p:nvPicPr>
-        <p:blipFill rotWithShape="1">
-          <a:blip r:embed="rId11"/>
-          <a:srcRect l="3894" t="6645" r="46591" b="26692"/>
-          <a:stretch/>
-        </p:blipFill>
-        <p:spPr>
-          <a:xfrm>
-            <a:off x="2344348" y="573166"/>
-            <a:ext cx="7503301" cy="5679583"/>
-          </a:xfrm>
-          <a:prstGeom prst="rect">
-            <a:avLst/>
-          </a:prstGeom>
-        </p:spPr>
-      </p:pic>
-      <p:pic>
-        <p:nvPicPr>
-          <p:cNvPr id="14" name="Imagen 13"/>
-          <p:cNvPicPr>
-            <a:picLocks noChangeAspect="1"/>
-          </p:cNvPicPr>
-          <p:nvPr/>
-        </p:nvPicPr>
-        <p:blipFill rotWithShape="1">
-          <a:blip r:embed="rId12"/>
-          <a:srcRect l="3800" t="6785" r="46650" b="14237"/>
-          <a:stretch/>
-        </p:blipFill>
-        <p:spPr>
-          <a:xfrm>
-            <a:off x="2633839" y="304408"/>
-            <a:ext cx="6924318" cy="6205124"/>
-          </a:xfrm>
-          <a:prstGeom prst="rect">
-            <a:avLst/>
-          </a:prstGeom>
-        </p:spPr>
-      </p:pic>
-      <p:pic>
-        <p:nvPicPr>
-          <p:cNvPr id="15" name="Imagen 14"/>
-          <p:cNvPicPr>
-            <a:picLocks noChangeAspect="1"/>
-          </p:cNvPicPr>
-          <p:nvPr/>
-        </p:nvPicPr>
-        <p:blipFill rotWithShape="1">
-          <a:blip r:embed="rId13"/>
-          <a:srcRect l="3946" t="6761" r="46659" b="29983"/>
-          <a:stretch/>
-        </p:blipFill>
-        <p:spPr>
-          <a:xfrm>
-            <a:off x="1911303" y="476630"/>
-            <a:ext cx="8316155" cy="5987632"/>
-          </a:xfrm>
-          <a:prstGeom prst="rect">
-            <a:avLst/>
-          </a:prstGeom>
-        </p:spPr>
-      </p:pic>
-      <p:pic>
-        <p:nvPicPr>
-          <p:cNvPr id="16" name="Imagen 15"/>
-          <p:cNvPicPr>
-            <a:picLocks noChangeAspect="1"/>
-          </p:cNvPicPr>
-          <p:nvPr/>
-        </p:nvPicPr>
-        <p:blipFill rotWithShape="1">
-          <a:blip r:embed="rId14"/>
-          <a:srcRect l="3920" t="6561" r="46631" b="29905"/>
-          <a:stretch/>
-        </p:blipFill>
-        <p:spPr>
-          <a:xfrm>
-            <a:off x="2187123" y="573166"/>
-            <a:ext cx="7660526" cy="5533646"/>
-          </a:xfrm>
-          <a:prstGeom prst="rect">
-            <a:avLst/>
-          </a:prstGeom>
-        </p:spPr>
-      </p:pic>
-      <p:pic>
-        <p:nvPicPr>
-          <p:cNvPr id="17" name="Imagen 16"/>
-          <p:cNvPicPr>
-            <a:picLocks noChangeAspect="1"/>
-          </p:cNvPicPr>
-          <p:nvPr/>
-        </p:nvPicPr>
-        <p:blipFill rotWithShape="1">
-          <a:blip r:embed="rId15"/>
-          <a:srcRect l="3889" t="6994" r="46654" b="29802"/>
-          <a:stretch/>
-        </p:blipFill>
-        <p:spPr>
-          <a:xfrm>
-            <a:off x="2098957" y="668931"/>
-            <a:ext cx="7455293" cy="5342115"/>
-          </a:xfrm>
-          <a:prstGeom prst="rect">
-            <a:avLst/>
-          </a:prstGeom>
-        </p:spPr>
-      </p:pic>
-      <p:pic>
-        <p:nvPicPr>
-          <p:cNvPr id="18" name="Imagen 17"/>
-          <p:cNvPicPr>
-            <a:picLocks noChangeAspect="1"/>
-          </p:cNvPicPr>
-          <p:nvPr/>
-        </p:nvPicPr>
-        <p:blipFill rotWithShape="1">
-          <a:blip r:embed="rId16"/>
-          <a:srcRect l="3768" t="6425" r="46738" b="53454"/>
-          <a:stretch/>
-        </p:blipFill>
-        <p:spPr>
-          <a:xfrm>
-            <a:off x="2034655" y="1210476"/>
-            <a:ext cx="7583895" cy="3456468"/>
-          </a:xfrm>
-          <a:prstGeom prst="rect">
-            <a:avLst/>
-          </a:prstGeom>
-        </p:spPr>
-      </p:pic>
-      <p:pic>
-        <p:nvPicPr>
-          <p:cNvPr id="19" name="Imagen 18"/>
-          <p:cNvPicPr>
-            <a:picLocks noChangeAspect="1"/>
-          </p:cNvPicPr>
-          <p:nvPr/>
-        </p:nvPicPr>
-        <p:blipFill rotWithShape="1">
-          <a:blip r:embed="rId17"/>
-          <a:srcRect l="3827" t="6643" r="46779" b="17288"/>
-          <a:stretch/>
-        </p:blipFill>
-        <p:spPr>
-          <a:xfrm>
-            <a:off x="2184932" y="572540"/>
-            <a:ext cx="6830667" cy="5914357"/>
-          </a:xfrm>
-          <a:prstGeom prst="rect">
-            <a:avLst/>
-          </a:prstGeom>
-        </p:spPr>
-      </p:pic>
-      <p:pic>
-        <p:nvPicPr>
-          <p:cNvPr id="20" name="Imagen 19"/>
-          <p:cNvPicPr>
-            <a:picLocks noChangeAspect="1"/>
-          </p:cNvPicPr>
-          <p:nvPr/>
-        </p:nvPicPr>
-        <p:blipFill rotWithShape="1">
-          <a:blip r:embed="rId18"/>
-          <a:srcRect l="3802" t="6863" r="46620" b="43879"/>
-          <a:stretch/>
-        </p:blipFill>
-        <p:spPr>
-          <a:xfrm>
-            <a:off x="1964538" y="1312275"/>
-            <a:ext cx="7360251" cy="4111460"/>
-          </a:xfrm>
-          <a:prstGeom prst="rect">
-            <a:avLst/>
-          </a:prstGeom>
-        </p:spPr>
-      </p:pic>
-      <p:pic>
-        <p:nvPicPr>
-          <p:cNvPr id="21" name="Imagen 20"/>
-          <p:cNvPicPr>
-            <a:picLocks noChangeAspect="1"/>
-          </p:cNvPicPr>
-          <p:nvPr/>
-        </p:nvPicPr>
-        <p:blipFill rotWithShape="1">
-          <a:blip r:embed="rId19"/>
-          <a:srcRect l="3820" t="6857" r="46655" b="29946"/>
-          <a:stretch/>
-        </p:blipFill>
-        <p:spPr>
-          <a:xfrm>
-            <a:off x="2084441" y="1048696"/>
-            <a:ext cx="6857293" cy="4919730"/>
-          </a:xfrm>
-          <a:prstGeom prst="rect">
-            <a:avLst/>
-          </a:prstGeom>
-        </p:spPr>
-      </p:pic>
-    </p:spTree>
-    <p:extLst>
-      <p:ext uri="{BB962C8B-B14F-4D97-AF65-F5344CB8AC3E}">
-        <p14:creationId xmlns:p14="http://schemas.microsoft.com/office/powerpoint/2010/main" val="718854274"/>
-      </p:ext>
-    </p:extLst>
-  </p:cSld>
-  <p:clrMapOvr>
-    <a:masterClrMapping/>
-  </p:clrMapOvr>
-  <p:timing>
-    <p:tnLst>
-      <p:par>
-        <p:cTn id="1" dur="indefinite" restart="never" nodeType="tmRoot">
-          <p:childTnLst>
-            <p:seq concurrent="1" nextAc="seek">
-              <p:cTn id="2" dur="indefinite" nodeType="mainSeq">
-                <p:childTnLst>
-                  <p:par>
-                    <p:cTn id="3" fill="hold">
-                      <p:stCondLst>
-                        <p:cond delay="indefinite"/>
-                      </p:stCondLst>
-                      <p:childTnLst>
-                        <p:par>
-                          <p:cTn id="4" fill="hold">
-                            <p:stCondLst>
-                              <p:cond delay="0"/>
-                            </p:stCondLst>
-                            <p:childTnLst>
-                              <p:par>
-                                <p:cTn id="5" presetID="42" presetClass="entr" presetSubtype="0" fill="hold" nodeType="clickEffect">
-                                  <p:stCondLst>
-                                    <p:cond delay="0"/>
-                                  </p:stCondLst>
-                                  <p:childTnLst>
-                                    <p:set>
-                                      <p:cBhvr>
-                                        <p:cTn id="6" dur="1" fill="hold">
-                                          <p:stCondLst>
-                                            <p:cond delay="0"/>
-                                          </p:stCondLst>
-                                        </p:cTn>
-                                        <p:tgtEl>
-                                          <p:spTgt spid="4"/>
-                                        </p:tgtEl>
-                                        <p:attrNameLst>
-                                          <p:attrName>style.visibility</p:attrName>
-                                        </p:attrNameLst>
-                                      </p:cBhvr>
-                                      <p:to>
-                                        <p:strVal val="visible"/>
-                                      </p:to>
-                                    </p:set>
-                                    <p:animEffect transition="in" filter="fade">
-                                      <p:cBhvr>
-                                        <p:cTn id="7" dur="1000"/>
-                                        <p:tgtEl>
-                                          <p:spTgt spid="4"/>
-                                        </p:tgtEl>
-                                      </p:cBhvr>
-                                    </p:animEffect>
-                                    <p:anim calcmode="lin" valueType="num">
-                                      <p:cBhvr>
-                                        <p:cTn id="8" dur="1000" fill="hold"/>
-                                        <p:tgtEl>
-                                          <p:spTgt spid="4"/>
-                                        </p:tgtEl>
-                                        <p:attrNameLst>
-                                          <p:attrName>ppt_x</p:attrName>
-                                        </p:attrNameLst>
-                                      </p:cBhvr>
-                                      <p:tavLst>
-                                        <p:tav tm="0">
-                                          <p:val>
-                                            <p:strVal val="#ppt_x"/>
-                                          </p:val>
-                                        </p:tav>
-                                        <p:tav tm="100000">
-                                          <p:val>
-                                            <p:strVal val="#ppt_x"/>
-                                          </p:val>
-                                        </p:tav>
-                                      </p:tavLst>
-                                    </p:anim>
-                                    <p:anim calcmode="lin" valueType="num">
-                                      <p:cBhvr>
-                                        <p:cTn id="9" dur="1000" fill="hold"/>
-                                        <p:tgtEl>
-                                          <p:spTgt spid="4"/>
-                                        </p:tgtEl>
-                                        <p:attrNameLst>
-                                          <p:attrName>ppt_y</p:attrName>
-                                        </p:attrNameLst>
-                                      </p:cBhvr>
-                                      <p:tavLst>
-                                        <p:tav tm="0">
-                                          <p:val>
-                                            <p:strVal val="#ppt_y+.1"/>
-                                          </p:val>
-                                        </p:tav>
-                                        <p:tav tm="100000">
-                                          <p:val>
-                                            <p:strVal val="#ppt_y"/>
-                                          </p:val>
-                                        </p:tav>
-                                      </p:tavLst>
-                                    </p:anim>
-                                  </p:childTnLst>
-                                </p:cTn>
-                              </p:par>
-                            </p:childTnLst>
-                          </p:cTn>
-                        </p:par>
-                      </p:childTnLst>
-                    </p:cTn>
-                  </p:par>
-                  <p:par>
-                    <p:cTn id="10" fill="hold">
-                      <p:stCondLst>
-                        <p:cond delay="indefinite"/>
-                      </p:stCondLst>
-                      <p:childTnLst>
-                        <p:par>
-                          <p:cTn id="11" fill="hold">
-                            <p:stCondLst>
-                              <p:cond delay="0"/>
-                            </p:stCondLst>
-                            <p:childTnLst>
-                              <p:par>
-                                <p:cTn id="12" presetID="2" presetClass="exit" presetSubtype="4" fill="hold" nodeType="clickEffect">
-                                  <p:stCondLst>
-                                    <p:cond delay="0"/>
-                                  </p:stCondLst>
-                                  <p:childTnLst>
-                                    <p:anim calcmode="lin" valueType="num">
-                                      <p:cBhvr additive="base">
-                                        <p:cTn id="13" dur="500"/>
-                                        <p:tgtEl>
-                                          <p:spTgt spid="4"/>
-                                        </p:tgtEl>
-                                        <p:attrNameLst>
-                                          <p:attrName>ppt_x</p:attrName>
-                                        </p:attrNameLst>
-                                      </p:cBhvr>
-                                      <p:tavLst>
-                                        <p:tav tm="0">
-                                          <p:val>
-                                            <p:strVal val="ppt_x"/>
-                                          </p:val>
-                                        </p:tav>
-                                        <p:tav tm="100000">
-                                          <p:val>
-                                            <p:strVal val="ppt_x"/>
-                                          </p:val>
-                                        </p:tav>
-                                      </p:tavLst>
-                                    </p:anim>
-                                    <p:anim calcmode="lin" valueType="num">
-                                      <p:cBhvr additive="base">
-                                        <p:cTn id="14" dur="500"/>
-                                        <p:tgtEl>
-                                          <p:spTgt spid="4"/>
-                                        </p:tgtEl>
-                                        <p:attrNameLst>
-                                          <p:attrName>ppt_y</p:attrName>
-                                        </p:attrNameLst>
-                                      </p:cBhvr>
-                                      <p:tavLst>
-                                        <p:tav tm="0">
-                                          <p:val>
-                                            <p:strVal val="ppt_y"/>
-                                          </p:val>
-                                        </p:tav>
-                                        <p:tav tm="100000">
-                                          <p:val>
-                                            <p:strVal val="1+ppt_h/2"/>
-                                          </p:val>
-                                        </p:tav>
-                                      </p:tavLst>
-                                    </p:anim>
-                                    <p:set>
-                                      <p:cBhvr>
-                                        <p:cTn id="15" dur="1" fill="hold">
-                                          <p:stCondLst>
-                                            <p:cond delay="499"/>
-                                          </p:stCondLst>
-                                        </p:cTn>
-                                        <p:tgtEl>
-                                          <p:spTgt spid="4"/>
-                                        </p:tgtEl>
-                                        <p:attrNameLst>
-                                          <p:attrName>style.visibility</p:attrName>
-                                        </p:attrNameLst>
-                                      </p:cBhvr>
-                                      <p:to>
-                                        <p:strVal val="hidden"/>
-                                      </p:to>
-                                    </p:set>
-                                  </p:childTnLst>
-                                </p:cTn>
-                              </p:par>
-                            </p:childTnLst>
-                          </p:cTn>
-                        </p:par>
-                      </p:childTnLst>
-                    </p:cTn>
-                  </p:par>
-                  <p:par>
-                    <p:cTn id="16" fill="hold">
-                      <p:stCondLst>
-                        <p:cond delay="indefinite"/>
-                      </p:stCondLst>
-                      <p:childTnLst>
-                        <p:par>
-                          <p:cTn id="17" fill="hold">
-                            <p:stCondLst>
-                              <p:cond delay="0"/>
-                            </p:stCondLst>
-                            <p:childTnLst>
-                              <p:par>
-                                <p:cTn id="18" presetID="42" presetClass="entr" presetSubtype="0" fill="hold" nodeType="clickEffect">
-                                  <p:stCondLst>
-                                    <p:cond delay="0"/>
-                                  </p:stCondLst>
-                                  <p:childTnLst>
-                                    <p:set>
-                                      <p:cBhvr>
-                                        <p:cTn id="19" dur="1" fill="hold">
-                                          <p:stCondLst>
-                                            <p:cond delay="0"/>
-                                          </p:stCondLst>
-                                        </p:cTn>
-                                        <p:tgtEl>
-                                          <p:spTgt spid="5"/>
-                                        </p:tgtEl>
-                                        <p:attrNameLst>
-                                          <p:attrName>style.visibility</p:attrName>
-                                        </p:attrNameLst>
-                                      </p:cBhvr>
-                                      <p:to>
-                                        <p:strVal val="visible"/>
-                                      </p:to>
-                                    </p:set>
-                                    <p:animEffect transition="in" filter="fade">
-                                      <p:cBhvr>
-                                        <p:cTn id="20" dur="1000"/>
-                                        <p:tgtEl>
-                                          <p:spTgt spid="5"/>
-                                        </p:tgtEl>
-                                      </p:cBhvr>
-                                    </p:animEffect>
-                                    <p:anim calcmode="lin" valueType="num">
-                                      <p:cBhvr>
-                                        <p:cTn id="21" dur="1000" fill="hold"/>
-                                        <p:tgtEl>
-                                          <p:spTgt spid="5"/>
-                                        </p:tgtEl>
-                                        <p:attrNameLst>
-                                          <p:attrName>ppt_x</p:attrName>
-                                        </p:attrNameLst>
-                                      </p:cBhvr>
-                                      <p:tavLst>
-                                        <p:tav tm="0">
-                                          <p:val>
-                                            <p:strVal val="#ppt_x"/>
-                                          </p:val>
-                                        </p:tav>
-                                        <p:tav tm="100000">
-                                          <p:val>
-                                            <p:strVal val="#ppt_x"/>
-                                          </p:val>
-                                        </p:tav>
-                                      </p:tavLst>
-                                    </p:anim>
-                                    <p:anim calcmode="lin" valueType="num">
-                                      <p:cBhvr>
-                                        <p:cTn id="22" dur="1000" fill="hold"/>
-                                        <p:tgtEl>
-                                          <p:spTgt spid="5"/>
-                                        </p:tgtEl>
-                                        <p:attrNameLst>
-                                          <p:attrName>ppt_y</p:attrName>
-                                        </p:attrNameLst>
-                                      </p:cBhvr>
-                                      <p:tavLst>
-                                        <p:tav tm="0">
-                                          <p:val>
-                                            <p:strVal val="#ppt_y+.1"/>
-                                          </p:val>
-                                        </p:tav>
-                                        <p:tav tm="100000">
-                                          <p:val>
-                                            <p:strVal val="#ppt_y"/>
-                                          </p:val>
-                                        </p:tav>
-                                      </p:tavLst>
-                                    </p:anim>
-                                  </p:childTnLst>
-                                </p:cTn>
-                              </p:par>
-                            </p:childTnLst>
-                          </p:cTn>
-                        </p:par>
-                      </p:childTnLst>
-                    </p:cTn>
-                  </p:par>
-                  <p:par>
-                    <p:cTn id="23" fill="hold">
-                      <p:stCondLst>
-                        <p:cond delay="indefinite"/>
-                      </p:stCondLst>
-                      <p:childTnLst>
-                        <p:par>
-                          <p:cTn id="24" fill="hold">
-                            <p:stCondLst>
-                              <p:cond delay="0"/>
-                            </p:stCondLst>
-                            <p:childTnLst>
-                              <p:par>
-                                <p:cTn id="25" presetID="42" presetClass="exit" presetSubtype="0" fill="hold" nodeType="clickEffect">
-                                  <p:stCondLst>
-                                    <p:cond delay="0"/>
-                                  </p:stCondLst>
-                                  <p:childTnLst>
-                                    <p:animEffect transition="out" filter="fade">
-                                      <p:cBhvr>
-                                        <p:cTn id="26" dur="1000"/>
-                                        <p:tgtEl>
-                                          <p:spTgt spid="5"/>
-                                        </p:tgtEl>
-                                      </p:cBhvr>
-                                    </p:animEffect>
-                                    <p:anim calcmode="lin" valueType="num">
-                                      <p:cBhvr>
-                                        <p:cTn id="27" dur="1000"/>
-                                        <p:tgtEl>
-                                          <p:spTgt spid="5"/>
-                                        </p:tgtEl>
-                                        <p:attrNameLst>
-                                          <p:attrName>ppt_x</p:attrName>
-                                        </p:attrNameLst>
-                                      </p:cBhvr>
-                                      <p:tavLst>
-                                        <p:tav tm="0">
-                                          <p:val>
-                                            <p:strVal val="ppt_x"/>
-                                          </p:val>
-                                        </p:tav>
-                                        <p:tav tm="100000">
-                                          <p:val>
-                                            <p:strVal val="ppt_x"/>
-                                          </p:val>
-                                        </p:tav>
-                                      </p:tavLst>
-                                    </p:anim>
-                                    <p:anim calcmode="lin" valueType="num">
-                                      <p:cBhvr>
-                                        <p:cTn id="28" dur="1000"/>
-                                        <p:tgtEl>
-                                          <p:spTgt spid="5"/>
-                                        </p:tgtEl>
-                                        <p:attrNameLst>
-                                          <p:attrName>ppt_y</p:attrName>
-                                        </p:attrNameLst>
-                                      </p:cBhvr>
-                                      <p:tavLst>
-                                        <p:tav tm="0">
-                                          <p:val>
-                                            <p:strVal val="ppt_y"/>
-                                          </p:val>
-                                        </p:tav>
-                                        <p:tav tm="100000">
-                                          <p:val>
-                                            <p:strVal val="ppt_y+.1"/>
-                                          </p:val>
-                                        </p:tav>
-                                      </p:tavLst>
-                                    </p:anim>
-                                    <p:set>
-                                      <p:cBhvr>
-                                        <p:cTn id="29" dur="1" fill="hold">
-                                          <p:stCondLst>
-                                            <p:cond delay="999"/>
-                                          </p:stCondLst>
-                                        </p:cTn>
-                                        <p:tgtEl>
-                                          <p:spTgt spid="5"/>
-                                        </p:tgtEl>
-                                        <p:attrNameLst>
-                                          <p:attrName>style.visibility</p:attrName>
-                                        </p:attrNameLst>
-                                      </p:cBhvr>
-                                      <p:to>
-                                        <p:strVal val="hidden"/>
-                                      </p:to>
-                                    </p:set>
-                                  </p:childTnLst>
-                                </p:cTn>
-                              </p:par>
-                            </p:childTnLst>
-                          </p:cTn>
-                        </p:par>
-                      </p:childTnLst>
-                    </p:cTn>
-                  </p:par>
-                  <p:par>
-                    <p:cTn id="30" fill="hold">
-                      <p:stCondLst>
-                        <p:cond delay="indefinite"/>
-                      </p:stCondLst>
-                      <p:childTnLst>
-                        <p:par>
-                          <p:cTn id="31" fill="hold">
-                            <p:stCondLst>
-                              <p:cond delay="0"/>
-                            </p:stCondLst>
-                            <p:childTnLst>
-                              <p:par>
-                                <p:cTn id="32" presetID="42" presetClass="entr" presetSubtype="0" fill="hold" nodeType="clickEffect">
-                                  <p:stCondLst>
-                                    <p:cond delay="0"/>
-                                  </p:stCondLst>
-                                  <p:childTnLst>
-                                    <p:set>
-                                      <p:cBhvr>
-                                        <p:cTn id="33" dur="1" fill="hold">
-                                          <p:stCondLst>
-                                            <p:cond delay="0"/>
-                                          </p:stCondLst>
-                                        </p:cTn>
-                                        <p:tgtEl>
-                                          <p:spTgt spid="6"/>
-                                        </p:tgtEl>
-                                        <p:attrNameLst>
-                                          <p:attrName>style.visibility</p:attrName>
-                                        </p:attrNameLst>
-                                      </p:cBhvr>
-                                      <p:to>
-                                        <p:strVal val="visible"/>
-                                      </p:to>
-                                    </p:set>
-                                    <p:animEffect transition="in" filter="fade">
-                                      <p:cBhvr>
-                                        <p:cTn id="34" dur="1000"/>
-                                        <p:tgtEl>
-                                          <p:spTgt spid="6"/>
-                                        </p:tgtEl>
-                                      </p:cBhvr>
-                                    </p:animEffect>
-                                    <p:anim calcmode="lin" valueType="num">
-                                      <p:cBhvr>
-                                        <p:cTn id="35" dur="1000" fill="hold"/>
-                                        <p:tgtEl>
-                                          <p:spTgt spid="6"/>
-                                        </p:tgtEl>
-                                        <p:attrNameLst>
-                                          <p:attrName>ppt_x</p:attrName>
-                                        </p:attrNameLst>
-                                      </p:cBhvr>
-                                      <p:tavLst>
-                                        <p:tav tm="0">
-                                          <p:val>
-                                            <p:strVal val="#ppt_x"/>
-                                          </p:val>
-                                        </p:tav>
-                                        <p:tav tm="100000">
-                                          <p:val>
-                                            <p:strVal val="#ppt_x"/>
-                                          </p:val>
-                                        </p:tav>
-                                      </p:tavLst>
-                                    </p:anim>
-                                    <p:anim calcmode="lin" valueType="num">
-                                      <p:cBhvr>
-                                        <p:cTn id="36" dur="1000" fill="hold"/>
-                                        <p:tgtEl>
-                                          <p:spTgt spid="6"/>
-                                        </p:tgtEl>
-                                        <p:attrNameLst>
-                                          <p:attrName>ppt_y</p:attrName>
-                                        </p:attrNameLst>
-                                      </p:cBhvr>
-                                      <p:tavLst>
-                                        <p:tav tm="0">
-                                          <p:val>
-                                            <p:strVal val="#ppt_y+.1"/>
-                                          </p:val>
-                                        </p:tav>
-                                        <p:tav tm="100000">
-                                          <p:val>
-                                            <p:strVal val="#ppt_y"/>
-                                          </p:val>
-                                        </p:tav>
-                                      </p:tavLst>
-                                    </p:anim>
-                                  </p:childTnLst>
-                                </p:cTn>
-                              </p:par>
-                            </p:childTnLst>
-                          </p:cTn>
-                        </p:par>
-                      </p:childTnLst>
-                    </p:cTn>
-                  </p:par>
-                  <p:par>
-                    <p:cTn id="37" fill="hold">
-                      <p:stCondLst>
-                        <p:cond delay="indefinite"/>
-                      </p:stCondLst>
-                      <p:childTnLst>
-                        <p:par>
-                          <p:cTn id="38" fill="hold">
-                            <p:stCondLst>
-                              <p:cond delay="0"/>
-                            </p:stCondLst>
-                            <p:childTnLst>
-                              <p:par>
-                                <p:cTn id="39" presetID="42" presetClass="exit" presetSubtype="0" fill="hold" nodeType="clickEffect">
-                                  <p:stCondLst>
-                                    <p:cond delay="0"/>
-                                  </p:stCondLst>
-                                  <p:childTnLst>
-                                    <p:animEffect transition="out" filter="fade">
-                                      <p:cBhvr>
-                                        <p:cTn id="40" dur="1000"/>
-                                        <p:tgtEl>
-                                          <p:spTgt spid="6"/>
-                                        </p:tgtEl>
-                                      </p:cBhvr>
-                                    </p:animEffect>
-                                    <p:anim calcmode="lin" valueType="num">
-                                      <p:cBhvr>
-                                        <p:cTn id="41" dur="1000"/>
-                                        <p:tgtEl>
-                                          <p:spTgt spid="6"/>
-                                        </p:tgtEl>
-                                        <p:attrNameLst>
-                                          <p:attrName>ppt_x</p:attrName>
-                                        </p:attrNameLst>
-                                      </p:cBhvr>
-                                      <p:tavLst>
-                                        <p:tav tm="0">
-                                          <p:val>
-                                            <p:strVal val="ppt_x"/>
-                                          </p:val>
-                                        </p:tav>
-                                        <p:tav tm="100000">
-                                          <p:val>
-                                            <p:strVal val="ppt_x"/>
-                                          </p:val>
-                                        </p:tav>
-                                      </p:tavLst>
-                                    </p:anim>
-                                    <p:anim calcmode="lin" valueType="num">
-                                      <p:cBhvr>
-                                        <p:cTn id="42" dur="1000"/>
-                                        <p:tgtEl>
-                                          <p:spTgt spid="6"/>
-                                        </p:tgtEl>
-                                        <p:attrNameLst>
-                                          <p:attrName>ppt_y</p:attrName>
-                                        </p:attrNameLst>
-                                      </p:cBhvr>
-                                      <p:tavLst>
-                                        <p:tav tm="0">
-                                          <p:val>
-                                            <p:strVal val="ppt_y"/>
-                                          </p:val>
-                                        </p:tav>
-                                        <p:tav tm="100000">
-                                          <p:val>
-                                            <p:strVal val="ppt_y+.1"/>
-                                          </p:val>
-                                        </p:tav>
-                                      </p:tavLst>
-                                    </p:anim>
-                                    <p:set>
-                                      <p:cBhvr>
-                                        <p:cTn id="43" dur="1" fill="hold">
-                                          <p:stCondLst>
-                                            <p:cond delay="999"/>
-                                          </p:stCondLst>
-                                        </p:cTn>
-                                        <p:tgtEl>
-                                          <p:spTgt spid="6"/>
-                                        </p:tgtEl>
-                                        <p:attrNameLst>
-                                          <p:attrName>style.visibility</p:attrName>
-                                        </p:attrNameLst>
-                                      </p:cBhvr>
-                                      <p:to>
-                                        <p:strVal val="hidden"/>
-                                      </p:to>
-                                    </p:set>
-                                  </p:childTnLst>
-                                </p:cTn>
-                              </p:par>
-                            </p:childTnLst>
-                          </p:cTn>
-                        </p:par>
-                      </p:childTnLst>
-                    </p:cTn>
-                  </p:par>
-                  <p:par>
-                    <p:cTn id="44" fill="hold">
-                      <p:stCondLst>
-                        <p:cond delay="indefinite"/>
-                      </p:stCondLst>
-                      <p:childTnLst>
-                        <p:par>
-                          <p:cTn id="45" fill="hold">
-                            <p:stCondLst>
-                              <p:cond delay="0"/>
-                            </p:stCondLst>
-                            <p:childTnLst>
-                              <p:par>
-                                <p:cTn id="46" presetID="2" presetClass="exit" presetSubtype="4" fill="hold" nodeType="clickEffect">
-                                  <p:stCondLst>
-                                    <p:cond delay="0"/>
-                                  </p:stCondLst>
-                                  <p:childTnLst>
-                                    <p:anim calcmode="lin" valueType="num">
-                                      <p:cBhvr additive="base">
-                                        <p:cTn id="47" dur="500"/>
-                                        <p:tgtEl>
-                                          <p:spTgt spid="6"/>
-                                        </p:tgtEl>
-                                        <p:attrNameLst>
-                                          <p:attrName>ppt_x</p:attrName>
-                                        </p:attrNameLst>
-                                      </p:cBhvr>
-                                      <p:tavLst>
-                                        <p:tav tm="0">
-                                          <p:val>
-                                            <p:strVal val="ppt_x"/>
-                                          </p:val>
-                                        </p:tav>
-                                        <p:tav tm="100000">
-                                          <p:val>
-                                            <p:strVal val="ppt_x"/>
-                                          </p:val>
-                                        </p:tav>
-                                      </p:tavLst>
-                                    </p:anim>
-                                    <p:anim calcmode="lin" valueType="num">
-                                      <p:cBhvr additive="base">
-                                        <p:cTn id="48" dur="500"/>
-                                        <p:tgtEl>
-                                          <p:spTgt spid="6"/>
-                                        </p:tgtEl>
-                                        <p:attrNameLst>
-                                          <p:attrName>ppt_y</p:attrName>
-                                        </p:attrNameLst>
-                                      </p:cBhvr>
-                                      <p:tavLst>
-                                        <p:tav tm="0">
-                                          <p:val>
-                                            <p:strVal val="ppt_y"/>
-                                          </p:val>
-                                        </p:tav>
-                                        <p:tav tm="100000">
-                                          <p:val>
-                                            <p:strVal val="1+ppt_h/2"/>
-                                          </p:val>
-                                        </p:tav>
-                                      </p:tavLst>
-                                    </p:anim>
-                                    <p:set>
-                                      <p:cBhvr>
-                                        <p:cTn id="49" dur="1" fill="hold">
-                                          <p:stCondLst>
-                                            <p:cond delay="499"/>
-                                          </p:stCondLst>
-                                        </p:cTn>
-                                        <p:tgtEl>
-                                          <p:spTgt spid="6"/>
-                                        </p:tgtEl>
-                                        <p:attrNameLst>
-                                          <p:attrName>style.visibility</p:attrName>
-                                        </p:attrNameLst>
-                                      </p:cBhvr>
-                                      <p:to>
-                                        <p:strVal val="hidden"/>
-                                      </p:to>
-                                    </p:set>
-                                  </p:childTnLst>
-                                </p:cTn>
-                              </p:par>
-                            </p:childTnLst>
-                          </p:cTn>
-                        </p:par>
-                      </p:childTnLst>
-                    </p:cTn>
-                  </p:par>
-                  <p:par>
-                    <p:cTn id="50" fill="hold">
-                      <p:stCondLst>
-                        <p:cond delay="indefinite"/>
-                      </p:stCondLst>
-                      <p:childTnLst>
-                        <p:par>
-                          <p:cTn id="51" fill="hold">
-                            <p:stCondLst>
-                              <p:cond delay="0"/>
-                            </p:stCondLst>
-                            <p:childTnLst>
-                              <p:par>
-                                <p:cTn id="52" presetID="47" presetClass="entr" presetSubtype="0" fill="hold" nodeType="clickEffect">
-                                  <p:stCondLst>
-                                    <p:cond delay="0"/>
-                                  </p:stCondLst>
-                                  <p:childTnLst>
-                                    <p:set>
-                                      <p:cBhvr>
-                                        <p:cTn id="53" dur="1" fill="hold">
-                                          <p:stCondLst>
-                                            <p:cond delay="0"/>
-                                          </p:stCondLst>
-                                        </p:cTn>
-                                        <p:tgtEl>
-                                          <p:spTgt spid="7"/>
-                                        </p:tgtEl>
-                                        <p:attrNameLst>
-                                          <p:attrName>style.visibility</p:attrName>
-                                        </p:attrNameLst>
-                                      </p:cBhvr>
-                                      <p:to>
-                                        <p:strVal val="visible"/>
-                                      </p:to>
-                                    </p:set>
-                                    <p:animEffect transition="in" filter="fade">
-                                      <p:cBhvr>
-                                        <p:cTn id="54" dur="1000"/>
-                                        <p:tgtEl>
-                                          <p:spTgt spid="7"/>
-                                        </p:tgtEl>
-                                      </p:cBhvr>
-                                    </p:animEffect>
-                                    <p:anim calcmode="lin" valueType="num">
-                                      <p:cBhvr>
-                                        <p:cTn id="55" dur="1000" fill="hold"/>
-                                        <p:tgtEl>
-                                          <p:spTgt spid="7"/>
-                                        </p:tgtEl>
-                                        <p:attrNameLst>
-                                          <p:attrName>ppt_x</p:attrName>
-                                        </p:attrNameLst>
-                                      </p:cBhvr>
-                                      <p:tavLst>
-                                        <p:tav tm="0">
-                                          <p:val>
-                                            <p:strVal val="#ppt_x"/>
-                                          </p:val>
-                                        </p:tav>
-                                        <p:tav tm="100000">
-                                          <p:val>
-                                            <p:strVal val="#ppt_x"/>
-                                          </p:val>
-                                        </p:tav>
-                                      </p:tavLst>
-                                    </p:anim>
-                                    <p:anim calcmode="lin" valueType="num">
-                                      <p:cBhvr>
-                                        <p:cTn id="56" dur="1000" fill="hold"/>
-                                        <p:tgtEl>
-                                          <p:spTgt spid="7"/>
-                                        </p:tgtEl>
-                                        <p:attrNameLst>
-                                          <p:attrName>ppt_y</p:attrName>
-                                        </p:attrNameLst>
-                                      </p:cBhvr>
-                                      <p:tavLst>
-                                        <p:tav tm="0">
-                                          <p:val>
-                                            <p:strVal val="#ppt_y-.1"/>
-                                          </p:val>
-                                        </p:tav>
-                                        <p:tav tm="100000">
-                                          <p:val>
-                                            <p:strVal val="#ppt_y"/>
-                                          </p:val>
-                                        </p:tav>
-                                      </p:tavLst>
-                                    </p:anim>
-                                  </p:childTnLst>
-                                </p:cTn>
-                              </p:par>
-                            </p:childTnLst>
-                          </p:cTn>
-                        </p:par>
-                      </p:childTnLst>
-                    </p:cTn>
-                  </p:par>
-                  <p:par>
-                    <p:cTn id="57" fill="hold">
-                      <p:stCondLst>
-                        <p:cond delay="indefinite"/>
-                      </p:stCondLst>
-                      <p:childTnLst>
-                        <p:par>
-                          <p:cTn id="58" fill="hold">
-                            <p:stCondLst>
-                              <p:cond delay="0"/>
-                            </p:stCondLst>
-                            <p:childTnLst>
-                              <p:par>
-                                <p:cTn id="59" presetID="2" presetClass="exit" presetSubtype="4" fill="hold" nodeType="clickEffect">
-                                  <p:stCondLst>
-                                    <p:cond delay="0"/>
-                                  </p:stCondLst>
-                                  <p:childTnLst>
-                                    <p:anim calcmode="lin" valueType="num">
-                                      <p:cBhvr additive="base">
-                                        <p:cTn id="60" dur="500"/>
-                                        <p:tgtEl>
-                                          <p:spTgt spid="7"/>
-                                        </p:tgtEl>
-                                        <p:attrNameLst>
-                                          <p:attrName>ppt_x</p:attrName>
-                                        </p:attrNameLst>
-                                      </p:cBhvr>
-                                      <p:tavLst>
-                                        <p:tav tm="0">
-                                          <p:val>
-                                            <p:strVal val="ppt_x"/>
-                                          </p:val>
-                                        </p:tav>
-                                        <p:tav tm="100000">
-                                          <p:val>
-                                            <p:strVal val="ppt_x"/>
-                                          </p:val>
-                                        </p:tav>
-                                      </p:tavLst>
-                                    </p:anim>
-                                    <p:anim calcmode="lin" valueType="num">
-                                      <p:cBhvr additive="base">
-                                        <p:cTn id="61" dur="500"/>
-                                        <p:tgtEl>
-                                          <p:spTgt spid="7"/>
-                                        </p:tgtEl>
-                                        <p:attrNameLst>
-                                          <p:attrName>ppt_y</p:attrName>
-                                        </p:attrNameLst>
-                                      </p:cBhvr>
-                                      <p:tavLst>
-                                        <p:tav tm="0">
-                                          <p:val>
-                                            <p:strVal val="ppt_y"/>
-                                          </p:val>
-                                        </p:tav>
-                                        <p:tav tm="100000">
-                                          <p:val>
-                                            <p:strVal val="1+ppt_h/2"/>
-                                          </p:val>
-                                        </p:tav>
-                                      </p:tavLst>
-                                    </p:anim>
-                                    <p:set>
-                                      <p:cBhvr>
-                                        <p:cTn id="62" dur="1" fill="hold">
-                                          <p:stCondLst>
-                                            <p:cond delay="499"/>
-                                          </p:stCondLst>
-                                        </p:cTn>
-                                        <p:tgtEl>
-                                          <p:spTgt spid="7"/>
-                                        </p:tgtEl>
-                                        <p:attrNameLst>
-                                          <p:attrName>style.visibility</p:attrName>
-                                        </p:attrNameLst>
-                                      </p:cBhvr>
-                                      <p:to>
-                                        <p:strVal val="hidden"/>
-                                      </p:to>
-                                    </p:set>
-                                  </p:childTnLst>
-                                </p:cTn>
-                              </p:par>
-                            </p:childTnLst>
-                          </p:cTn>
-                        </p:par>
-                      </p:childTnLst>
-                    </p:cTn>
-                  </p:par>
-                  <p:par>
-                    <p:cTn id="63" fill="hold">
-                      <p:stCondLst>
-                        <p:cond delay="indefinite"/>
-                      </p:stCondLst>
-                      <p:childTnLst>
-                        <p:par>
-                          <p:cTn id="64" fill="hold">
-                            <p:stCondLst>
-                              <p:cond delay="0"/>
-                            </p:stCondLst>
-                            <p:childTnLst>
-                              <p:par>
-                                <p:cTn id="65" presetID="47" presetClass="entr" presetSubtype="0" fill="hold" nodeType="clickEffect">
-                                  <p:stCondLst>
-                                    <p:cond delay="0"/>
-                                  </p:stCondLst>
-                                  <p:childTnLst>
-                                    <p:set>
-                                      <p:cBhvr>
-                                        <p:cTn id="66" dur="1" fill="hold">
-                                          <p:stCondLst>
-                                            <p:cond delay="0"/>
-                                          </p:stCondLst>
-                                        </p:cTn>
-                                        <p:tgtEl>
-                                          <p:spTgt spid="8"/>
-                                        </p:tgtEl>
-                                        <p:attrNameLst>
-                                          <p:attrName>style.visibility</p:attrName>
-                                        </p:attrNameLst>
-                                      </p:cBhvr>
-                                      <p:to>
-                                        <p:strVal val="visible"/>
-                                      </p:to>
-                                    </p:set>
-                                    <p:animEffect transition="in" filter="fade">
-                                      <p:cBhvr>
-                                        <p:cTn id="67" dur="1000"/>
-                                        <p:tgtEl>
-                                          <p:spTgt spid="8"/>
-                                        </p:tgtEl>
-                                      </p:cBhvr>
-                                    </p:animEffect>
-                                    <p:anim calcmode="lin" valueType="num">
-                                      <p:cBhvr>
-                                        <p:cTn id="68" dur="1000" fill="hold"/>
-                                        <p:tgtEl>
-                                          <p:spTgt spid="8"/>
-                                        </p:tgtEl>
-                                        <p:attrNameLst>
-                                          <p:attrName>ppt_x</p:attrName>
-                                        </p:attrNameLst>
-                                      </p:cBhvr>
-                                      <p:tavLst>
-                                        <p:tav tm="0">
-                                          <p:val>
-                                            <p:strVal val="#ppt_x"/>
-                                          </p:val>
-                                        </p:tav>
-                                        <p:tav tm="100000">
-                                          <p:val>
-                                            <p:strVal val="#ppt_x"/>
-                                          </p:val>
-                                        </p:tav>
-                                      </p:tavLst>
-                                    </p:anim>
-                                    <p:anim calcmode="lin" valueType="num">
-                                      <p:cBhvr>
-                                        <p:cTn id="69" dur="1000" fill="hold"/>
-                                        <p:tgtEl>
-                                          <p:spTgt spid="8"/>
-                                        </p:tgtEl>
-                                        <p:attrNameLst>
-                                          <p:attrName>ppt_y</p:attrName>
-                                        </p:attrNameLst>
-                                      </p:cBhvr>
-                                      <p:tavLst>
-                                        <p:tav tm="0">
-                                          <p:val>
-                                            <p:strVal val="#ppt_y-.1"/>
-                                          </p:val>
-                                        </p:tav>
-                                        <p:tav tm="100000">
-                                          <p:val>
-                                            <p:strVal val="#ppt_y"/>
-                                          </p:val>
-                                        </p:tav>
-                                      </p:tavLst>
-                                    </p:anim>
-                                  </p:childTnLst>
-                                </p:cTn>
-                              </p:par>
-                            </p:childTnLst>
-                          </p:cTn>
-                        </p:par>
-                      </p:childTnLst>
-                    </p:cTn>
-                  </p:par>
-                  <p:par>
-                    <p:cTn id="70" fill="hold">
-                      <p:stCondLst>
-                        <p:cond delay="indefinite"/>
-                      </p:stCondLst>
-                      <p:childTnLst>
-                        <p:par>
-                          <p:cTn id="71" fill="hold">
-                            <p:stCondLst>
-                              <p:cond delay="0"/>
-                            </p:stCondLst>
-                            <p:childTnLst>
-                              <p:par>
-                                <p:cTn id="72" presetID="42" presetClass="exit" presetSubtype="0" fill="hold" nodeType="clickEffect">
-                                  <p:stCondLst>
-                                    <p:cond delay="0"/>
-                                  </p:stCondLst>
-                                  <p:childTnLst>
-                                    <p:animEffect transition="out" filter="fade">
-                                      <p:cBhvr>
-                                        <p:cTn id="73" dur="1000"/>
-                                        <p:tgtEl>
-                                          <p:spTgt spid="8"/>
-                                        </p:tgtEl>
-                                      </p:cBhvr>
-                                    </p:animEffect>
-                                    <p:anim calcmode="lin" valueType="num">
-                                      <p:cBhvr>
-                                        <p:cTn id="74" dur="1000"/>
-                                        <p:tgtEl>
-                                          <p:spTgt spid="8"/>
-                                        </p:tgtEl>
-                                        <p:attrNameLst>
-                                          <p:attrName>ppt_x</p:attrName>
-                                        </p:attrNameLst>
-                                      </p:cBhvr>
-                                      <p:tavLst>
-                                        <p:tav tm="0">
-                                          <p:val>
-                                            <p:strVal val="ppt_x"/>
-                                          </p:val>
-                                        </p:tav>
-                                        <p:tav tm="100000">
-                                          <p:val>
-                                            <p:strVal val="ppt_x"/>
-                                          </p:val>
-                                        </p:tav>
-                                      </p:tavLst>
-                                    </p:anim>
-                                    <p:anim calcmode="lin" valueType="num">
-                                      <p:cBhvr>
-                                        <p:cTn id="75" dur="1000"/>
-                                        <p:tgtEl>
-                                          <p:spTgt spid="8"/>
-                                        </p:tgtEl>
-                                        <p:attrNameLst>
-                                          <p:attrName>ppt_y</p:attrName>
-                                        </p:attrNameLst>
-                                      </p:cBhvr>
-                                      <p:tavLst>
-                                        <p:tav tm="0">
-                                          <p:val>
-                                            <p:strVal val="ppt_y"/>
-                                          </p:val>
-                                        </p:tav>
-                                        <p:tav tm="100000">
-                                          <p:val>
-                                            <p:strVal val="ppt_y+.1"/>
-                                          </p:val>
-                                        </p:tav>
-                                      </p:tavLst>
-                                    </p:anim>
-                                    <p:set>
-                                      <p:cBhvr>
-                                        <p:cTn id="76" dur="1" fill="hold">
-                                          <p:stCondLst>
-                                            <p:cond delay="999"/>
-                                          </p:stCondLst>
-                                        </p:cTn>
-                                        <p:tgtEl>
-                                          <p:spTgt spid="8"/>
-                                        </p:tgtEl>
-                                        <p:attrNameLst>
-                                          <p:attrName>style.visibility</p:attrName>
-                                        </p:attrNameLst>
-                                      </p:cBhvr>
-                                      <p:to>
-                                        <p:strVal val="hidden"/>
-                                      </p:to>
-                                    </p:set>
-                                  </p:childTnLst>
-                                </p:cTn>
-                              </p:par>
-                            </p:childTnLst>
-                          </p:cTn>
-                        </p:par>
-                      </p:childTnLst>
-                    </p:cTn>
-                  </p:par>
-                  <p:par>
-                    <p:cTn id="77" fill="hold">
-                      <p:stCondLst>
-                        <p:cond delay="indefinite"/>
-                      </p:stCondLst>
-                      <p:childTnLst>
-                        <p:par>
-                          <p:cTn id="78" fill="hold">
-                            <p:stCondLst>
-                              <p:cond delay="0"/>
-                            </p:stCondLst>
-                            <p:childTnLst>
-                              <p:par>
-                                <p:cTn id="79" presetID="47" presetClass="entr" presetSubtype="0" fill="hold" nodeType="clickEffect">
-                                  <p:stCondLst>
-                                    <p:cond delay="0"/>
-                                  </p:stCondLst>
-                                  <p:childTnLst>
-                                    <p:set>
-                                      <p:cBhvr>
-                                        <p:cTn id="80" dur="1" fill="hold">
-                                          <p:stCondLst>
-                                            <p:cond delay="0"/>
-                                          </p:stCondLst>
-                                        </p:cTn>
-                                        <p:tgtEl>
-                                          <p:spTgt spid="9"/>
-                                        </p:tgtEl>
-                                        <p:attrNameLst>
-                                          <p:attrName>style.visibility</p:attrName>
-                                        </p:attrNameLst>
-                                      </p:cBhvr>
-                                      <p:to>
-                                        <p:strVal val="visible"/>
-                                      </p:to>
-                                    </p:set>
-                                    <p:animEffect transition="in" filter="fade">
-                                      <p:cBhvr>
-                                        <p:cTn id="81" dur="1000"/>
-                                        <p:tgtEl>
-                                          <p:spTgt spid="9"/>
-                                        </p:tgtEl>
-                                      </p:cBhvr>
-                                    </p:animEffect>
-                                    <p:anim calcmode="lin" valueType="num">
-                                      <p:cBhvr>
-                                        <p:cTn id="82" dur="1000" fill="hold"/>
-                                        <p:tgtEl>
-                                          <p:spTgt spid="9"/>
-                                        </p:tgtEl>
-                                        <p:attrNameLst>
-                                          <p:attrName>ppt_x</p:attrName>
-                                        </p:attrNameLst>
-                                      </p:cBhvr>
-                                      <p:tavLst>
-                                        <p:tav tm="0">
-                                          <p:val>
-                                            <p:strVal val="#ppt_x"/>
-                                          </p:val>
-                                        </p:tav>
-                                        <p:tav tm="100000">
-                                          <p:val>
-                                            <p:strVal val="#ppt_x"/>
-                                          </p:val>
-                                        </p:tav>
-                                      </p:tavLst>
-                                    </p:anim>
-                                    <p:anim calcmode="lin" valueType="num">
-                                      <p:cBhvr>
-                                        <p:cTn id="83" dur="1000" fill="hold"/>
-                                        <p:tgtEl>
-                                          <p:spTgt spid="9"/>
-                                        </p:tgtEl>
-                                        <p:attrNameLst>
-                                          <p:attrName>ppt_y</p:attrName>
-                                        </p:attrNameLst>
-                                      </p:cBhvr>
-                                      <p:tavLst>
-                                        <p:tav tm="0">
-                                          <p:val>
-                                            <p:strVal val="#ppt_y-.1"/>
-                                          </p:val>
-                                        </p:tav>
-                                        <p:tav tm="100000">
-                                          <p:val>
-                                            <p:strVal val="#ppt_y"/>
-                                          </p:val>
-                                        </p:tav>
-                                      </p:tavLst>
-                                    </p:anim>
-                                  </p:childTnLst>
-                                </p:cTn>
-                              </p:par>
-                            </p:childTnLst>
-                          </p:cTn>
-                        </p:par>
-                      </p:childTnLst>
-                    </p:cTn>
-                  </p:par>
-                  <p:par>
-                    <p:cTn id="84" fill="hold">
-                      <p:stCondLst>
-                        <p:cond delay="indefinite"/>
-                      </p:stCondLst>
-                      <p:childTnLst>
-                        <p:par>
-                          <p:cTn id="85" fill="hold">
-                            <p:stCondLst>
-                              <p:cond delay="0"/>
-                            </p:stCondLst>
-                            <p:childTnLst>
-                              <p:par>
-                                <p:cTn id="86" presetID="2" presetClass="exit" presetSubtype="4" fill="hold" nodeType="clickEffect">
-                                  <p:stCondLst>
-                                    <p:cond delay="0"/>
-                                  </p:stCondLst>
-                                  <p:childTnLst>
-                                    <p:anim calcmode="lin" valueType="num">
-                                      <p:cBhvr additive="base">
-                                        <p:cTn id="87" dur="500"/>
-                                        <p:tgtEl>
-                                          <p:spTgt spid="9"/>
-                                        </p:tgtEl>
-                                        <p:attrNameLst>
-                                          <p:attrName>ppt_x</p:attrName>
-                                        </p:attrNameLst>
-                                      </p:cBhvr>
-                                      <p:tavLst>
-                                        <p:tav tm="0">
-                                          <p:val>
-                                            <p:strVal val="ppt_x"/>
-                                          </p:val>
-                                        </p:tav>
-                                        <p:tav tm="100000">
-                                          <p:val>
-                                            <p:strVal val="ppt_x"/>
-                                          </p:val>
-                                        </p:tav>
-                                      </p:tavLst>
-                                    </p:anim>
-                                    <p:anim calcmode="lin" valueType="num">
-                                      <p:cBhvr additive="base">
-                                        <p:cTn id="88" dur="500"/>
-                                        <p:tgtEl>
-                                          <p:spTgt spid="9"/>
-                                        </p:tgtEl>
-                                        <p:attrNameLst>
-                                          <p:attrName>ppt_y</p:attrName>
-                                        </p:attrNameLst>
-                                      </p:cBhvr>
-                                      <p:tavLst>
-                                        <p:tav tm="0">
-                                          <p:val>
-                                            <p:strVal val="ppt_y"/>
-                                          </p:val>
-                                        </p:tav>
-                                        <p:tav tm="100000">
-                                          <p:val>
-                                            <p:strVal val="1+ppt_h/2"/>
-                                          </p:val>
-                                        </p:tav>
-                                      </p:tavLst>
-                                    </p:anim>
-                                    <p:set>
-                                      <p:cBhvr>
-                                        <p:cTn id="89" dur="1" fill="hold">
-                                          <p:stCondLst>
-                                            <p:cond delay="499"/>
-                                          </p:stCondLst>
-                                        </p:cTn>
-                                        <p:tgtEl>
-                                          <p:spTgt spid="9"/>
-                                        </p:tgtEl>
-                                        <p:attrNameLst>
-                                          <p:attrName>style.visibility</p:attrName>
-                                        </p:attrNameLst>
-                                      </p:cBhvr>
-                                      <p:to>
-                                        <p:strVal val="hidden"/>
-                                      </p:to>
-                                    </p:set>
-                                  </p:childTnLst>
-                                </p:cTn>
-                              </p:par>
-                            </p:childTnLst>
-                          </p:cTn>
-                        </p:par>
-                      </p:childTnLst>
-                    </p:cTn>
-                  </p:par>
-                  <p:par>
-                    <p:cTn id="90" fill="hold">
-                      <p:stCondLst>
-                        <p:cond delay="indefinite"/>
-                      </p:stCondLst>
-                      <p:childTnLst>
-                        <p:par>
-                          <p:cTn id="91" fill="hold">
-                            <p:stCondLst>
-                              <p:cond delay="0"/>
-                            </p:stCondLst>
-                            <p:childTnLst>
-                              <p:par>
-                                <p:cTn id="92" presetID="42" presetClass="entr" presetSubtype="0" fill="hold" nodeType="clickEffect">
-                                  <p:stCondLst>
-                                    <p:cond delay="0"/>
-                                  </p:stCondLst>
-                                  <p:childTnLst>
-                                    <p:set>
-                                      <p:cBhvr>
-                                        <p:cTn id="93" dur="1" fill="hold">
-                                          <p:stCondLst>
-                                            <p:cond delay="0"/>
-                                          </p:stCondLst>
-                                        </p:cTn>
-                                        <p:tgtEl>
-                                          <p:spTgt spid="10"/>
-                                        </p:tgtEl>
-                                        <p:attrNameLst>
-                                          <p:attrName>style.visibility</p:attrName>
-                                        </p:attrNameLst>
-                                      </p:cBhvr>
-                                      <p:to>
-                                        <p:strVal val="visible"/>
-                                      </p:to>
-                                    </p:set>
-                                    <p:animEffect transition="in" filter="fade">
-                                      <p:cBhvr>
-                                        <p:cTn id="94" dur="1000"/>
-                                        <p:tgtEl>
-                                          <p:spTgt spid="10"/>
-                                        </p:tgtEl>
-                                      </p:cBhvr>
-                                    </p:animEffect>
-                                    <p:anim calcmode="lin" valueType="num">
-                                      <p:cBhvr>
-                                        <p:cTn id="95" dur="1000" fill="hold"/>
-                                        <p:tgtEl>
-                                          <p:spTgt spid="10"/>
-                                        </p:tgtEl>
-                                        <p:attrNameLst>
-                                          <p:attrName>ppt_x</p:attrName>
-                                        </p:attrNameLst>
-                                      </p:cBhvr>
-                                      <p:tavLst>
-                                        <p:tav tm="0">
-                                          <p:val>
-                                            <p:strVal val="#ppt_x"/>
-                                          </p:val>
-                                        </p:tav>
-                                        <p:tav tm="100000">
-                                          <p:val>
-                                            <p:strVal val="#ppt_x"/>
-                                          </p:val>
-                                        </p:tav>
-                                      </p:tavLst>
-                                    </p:anim>
-                                    <p:anim calcmode="lin" valueType="num">
-                                      <p:cBhvr>
-                                        <p:cTn id="96" dur="1000" fill="hold"/>
-                                        <p:tgtEl>
-                                          <p:spTgt spid="10"/>
-                                        </p:tgtEl>
-                                        <p:attrNameLst>
-                                          <p:attrName>ppt_y</p:attrName>
-                                        </p:attrNameLst>
-                                      </p:cBhvr>
-                                      <p:tavLst>
-                                        <p:tav tm="0">
-                                          <p:val>
-                                            <p:strVal val="#ppt_y+.1"/>
-                                          </p:val>
-                                        </p:tav>
-                                        <p:tav tm="100000">
-                                          <p:val>
-                                            <p:strVal val="#ppt_y"/>
-                                          </p:val>
-                                        </p:tav>
-                                      </p:tavLst>
-                                    </p:anim>
-                                  </p:childTnLst>
-                                </p:cTn>
-                              </p:par>
-                            </p:childTnLst>
-                          </p:cTn>
-                        </p:par>
-                      </p:childTnLst>
-                    </p:cTn>
-                  </p:par>
-                  <p:par>
-                    <p:cTn id="97" fill="hold">
-                      <p:stCondLst>
-                        <p:cond delay="indefinite"/>
-                      </p:stCondLst>
-                      <p:childTnLst>
-                        <p:par>
-                          <p:cTn id="98" fill="hold">
-                            <p:stCondLst>
-                              <p:cond delay="0"/>
-                            </p:stCondLst>
-                            <p:childTnLst>
-                              <p:par>
-                                <p:cTn id="99" presetID="2" presetClass="exit" presetSubtype="4" fill="hold" nodeType="clickEffect">
-                                  <p:stCondLst>
-                                    <p:cond delay="0"/>
-                                  </p:stCondLst>
-                                  <p:childTnLst>
-                                    <p:anim calcmode="lin" valueType="num">
-                                      <p:cBhvr additive="base">
-                                        <p:cTn id="100" dur="500"/>
-                                        <p:tgtEl>
-                                          <p:spTgt spid="10"/>
-                                        </p:tgtEl>
-                                        <p:attrNameLst>
-                                          <p:attrName>ppt_x</p:attrName>
-                                        </p:attrNameLst>
-                                      </p:cBhvr>
-                                      <p:tavLst>
-                                        <p:tav tm="0">
-                                          <p:val>
-                                            <p:strVal val="ppt_x"/>
-                                          </p:val>
-                                        </p:tav>
-                                        <p:tav tm="100000">
-                                          <p:val>
-                                            <p:strVal val="ppt_x"/>
-                                          </p:val>
-                                        </p:tav>
-                                      </p:tavLst>
-                                    </p:anim>
-                                    <p:anim calcmode="lin" valueType="num">
-                                      <p:cBhvr additive="base">
-                                        <p:cTn id="101" dur="500"/>
-                                        <p:tgtEl>
-                                          <p:spTgt spid="10"/>
-                                        </p:tgtEl>
-                                        <p:attrNameLst>
-                                          <p:attrName>ppt_y</p:attrName>
-                                        </p:attrNameLst>
-                                      </p:cBhvr>
-                                      <p:tavLst>
-                                        <p:tav tm="0">
-                                          <p:val>
-                                            <p:strVal val="ppt_y"/>
-                                          </p:val>
-                                        </p:tav>
-                                        <p:tav tm="100000">
-                                          <p:val>
-                                            <p:strVal val="1+ppt_h/2"/>
-                                          </p:val>
-                                        </p:tav>
-                                      </p:tavLst>
-                                    </p:anim>
-                                    <p:set>
-                                      <p:cBhvr>
-                                        <p:cTn id="102" dur="1" fill="hold">
-                                          <p:stCondLst>
-                                            <p:cond delay="499"/>
-                                          </p:stCondLst>
-                                        </p:cTn>
-                                        <p:tgtEl>
-                                          <p:spTgt spid="10"/>
-                                        </p:tgtEl>
-                                        <p:attrNameLst>
-                                          <p:attrName>style.visibility</p:attrName>
-                                        </p:attrNameLst>
-                                      </p:cBhvr>
-                                      <p:to>
-                                        <p:strVal val="hidden"/>
-                                      </p:to>
-                                    </p:set>
-                                  </p:childTnLst>
-                                </p:cTn>
-                              </p:par>
-                            </p:childTnLst>
-                          </p:cTn>
-                        </p:par>
-                      </p:childTnLst>
-                    </p:cTn>
-                  </p:par>
-                  <p:par>
-                    <p:cTn id="103" fill="hold">
-                      <p:stCondLst>
-                        <p:cond delay="indefinite"/>
-                      </p:stCondLst>
-                      <p:childTnLst>
-                        <p:par>
-                          <p:cTn id="104" fill="hold">
-                            <p:stCondLst>
-                              <p:cond delay="0"/>
-                            </p:stCondLst>
-                            <p:childTnLst>
-                              <p:par>
-                                <p:cTn id="105" presetID="42" presetClass="exit" presetSubtype="0" fill="hold" nodeType="clickEffect">
-                                  <p:stCondLst>
-                                    <p:cond delay="0"/>
-                                  </p:stCondLst>
-                                  <p:childTnLst>
-                                    <p:animEffect transition="out" filter="fade">
-                                      <p:cBhvr>
-                                        <p:cTn id="106" dur="1000"/>
-                                        <p:tgtEl>
-                                          <p:spTgt spid="10"/>
-                                        </p:tgtEl>
-                                      </p:cBhvr>
-                                    </p:animEffect>
-                                    <p:anim calcmode="lin" valueType="num">
-                                      <p:cBhvr>
-                                        <p:cTn id="107" dur="1000"/>
-                                        <p:tgtEl>
-                                          <p:spTgt spid="10"/>
-                                        </p:tgtEl>
-                                        <p:attrNameLst>
-                                          <p:attrName>ppt_x</p:attrName>
-                                        </p:attrNameLst>
-                                      </p:cBhvr>
-                                      <p:tavLst>
-                                        <p:tav tm="0">
-                                          <p:val>
-                                            <p:strVal val="ppt_x"/>
-                                          </p:val>
-                                        </p:tav>
-                                        <p:tav tm="100000">
-                                          <p:val>
-                                            <p:strVal val="ppt_x"/>
-                                          </p:val>
-                                        </p:tav>
-                                      </p:tavLst>
-                                    </p:anim>
-                                    <p:anim calcmode="lin" valueType="num">
-                                      <p:cBhvr>
-                                        <p:cTn id="108" dur="1000"/>
-                                        <p:tgtEl>
-                                          <p:spTgt spid="10"/>
-                                        </p:tgtEl>
-                                        <p:attrNameLst>
-                                          <p:attrName>ppt_y</p:attrName>
-                                        </p:attrNameLst>
-                                      </p:cBhvr>
-                                      <p:tavLst>
-                                        <p:tav tm="0">
-                                          <p:val>
-                                            <p:strVal val="ppt_y"/>
-                                          </p:val>
-                                        </p:tav>
-                                        <p:tav tm="100000">
-                                          <p:val>
-                                            <p:strVal val="ppt_y+.1"/>
-                                          </p:val>
-                                        </p:tav>
-                                      </p:tavLst>
-                                    </p:anim>
-                                    <p:set>
-                                      <p:cBhvr>
-                                        <p:cTn id="109" dur="1" fill="hold">
-                                          <p:stCondLst>
-                                            <p:cond delay="999"/>
-                                          </p:stCondLst>
-                                        </p:cTn>
-                                        <p:tgtEl>
-                                          <p:spTgt spid="10"/>
-                                        </p:tgtEl>
-                                        <p:attrNameLst>
-                                          <p:attrName>style.visibility</p:attrName>
-                                        </p:attrNameLst>
-                                      </p:cBhvr>
-                                      <p:to>
-                                        <p:strVal val="hidden"/>
-                                      </p:to>
-                                    </p:set>
-                                  </p:childTnLst>
-                                </p:cTn>
-                              </p:par>
-                            </p:childTnLst>
-                          </p:cTn>
-                        </p:par>
-                      </p:childTnLst>
-                    </p:cTn>
-                  </p:par>
-                  <p:par>
-                    <p:cTn id="110" fill="hold">
-                      <p:stCondLst>
-                        <p:cond delay="indefinite"/>
-                      </p:stCondLst>
-                      <p:childTnLst>
-                        <p:par>
-                          <p:cTn id="111" fill="hold">
-                            <p:stCondLst>
-                              <p:cond delay="0"/>
-                            </p:stCondLst>
-                            <p:childTnLst>
-                              <p:par>
-                                <p:cTn id="112" presetID="42" presetClass="entr" presetSubtype="0" fill="hold" nodeType="clickEffect">
-                                  <p:stCondLst>
-                                    <p:cond delay="0"/>
-                                  </p:stCondLst>
-                                  <p:childTnLst>
-                                    <p:set>
-                                      <p:cBhvr>
-                                        <p:cTn id="113" dur="1" fill="hold">
-                                          <p:stCondLst>
-                                            <p:cond delay="0"/>
-                                          </p:stCondLst>
-                                        </p:cTn>
-                                        <p:tgtEl>
-                                          <p:spTgt spid="11"/>
-                                        </p:tgtEl>
-                                        <p:attrNameLst>
-                                          <p:attrName>style.visibility</p:attrName>
-                                        </p:attrNameLst>
-                                      </p:cBhvr>
-                                      <p:to>
-                                        <p:strVal val="visible"/>
-                                      </p:to>
-                                    </p:set>
-                                    <p:animEffect transition="in" filter="fade">
-                                      <p:cBhvr>
-                                        <p:cTn id="114" dur="1000"/>
-                                        <p:tgtEl>
-                                          <p:spTgt spid="11"/>
-                                        </p:tgtEl>
-                                      </p:cBhvr>
-                                    </p:animEffect>
-                                    <p:anim calcmode="lin" valueType="num">
-                                      <p:cBhvr>
-                                        <p:cTn id="115" dur="1000" fill="hold"/>
-                                        <p:tgtEl>
-                                          <p:spTgt spid="11"/>
-                                        </p:tgtEl>
-                                        <p:attrNameLst>
-                                          <p:attrName>ppt_x</p:attrName>
-                                        </p:attrNameLst>
-                                      </p:cBhvr>
-                                      <p:tavLst>
-                                        <p:tav tm="0">
-                                          <p:val>
-                                            <p:strVal val="#ppt_x"/>
-                                          </p:val>
-                                        </p:tav>
-                                        <p:tav tm="100000">
-                                          <p:val>
-                                            <p:strVal val="#ppt_x"/>
-                                          </p:val>
-                                        </p:tav>
-                                      </p:tavLst>
-                                    </p:anim>
-                                    <p:anim calcmode="lin" valueType="num">
-                                      <p:cBhvr>
-                                        <p:cTn id="116" dur="1000" fill="hold"/>
-                                        <p:tgtEl>
-                                          <p:spTgt spid="11"/>
-                                        </p:tgtEl>
-                                        <p:attrNameLst>
-                                          <p:attrName>ppt_y</p:attrName>
-                                        </p:attrNameLst>
-                                      </p:cBhvr>
-                                      <p:tavLst>
-                                        <p:tav tm="0">
-                                          <p:val>
-                                            <p:strVal val="#ppt_y+.1"/>
-                                          </p:val>
-                                        </p:tav>
-                                        <p:tav tm="100000">
-                                          <p:val>
-                                            <p:strVal val="#ppt_y"/>
-                                          </p:val>
-                                        </p:tav>
-                                      </p:tavLst>
-                                    </p:anim>
-                                  </p:childTnLst>
-                                </p:cTn>
-                              </p:par>
-                            </p:childTnLst>
-                          </p:cTn>
-                        </p:par>
-                      </p:childTnLst>
-                    </p:cTn>
-                  </p:par>
-                  <p:par>
-                    <p:cTn id="117" fill="hold">
-                      <p:stCondLst>
-                        <p:cond delay="indefinite"/>
-                      </p:stCondLst>
-                      <p:childTnLst>
-                        <p:par>
-                          <p:cTn id="118" fill="hold">
-                            <p:stCondLst>
-                              <p:cond delay="0"/>
-                            </p:stCondLst>
-                            <p:childTnLst>
-                              <p:par>
-                                <p:cTn id="119" presetID="42" presetClass="exit" presetSubtype="0" fill="hold" nodeType="clickEffect">
-                                  <p:stCondLst>
-                                    <p:cond delay="0"/>
-                                  </p:stCondLst>
-                                  <p:childTnLst>
-                                    <p:animEffect transition="out" filter="fade">
-                                      <p:cBhvr>
-                                        <p:cTn id="120" dur="1000"/>
-                                        <p:tgtEl>
-                                          <p:spTgt spid="11"/>
-                                        </p:tgtEl>
-                                      </p:cBhvr>
-                                    </p:animEffect>
-                                    <p:anim calcmode="lin" valueType="num">
-                                      <p:cBhvr>
-                                        <p:cTn id="121" dur="1000"/>
-                                        <p:tgtEl>
-                                          <p:spTgt spid="11"/>
-                                        </p:tgtEl>
-                                        <p:attrNameLst>
-                                          <p:attrName>ppt_x</p:attrName>
-                                        </p:attrNameLst>
-                                      </p:cBhvr>
-                                      <p:tavLst>
-                                        <p:tav tm="0">
-                                          <p:val>
-                                            <p:strVal val="ppt_x"/>
-                                          </p:val>
-                                        </p:tav>
-                                        <p:tav tm="100000">
-                                          <p:val>
-                                            <p:strVal val="ppt_x"/>
-                                          </p:val>
-                                        </p:tav>
-                                      </p:tavLst>
-                                    </p:anim>
-                                    <p:anim calcmode="lin" valueType="num">
-                                      <p:cBhvr>
-                                        <p:cTn id="122" dur="1000"/>
-                                        <p:tgtEl>
-                                          <p:spTgt spid="11"/>
-                                        </p:tgtEl>
-                                        <p:attrNameLst>
-                                          <p:attrName>ppt_y</p:attrName>
-                                        </p:attrNameLst>
-                                      </p:cBhvr>
-                                      <p:tavLst>
-                                        <p:tav tm="0">
-                                          <p:val>
-                                            <p:strVal val="ppt_y"/>
-                                          </p:val>
-                                        </p:tav>
-                                        <p:tav tm="100000">
-                                          <p:val>
-                                            <p:strVal val="ppt_y+.1"/>
-                                          </p:val>
-                                        </p:tav>
-                                      </p:tavLst>
-                                    </p:anim>
-                                    <p:set>
-                                      <p:cBhvr>
-                                        <p:cTn id="123" dur="1" fill="hold">
-                                          <p:stCondLst>
-                                            <p:cond delay="999"/>
-                                          </p:stCondLst>
-                                        </p:cTn>
-                                        <p:tgtEl>
-                                          <p:spTgt spid="11"/>
-                                        </p:tgtEl>
-                                        <p:attrNameLst>
-                                          <p:attrName>style.visibility</p:attrName>
-                                        </p:attrNameLst>
-                                      </p:cBhvr>
-                                      <p:to>
-                                        <p:strVal val="hidden"/>
-                                      </p:to>
-                                    </p:set>
-                                  </p:childTnLst>
-                                </p:cTn>
-                              </p:par>
-                            </p:childTnLst>
-                          </p:cTn>
-                        </p:par>
-                      </p:childTnLst>
-                    </p:cTn>
-                  </p:par>
-                  <p:par>
-                    <p:cTn id="124" fill="hold">
-                      <p:stCondLst>
-                        <p:cond delay="indefinite"/>
-                      </p:stCondLst>
-                      <p:childTnLst>
-                        <p:par>
-                          <p:cTn id="125" fill="hold">
-                            <p:stCondLst>
-                              <p:cond delay="0"/>
-                            </p:stCondLst>
-                            <p:childTnLst>
-                              <p:par>
-                                <p:cTn id="126" presetID="47" presetClass="entr" presetSubtype="0" fill="hold" nodeType="clickEffect">
-                                  <p:stCondLst>
-                                    <p:cond delay="0"/>
-                                  </p:stCondLst>
-                                  <p:childTnLst>
-                                    <p:set>
-                                      <p:cBhvr>
-                                        <p:cTn id="127" dur="1" fill="hold">
-                                          <p:stCondLst>
-                                            <p:cond delay="0"/>
-                                          </p:stCondLst>
-                                        </p:cTn>
-                                        <p:tgtEl>
-                                          <p:spTgt spid="12"/>
-                                        </p:tgtEl>
-                                        <p:attrNameLst>
-                                          <p:attrName>style.visibility</p:attrName>
-                                        </p:attrNameLst>
-                                      </p:cBhvr>
-                                      <p:to>
-                                        <p:strVal val="visible"/>
-                                      </p:to>
-                                    </p:set>
-                                    <p:animEffect transition="in" filter="fade">
-                                      <p:cBhvr>
-                                        <p:cTn id="128" dur="1000"/>
-                                        <p:tgtEl>
-                                          <p:spTgt spid="12"/>
-                                        </p:tgtEl>
-                                      </p:cBhvr>
-                                    </p:animEffect>
-                                    <p:anim calcmode="lin" valueType="num">
-                                      <p:cBhvr>
-                                        <p:cTn id="129" dur="1000" fill="hold"/>
-                                        <p:tgtEl>
-                                          <p:spTgt spid="12"/>
-                                        </p:tgtEl>
-                                        <p:attrNameLst>
-                                          <p:attrName>ppt_x</p:attrName>
-                                        </p:attrNameLst>
-                                      </p:cBhvr>
-                                      <p:tavLst>
-                                        <p:tav tm="0">
-                                          <p:val>
-                                            <p:strVal val="#ppt_x"/>
-                                          </p:val>
-                                        </p:tav>
-                                        <p:tav tm="100000">
-                                          <p:val>
-                                            <p:strVal val="#ppt_x"/>
-                                          </p:val>
-                                        </p:tav>
-                                      </p:tavLst>
-                                    </p:anim>
-                                    <p:anim calcmode="lin" valueType="num">
-                                      <p:cBhvr>
-                                        <p:cTn id="130" dur="1000" fill="hold"/>
-                                        <p:tgtEl>
-                                          <p:spTgt spid="12"/>
-                                        </p:tgtEl>
-                                        <p:attrNameLst>
-                                          <p:attrName>ppt_y</p:attrName>
-                                        </p:attrNameLst>
-                                      </p:cBhvr>
-                                      <p:tavLst>
-                                        <p:tav tm="0">
-                                          <p:val>
-                                            <p:strVal val="#ppt_y-.1"/>
-                                          </p:val>
-                                        </p:tav>
-                                        <p:tav tm="100000">
-                                          <p:val>
-                                            <p:strVal val="#ppt_y"/>
-                                          </p:val>
-                                        </p:tav>
-                                      </p:tavLst>
-                                    </p:anim>
-                                  </p:childTnLst>
-                                </p:cTn>
-                              </p:par>
-                            </p:childTnLst>
-                          </p:cTn>
-                        </p:par>
-                      </p:childTnLst>
-                    </p:cTn>
-                  </p:par>
-                  <p:par>
-                    <p:cTn id="131" fill="hold">
-                      <p:stCondLst>
-                        <p:cond delay="indefinite"/>
-                      </p:stCondLst>
-                      <p:childTnLst>
-                        <p:par>
-                          <p:cTn id="132" fill="hold">
-                            <p:stCondLst>
-                              <p:cond delay="0"/>
-                            </p:stCondLst>
-                            <p:childTnLst>
-                              <p:par>
-                                <p:cTn id="133" presetID="42" presetClass="exit" presetSubtype="0" fill="hold" nodeType="clickEffect">
-                                  <p:stCondLst>
-                                    <p:cond delay="0"/>
-                                  </p:stCondLst>
-                                  <p:childTnLst>
-                                    <p:animEffect transition="out" filter="fade">
-                                      <p:cBhvr>
-                                        <p:cTn id="134" dur="1000"/>
-                                        <p:tgtEl>
-                                          <p:spTgt spid="12"/>
-                                        </p:tgtEl>
-                                      </p:cBhvr>
-                                    </p:animEffect>
-                                    <p:anim calcmode="lin" valueType="num">
-                                      <p:cBhvr>
-                                        <p:cTn id="135" dur="1000"/>
-                                        <p:tgtEl>
-                                          <p:spTgt spid="12"/>
-                                        </p:tgtEl>
-                                        <p:attrNameLst>
-                                          <p:attrName>ppt_x</p:attrName>
-                                        </p:attrNameLst>
-                                      </p:cBhvr>
-                                      <p:tavLst>
-                                        <p:tav tm="0">
-                                          <p:val>
-                                            <p:strVal val="ppt_x"/>
-                                          </p:val>
-                                        </p:tav>
-                                        <p:tav tm="100000">
-                                          <p:val>
-                                            <p:strVal val="ppt_x"/>
-                                          </p:val>
-                                        </p:tav>
-                                      </p:tavLst>
-                                    </p:anim>
-                                    <p:anim calcmode="lin" valueType="num">
-                                      <p:cBhvr>
-                                        <p:cTn id="136" dur="1000"/>
-                                        <p:tgtEl>
-                                          <p:spTgt spid="12"/>
-                                        </p:tgtEl>
-                                        <p:attrNameLst>
-                                          <p:attrName>ppt_y</p:attrName>
-                                        </p:attrNameLst>
-                                      </p:cBhvr>
-                                      <p:tavLst>
-                                        <p:tav tm="0">
-                                          <p:val>
-                                            <p:strVal val="ppt_y"/>
-                                          </p:val>
-                                        </p:tav>
-                                        <p:tav tm="100000">
-                                          <p:val>
-                                            <p:strVal val="ppt_y+.1"/>
-                                          </p:val>
-                                        </p:tav>
-                                      </p:tavLst>
-                                    </p:anim>
-                                    <p:set>
-                                      <p:cBhvr>
-                                        <p:cTn id="137" dur="1" fill="hold">
-                                          <p:stCondLst>
-                                            <p:cond delay="999"/>
-                                          </p:stCondLst>
-                                        </p:cTn>
-                                        <p:tgtEl>
-                                          <p:spTgt spid="12"/>
-                                        </p:tgtEl>
-                                        <p:attrNameLst>
-                                          <p:attrName>style.visibility</p:attrName>
-                                        </p:attrNameLst>
-                                      </p:cBhvr>
-                                      <p:to>
-                                        <p:strVal val="hidden"/>
-                                      </p:to>
-                                    </p:set>
-                                  </p:childTnLst>
-                                </p:cTn>
-                              </p:par>
-                            </p:childTnLst>
-                          </p:cTn>
-                        </p:par>
-                      </p:childTnLst>
-                    </p:cTn>
-                  </p:par>
-                  <p:par>
-                    <p:cTn id="138" fill="hold">
-                      <p:stCondLst>
-                        <p:cond delay="indefinite"/>
-                      </p:stCondLst>
-                      <p:childTnLst>
-                        <p:par>
-                          <p:cTn id="139" fill="hold">
-                            <p:stCondLst>
-                              <p:cond delay="0"/>
-                            </p:stCondLst>
-                            <p:childTnLst>
-                              <p:par>
-                                <p:cTn id="140" presetID="42" presetClass="entr" presetSubtype="0" fill="hold" nodeType="clickEffect">
-                                  <p:stCondLst>
-                                    <p:cond delay="0"/>
-                                  </p:stCondLst>
-                                  <p:childTnLst>
-                                    <p:set>
-                                      <p:cBhvr>
-                                        <p:cTn id="141" dur="1" fill="hold">
-                                          <p:stCondLst>
-                                            <p:cond delay="0"/>
-                                          </p:stCondLst>
-                                        </p:cTn>
-                                        <p:tgtEl>
-                                          <p:spTgt spid="13"/>
-                                        </p:tgtEl>
-                                        <p:attrNameLst>
-                                          <p:attrName>style.visibility</p:attrName>
-                                        </p:attrNameLst>
-                                      </p:cBhvr>
-                                      <p:to>
-                                        <p:strVal val="visible"/>
-                                      </p:to>
-                                    </p:set>
-                                    <p:animEffect transition="in" filter="fade">
-                                      <p:cBhvr>
-                                        <p:cTn id="142" dur="1000"/>
-                                        <p:tgtEl>
-                                          <p:spTgt spid="13"/>
-                                        </p:tgtEl>
-                                      </p:cBhvr>
-                                    </p:animEffect>
-                                    <p:anim calcmode="lin" valueType="num">
-                                      <p:cBhvr>
-                                        <p:cTn id="143" dur="1000" fill="hold"/>
-                                        <p:tgtEl>
-                                          <p:spTgt spid="13"/>
-                                        </p:tgtEl>
-                                        <p:attrNameLst>
-                                          <p:attrName>ppt_x</p:attrName>
-                                        </p:attrNameLst>
-                                      </p:cBhvr>
-                                      <p:tavLst>
-                                        <p:tav tm="0">
-                                          <p:val>
-                                            <p:strVal val="#ppt_x"/>
-                                          </p:val>
-                                        </p:tav>
-                                        <p:tav tm="100000">
-                                          <p:val>
-                                            <p:strVal val="#ppt_x"/>
-                                          </p:val>
-                                        </p:tav>
-                                      </p:tavLst>
-                                    </p:anim>
-                                    <p:anim calcmode="lin" valueType="num">
-                                      <p:cBhvr>
-                                        <p:cTn id="144" dur="1000" fill="hold"/>
-                                        <p:tgtEl>
-                                          <p:spTgt spid="13"/>
-                                        </p:tgtEl>
-                                        <p:attrNameLst>
-                                          <p:attrName>ppt_y</p:attrName>
-                                        </p:attrNameLst>
-                                      </p:cBhvr>
-                                      <p:tavLst>
-                                        <p:tav tm="0">
-                                          <p:val>
-                                            <p:strVal val="#ppt_y+.1"/>
-                                          </p:val>
-                                        </p:tav>
-                                        <p:tav tm="100000">
-                                          <p:val>
-                                            <p:strVal val="#ppt_y"/>
-                                          </p:val>
-                                        </p:tav>
-                                      </p:tavLst>
-                                    </p:anim>
-                                  </p:childTnLst>
-                                </p:cTn>
-                              </p:par>
-                            </p:childTnLst>
-                          </p:cTn>
-                        </p:par>
-                      </p:childTnLst>
-                    </p:cTn>
-                  </p:par>
-                  <p:par>
-                    <p:cTn id="145" fill="hold">
-                      <p:stCondLst>
-                        <p:cond delay="indefinite"/>
-                      </p:stCondLst>
-                      <p:childTnLst>
-                        <p:par>
-                          <p:cTn id="146" fill="hold">
-                            <p:stCondLst>
-                              <p:cond delay="0"/>
-                            </p:stCondLst>
-                            <p:childTnLst>
-                              <p:par>
-                                <p:cTn id="147" presetID="2" presetClass="exit" presetSubtype="4" fill="hold" nodeType="clickEffect">
-                                  <p:stCondLst>
-                                    <p:cond delay="0"/>
-                                  </p:stCondLst>
-                                  <p:childTnLst>
-                                    <p:anim calcmode="lin" valueType="num">
-                                      <p:cBhvr additive="base">
-                                        <p:cTn id="148" dur="500"/>
-                                        <p:tgtEl>
-                                          <p:spTgt spid="13"/>
-                                        </p:tgtEl>
-                                        <p:attrNameLst>
-                                          <p:attrName>ppt_x</p:attrName>
-                                        </p:attrNameLst>
-                                      </p:cBhvr>
-                                      <p:tavLst>
-                                        <p:tav tm="0">
-                                          <p:val>
-                                            <p:strVal val="ppt_x"/>
-                                          </p:val>
-                                        </p:tav>
-                                        <p:tav tm="100000">
-                                          <p:val>
-                                            <p:strVal val="ppt_x"/>
-                                          </p:val>
-                                        </p:tav>
-                                      </p:tavLst>
-                                    </p:anim>
-                                    <p:anim calcmode="lin" valueType="num">
-                                      <p:cBhvr additive="base">
-                                        <p:cTn id="149" dur="500"/>
-                                        <p:tgtEl>
-                                          <p:spTgt spid="13"/>
-                                        </p:tgtEl>
-                                        <p:attrNameLst>
-                                          <p:attrName>ppt_y</p:attrName>
-                                        </p:attrNameLst>
-                                      </p:cBhvr>
-                                      <p:tavLst>
-                                        <p:tav tm="0">
-                                          <p:val>
-                                            <p:strVal val="ppt_y"/>
-                                          </p:val>
-                                        </p:tav>
-                                        <p:tav tm="100000">
-                                          <p:val>
-                                            <p:strVal val="1+ppt_h/2"/>
-                                          </p:val>
-                                        </p:tav>
-                                      </p:tavLst>
-                                    </p:anim>
-                                    <p:set>
-                                      <p:cBhvr>
-                                        <p:cTn id="150" dur="1" fill="hold">
-                                          <p:stCondLst>
-                                            <p:cond delay="499"/>
-                                          </p:stCondLst>
-                                        </p:cTn>
-                                        <p:tgtEl>
-                                          <p:spTgt spid="13"/>
-                                        </p:tgtEl>
-                                        <p:attrNameLst>
-                                          <p:attrName>style.visibility</p:attrName>
-                                        </p:attrNameLst>
-                                      </p:cBhvr>
-                                      <p:to>
-                                        <p:strVal val="hidden"/>
-                                      </p:to>
-                                    </p:set>
-                                  </p:childTnLst>
-                                </p:cTn>
-                              </p:par>
-                            </p:childTnLst>
-                          </p:cTn>
-                        </p:par>
-                      </p:childTnLst>
-                    </p:cTn>
-                  </p:par>
-                  <p:par>
-                    <p:cTn id="151" fill="hold">
-                      <p:stCondLst>
-                        <p:cond delay="indefinite"/>
-                      </p:stCondLst>
-                      <p:childTnLst>
-                        <p:par>
-                          <p:cTn id="152" fill="hold">
-                            <p:stCondLst>
-                              <p:cond delay="0"/>
-                            </p:stCondLst>
-                            <p:childTnLst>
-                              <p:par>
-                                <p:cTn id="153" presetID="2" presetClass="entr" presetSubtype="9" fill="hold" nodeType="clickEffect">
-                                  <p:stCondLst>
-                                    <p:cond delay="0"/>
-                                  </p:stCondLst>
-                                  <p:childTnLst>
-                                    <p:set>
-                                      <p:cBhvr>
-                                        <p:cTn id="154" dur="1" fill="hold">
-                                          <p:stCondLst>
-                                            <p:cond delay="0"/>
-                                          </p:stCondLst>
-                                        </p:cTn>
-                                        <p:tgtEl>
-                                          <p:spTgt spid="14"/>
-                                        </p:tgtEl>
-                                        <p:attrNameLst>
-                                          <p:attrName>style.visibility</p:attrName>
-                                        </p:attrNameLst>
-                                      </p:cBhvr>
-                                      <p:to>
-                                        <p:strVal val="visible"/>
-                                      </p:to>
-                                    </p:set>
-                                    <p:anim calcmode="lin" valueType="num">
-                                      <p:cBhvr additive="base">
-                                        <p:cTn id="155" dur="500" fill="hold"/>
-                                        <p:tgtEl>
-                                          <p:spTgt spid="14"/>
-                                        </p:tgtEl>
-                                        <p:attrNameLst>
-                                          <p:attrName>ppt_x</p:attrName>
-                                        </p:attrNameLst>
-                                      </p:cBhvr>
-                                      <p:tavLst>
-                                        <p:tav tm="0">
-                                          <p:val>
-                                            <p:strVal val="0-#ppt_w/2"/>
-                                          </p:val>
-                                        </p:tav>
-                                        <p:tav tm="100000">
-                                          <p:val>
-                                            <p:strVal val="#ppt_x"/>
-                                          </p:val>
-                                        </p:tav>
-                                      </p:tavLst>
-                                    </p:anim>
-                                    <p:anim calcmode="lin" valueType="num">
-                                      <p:cBhvr additive="base">
-                                        <p:cTn id="156" dur="500" fill="hold"/>
-                                        <p:tgtEl>
-                                          <p:spTgt spid="14"/>
-                                        </p:tgtEl>
-                                        <p:attrNameLst>
-                                          <p:attrName>ppt_y</p:attrName>
-                                        </p:attrNameLst>
-                                      </p:cBhvr>
-                                      <p:tavLst>
-                                        <p:tav tm="0">
-                                          <p:val>
-                                            <p:strVal val="0-#ppt_h/2"/>
-                                          </p:val>
-                                        </p:tav>
-                                        <p:tav tm="100000">
-                                          <p:val>
-                                            <p:strVal val="#ppt_y"/>
-                                          </p:val>
-                                        </p:tav>
-                                      </p:tavLst>
-                                    </p:anim>
-                                  </p:childTnLst>
-                                </p:cTn>
-                              </p:par>
-                            </p:childTnLst>
-                          </p:cTn>
-                        </p:par>
-                      </p:childTnLst>
-                    </p:cTn>
-                  </p:par>
-                  <p:par>
-                    <p:cTn id="157" fill="hold">
-                      <p:stCondLst>
-                        <p:cond delay="indefinite"/>
-                      </p:stCondLst>
-                      <p:childTnLst>
-                        <p:par>
-                          <p:cTn id="158" fill="hold">
-                            <p:stCondLst>
-                              <p:cond delay="0"/>
-                            </p:stCondLst>
-                            <p:childTnLst>
-                              <p:par>
-                                <p:cTn id="159" presetID="47" presetClass="exit" presetSubtype="0" fill="hold" nodeType="clickEffect">
-                                  <p:stCondLst>
-                                    <p:cond delay="0"/>
-                                  </p:stCondLst>
-                                  <p:childTnLst>
-                                    <p:animEffect transition="out" filter="fade">
-                                      <p:cBhvr>
-                                        <p:cTn id="160" dur="1000"/>
-                                        <p:tgtEl>
-                                          <p:spTgt spid="14"/>
-                                        </p:tgtEl>
-                                      </p:cBhvr>
-                                    </p:animEffect>
-                                    <p:anim calcmode="lin" valueType="num">
-                                      <p:cBhvr>
-                                        <p:cTn id="161" dur="1000"/>
-                                        <p:tgtEl>
-                                          <p:spTgt spid="14"/>
-                                        </p:tgtEl>
-                                        <p:attrNameLst>
-                                          <p:attrName>ppt_x</p:attrName>
-                                        </p:attrNameLst>
-                                      </p:cBhvr>
-                                      <p:tavLst>
-                                        <p:tav tm="0">
-                                          <p:val>
-                                            <p:strVal val="ppt_x"/>
-                                          </p:val>
-                                        </p:tav>
-                                        <p:tav tm="100000">
-                                          <p:val>
-                                            <p:strVal val="ppt_x"/>
-                                          </p:val>
-                                        </p:tav>
-                                      </p:tavLst>
-                                    </p:anim>
-                                    <p:anim calcmode="lin" valueType="num">
-                                      <p:cBhvr>
-                                        <p:cTn id="162" dur="1000"/>
-                                        <p:tgtEl>
-                                          <p:spTgt spid="14"/>
-                                        </p:tgtEl>
-                                        <p:attrNameLst>
-                                          <p:attrName>ppt_y</p:attrName>
-                                        </p:attrNameLst>
-                                      </p:cBhvr>
-                                      <p:tavLst>
-                                        <p:tav tm="0">
-                                          <p:val>
-                                            <p:strVal val="ppt_y"/>
-                                          </p:val>
-                                        </p:tav>
-                                        <p:tav tm="100000">
-                                          <p:val>
-                                            <p:strVal val="ppt_y-.1"/>
-                                          </p:val>
-                                        </p:tav>
-                                      </p:tavLst>
-                                    </p:anim>
-                                    <p:set>
-                                      <p:cBhvr>
-                                        <p:cTn id="163" dur="1" fill="hold">
-                                          <p:stCondLst>
-                                            <p:cond delay="999"/>
-                                          </p:stCondLst>
-                                        </p:cTn>
-                                        <p:tgtEl>
-                                          <p:spTgt spid="14"/>
-                                        </p:tgtEl>
-                                        <p:attrNameLst>
-                                          <p:attrName>style.visibility</p:attrName>
-                                        </p:attrNameLst>
-                                      </p:cBhvr>
-                                      <p:to>
-                                        <p:strVal val="hidden"/>
-                                      </p:to>
-                                    </p:set>
-                                  </p:childTnLst>
-                                </p:cTn>
-                              </p:par>
-                            </p:childTnLst>
-                          </p:cTn>
-                        </p:par>
-                      </p:childTnLst>
-                    </p:cTn>
-                  </p:par>
-                  <p:par>
-                    <p:cTn id="164" fill="hold">
-                      <p:stCondLst>
-                        <p:cond delay="indefinite"/>
-                      </p:stCondLst>
-                      <p:childTnLst>
-                        <p:par>
-                          <p:cTn id="165" fill="hold">
-                            <p:stCondLst>
-                              <p:cond delay="0"/>
-                            </p:stCondLst>
-                            <p:childTnLst>
-                              <p:par>
-                                <p:cTn id="166" presetID="2" presetClass="entr" presetSubtype="3" fill="hold" nodeType="clickEffect">
-                                  <p:stCondLst>
-                                    <p:cond delay="0"/>
-                                  </p:stCondLst>
-                                  <p:childTnLst>
-                                    <p:set>
-                                      <p:cBhvr>
-                                        <p:cTn id="167" dur="1" fill="hold">
-                                          <p:stCondLst>
-                                            <p:cond delay="0"/>
-                                          </p:stCondLst>
-                                        </p:cTn>
-                                        <p:tgtEl>
-                                          <p:spTgt spid="15"/>
-                                        </p:tgtEl>
-                                        <p:attrNameLst>
-                                          <p:attrName>style.visibility</p:attrName>
-                                        </p:attrNameLst>
-                                      </p:cBhvr>
-                                      <p:to>
-                                        <p:strVal val="visible"/>
-                                      </p:to>
-                                    </p:set>
-                                    <p:anim calcmode="lin" valueType="num">
-                                      <p:cBhvr additive="base">
-                                        <p:cTn id="168" dur="500" fill="hold"/>
-                                        <p:tgtEl>
-                                          <p:spTgt spid="15"/>
-                                        </p:tgtEl>
-                                        <p:attrNameLst>
-                                          <p:attrName>ppt_x</p:attrName>
-                                        </p:attrNameLst>
-                                      </p:cBhvr>
-                                      <p:tavLst>
-                                        <p:tav tm="0">
-                                          <p:val>
-                                            <p:strVal val="1+#ppt_w/2"/>
-                                          </p:val>
-                                        </p:tav>
-                                        <p:tav tm="100000">
-                                          <p:val>
-                                            <p:strVal val="#ppt_x"/>
-                                          </p:val>
-                                        </p:tav>
-                                      </p:tavLst>
-                                    </p:anim>
-                                    <p:anim calcmode="lin" valueType="num">
-                                      <p:cBhvr additive="base">
-                                        <p:cTn id="169" dur="500" fill="hold"/>
-                                        <p:tgtEl>
-                                          <p:spTgt spid="15"/>
-                                        </p:tgtEl>
-                                        <p:attrNameLst>
-                                          <p:attrName>ppt_y</p:attrName>
-                                        </p:attrNameLst>
-                                      </p:cBhvr>
-                                      <p:tavLst>
-                                        <p:tav tm="0">
-                                          <p:val>
-                                            <p:strVal val="0-#ppt_h/2"/>
-                                          </p:val>
-                                        </p:tav>
-                                        <p:tav tm="100000">
-                                          <p:val>
-                                            <p:strVal val="#ppt_y"/>
-                                          </p:val>
-                                        </p:tav>
-                                      </p:tavLst>
-                                    </p:anim>
-                                  </p:childTnLst>
-                                </p:cTn>
-                              </p:par>
-                            </p:childTnLst>
-                          </p:cTn>
-                        </p:par>
-                      </p:childTnLst>
-                    </p:cTn>
-                  </p:par>
-                  <p:par>
-                    <p:cTn id="170" fill="hold">
-                      <p:stCondLst>
-                        <p:cond delay="indefinite"/>
-                      </p:stCondLst>
-                      <p:childTnLst>
-                        <p:par>
-                          <p:cTn id="171" fill="hold">
-                            <p:stCondLst>
-                              <p:cond delay="0"/>
-                            </p:stCondLst>
-                            <p:childTnLst>
-                              <p:par>
-                                <p:cTn id="172" presetID="2" presetClass="exit" presetSubtype="12" fill="hold" nodeType="clickEffect">
-                                  <p:stCondLst>
-                                    <p:cond delay="0"/>
-                                  </p:stCondLst>
-                                  <p:childTnLst>
-                                    <p:anim calcmode="lin" valueType="num">
-                                      <p:cBhvr additive="base">
-                                        <p:cTn id="173" dur="500"/>
-                                        <p:tgtEl>
-                                          <p:spTgt spid="15"/>
-                                        </p:tgtEl>
-                                        <p:attrNameLst>
-                                          <p:attrName>ppt_x</p:attrName>
-                                        </p:attrNameLst>
-                                      </p:cBhvr>
-                                      <p:tavLst>
-                                        <p:tav tm="0">
-                                          <p:val>
-                                            <p:strVal val="ppt_x"/>
-                                          </p:val>
-                                        </p:tav>
-                                        <p:tav tm="100000">
-                                          <p:val>
-                                            <p:strVal val="0-ppt_w/2"/>
-                                          </p:val>
-                                        </p:tav>
-                                      </p:tavLst>
-                                    </p:anim>
-                                    <p:anim calcmode="lin" valueType="num">
-                                      <p:cBhvr additive="base">
-                                        <p:cTn id="174" dur="500"/>
-                                        <p:tgtEl>
-                                          <p:spTgt spid="15"/>
-                                        </p:tgtEl>
-                                        <p:attrNameLst>
-                                          <p:attrName>ppt_y</p:attrName>
-                                        </p:attrNameLst>
-                                      </p:cBhvr>
-                                      <p:tavLst>
-                                        <p:tav tm="0">
-                                          <p:val>
-                                            <p:strVal val="ppt_y"/>
-                                          </p:val>
-                                        </p:tav>
-                                        <p:tav tm="100000">
-                                          <p:val>
-                                            <p:strVal val="1+ppt_h/2"/>
-                                          </p:val>
-                                        </p:tav>
-                                      </p:tavLst>
-                                    </p:anim>
-                                    <p:set>
-                                      <p:cBhvr>
-                                        <p:cTn id="175" dur="1" fill="hold">
-                                          <p:stCondLst>
-                                            <p:cond delay="499"/>
-                                          </p:stCondLst>
-                                        </p:cTn>
-                                        <p:tgtEl>
-                                          <p:spTgt spid="15"/>
-                                        </p:tgtEl>
-                                        <p:attrNameLst>
-                                          <p:attrName>style.visibility</p:attrName>
-                                        </p:attrNameLst>
-                                      </p:cBhvr>
-                                      <p:to>
-                                        <p:strVal val="hidden"/>
-                                      </p:to>
-                                    </p:set>
-                                  </p:childTnLst>
-                                </p:cTn>
-                              </p:par>
-                            </p:childTnLst>
-                          </p:cTn>
-                        </p:par>
-                      </p:childTnLst>
-                    </p:cTn>
-                  </p:par>
-                  <p:par>
-                    <p:cTn id="176" fill="hold">
-                      <p:stCondLst>
-                        <p:cond delay="indefinite"/>
-                      </p:stCondLst>
-                      <p:childTnLst>
-                        <p:par>
-                          <p:cTn id="177" fill="hold">
-                            <p:stCondLst>
-                              <p:cond delay="0"/>
-                            </p:stCondLst>
-                            <p:childTnLst>
-                              <p:par>
-                                <p:cTn id="178" presetID="2" presetClass="entr" presetSubtype="8" fill="hold" nodeType="clickEffect">
-                                  <p:stCondLst>
-                                    <p:cond delay="0"/>
-                                  </p:stCondLst>
-                                  <p:childTnLst>
-                                    <p:set>
-                                      <p:cBhvr>
-                                        <p:cTn id="179" dur="1" fill="hold">
-                                          <p:stCondLst>
-                                            <p:cond delay="0"/>
-                                          </p:stCondLst>
-                                        </p:cTn>
-                                        <p:tgtEl>
-                                          <p:spTgt spid="16"/>
-                                        </p:tgtEl>
-                                        <p:attrNameLst>
-                                          <p:attrName>style.visibility</p:attrName>
-                                        </p:attrNameLst>
-                                      </p:cBhvr>
-                                      <p:to>
-                                        <p:strVal val="visible"/>
-                                      </p:to>
-                                    </p:set>
-                                    <p:anim calcmode="lin" valueType="num">
-                                      <p:cBhvr additive="base">
-                                        <p:cTn id="180" dur="500" fill="hold"/>
-                                        <p:tgtEl>
-                                          <p:spTgt spid="16"/>
-                                        </p:tgtEl>
-                                        <p:attrNameLst>
-                                          <p:attrName>ppt_x</p:attrName>
-                                        </p:attrNameLst>
-                                      </p:cBhvr>
-                                      <p:tavLst>
-                                        <p:tav tm="0">
-                                          <p:val>
-                                            <p:strVal val="0-#ppt_w/2"/>
-                                          </p:val>
-                                        </p:tav>
-                                        <p:tav tm="100000">
-                                          <p:val>
-                                            <p:strVal val="#ppt_x"/>
-                                          </p:val>
-                                        </p:tav>
-                                      </p:tavLst>
-                                    </p:anim>
-                                    <p:anim calcmode="lin" valueType="num">
-                                      <p:cBhvr additive="base">
-                                        <p:cTn id="181" dur="500" fill="hold"/>
-                                        <p:tgtEl>
-                                          <p:spTgt spid="16"/>
-                                        </p:tgtEl>
-                                        <p:attrNameLst>
-                                          <p:attrName>ppt_y</p:attrName>
-                                        </p:attrNameLst>
-                                      </p:cBhvr>
-                                      <p:tavLst>
-                                        <p:tav tm="0">
-                                          <p:val>
-                                            <p:strVal val="#ppt_y"/>
-                                          </p:val>
-                                        </p:tav>
-                                        <p:tav tm="100000">
-                                          <p:val>
-                                            <p:strVal val="#ppt_y"/>
-                                          </p:val>
-                                        </p:tav>
-                                      </p:tavLst>
-                                    </p:anim>
-                                  </p:childTnLst>
-                                </p:cTn>
-                              </p:par>
-                            </p:childTnLst>
-                          </p:cTn>
-                        </p:par>
-                      </p:childTnLst>
-                    </p:cTn>
-                  </p:par>
-                  <p:par>
-                    <p:cTn id="182" fill="hold">
-                      <p:stCondLst>
-                        <p:cond delay="indefinite"/>
-                      </p:stCondLst>
-                      <p:childTnLst>
-                        <p:par>
-                          <p:cTn id="183" fill="hold">
-                            <p:stCondLst>
-                              <p:cond delay="0"/>
-                            </p:stCondLst>
-                            <p:childTnLst>
-                              <p:par>
-                                <p:cTn id="184" presetID="2" presetClass="exit" presetSubtype="2" fill="hold" nodeType="clickEffect">
-                                  <p:stCondLst>
-                                    <p:cond delay="0"/>
-                                  </p:stCondLst>
-                                  <p:childTnLst>
-                                    <p:anim calcmode="lin" valueType="num">
-                                      <p:cBhvr additive="base">
-                                        <p:cTn id="185" dur="500"/>
-                                        <p:tgtEl>
-                                          <p:spTgt spid="16"/>
-                                        </p:tgtEl>
-                                        <p:attrNameLst>
-                                          <p:attrName>ppt_x</p:attrName>
-                                        </p:attrNameLst>
-                                      </p:cBhvr>
-                                      <p:tavLst>
-                                        <p:tav tm="0">
-                                          <p:val>
-                                            <p:strVal val="ppt_x"/>
-                                          </p:val>
-                                        </p:tav>
-                                        <p:tav tm="100000">
-                                          <p:val>
-                                            <p:strVal val="1+ppt_w/2"/>
-                                          </p:val>
-                                        </p:tav>
-                                      </p:tavLst>
-                                    </p:anim>
-                                    <p:anim calcmode="lin" valueType="num">
-                                      <p:cBhvr additive="base">
-                                        <p:cTn id="186" dur="500"/>
-                                        <p:tgtEl>
-                                          <p:spTgt spid="16"/>
-                                        </p:tgtEl>
-                                        <p:attrNameLst>
-                                          <p:attrName>ppt_y</p:attrName>
-                                        </p:attrNameLst>
-                                      </p:cBhvr>
-                                      <p:tavLst>
-                                        <p:tav tm="0">
-                                          <p:val>
-                                            <p:strVal val="ppt_y"/>
-                                          </p:val>
-                                        </p:tav>
-                                        <p:tav tm="100000">
-                                          <p:val>
-                                            <p:strVal val="ppt_y"/>
-                                          </p:val>
-                                        </p:tav>
-                                      </p:tavLst>
-                                    </p:anim>
-                                    <p:set>
-                                      <p:cBhvr>
-                                        <p:cTn id="187" dur="1" fill="hold">
-                                          <p:stCondLst>
-                                            <p:cond delay="499"/>
-                                          </p:stCondLst>
-                                        </p:cTn>
-                                        <p:tgtEl>
-                                          <p:spTgt spid="16"/>
-                                        </p:tgtEl>
-                                        <p:attrNameLst>
-                                          <p:attrName>style.visibility</p:attrName>
-                                        </p:attrNameLst>
-                                      </p:cBhvr>
-                                      <p:to>
-                                        <p:strVal val="hidden"/>
-                                      </p:to>
-                                    </p:set>
-                                  </p:childTnLst>
-                                </p:cTn>
-                              </p:par>
-                            </p:childTnLst>
-                          </p:cTn>
-                        </p:par>
-                      </p:childTnLst>
-                    </p:cTn>
-                  </p:par>
-                  <p:par>
-                    <p:cTn id="188" fill="hold">
-                      <p:stCondLst>
-                        <p:cond delay="indefinite"/>
-                      </p:stCondLst>
-                      <p:childTnLst>
-                        <p:par>
-                          <p:cTn id="189" fill="hold">
-                            <p:stCondLst>
-                              <p:cond delay="0"/>
-                            </p:stCondLst>
-                            <p:childTnLst>
-                              <p:par>
-                                <p:cTn id="190" presetID="2" presetClass="entr" presetSubtype="1" fill="hold" nodeType="clickEffect">
-                                  <p:stCondLst>
-                                    <p:cond delay="0"/>
-                                  </p:stCondLst>
-                                  <p:childTnLst>
-                                    <p:set>
-                                      <p:cBhvr>
-                                        <p:cTn id="191" dur="1" fill="hold">
-                                          <p:stCondLst>
-                                            <p:cond delay="0"/>
-                                          </p:stCondLst>
-                                        </p:cTn>
-                                        <p:tgtEl>
-                                          <p:spTgt spid="17"/>
-                                        </p:tgtEl>
-                                        <p:attrNameLst>
-                                          <p:attrName>style.visibility</p:attrName>
-                                        </p:attrNameLst>
-                                      </p:cBhvr>
-                                      <p:to>
-                                        <p:strVal val="visible"/>
-                                      </p:to>
-                                    </p:set>
-                                    <p:anim calcmode="lin" valueType="num">
-                                      <p:cBhvr additive="base">
-                                        <p:cTn id="192" dur="500" fill="hold"/>
-                                        <p:tgtEl>
-                                          <p:spTgt spid="17"/>
-                                        </p:tgtEl>
-                                        <p:attrNameLst>
-                                          <p:attrName>ppt_x</p:attrName>
-                                        </p:attrNameLst>
-                                      </p:cBhvr>
-                                      <p:tavLst>
-                                        <p:tav tm="0">
-                                          <p:val>
-                                            <p:strVal val="#ppt_x"/>
-                                          </p:val>
-                                        </p:tav>
-                                        <p:tav tm="100000">
-                                          <p:val>
-                                            <p:strVal val="#ppt_x"/>
-                                          </p:val>
-                                        </p:tav>
-                                      </p:tavLst>
-                                    </p:anim>
-                                    <p:anim calcmode="lin" valueType="num">
-                                      <p:cBhvr additive="base">
-                                        <p:cTn id="193" dur="500" fill="hold"/>
-                                        <p:tgtEl>
-                                          <p:spTgt spid="17"/>
-                                        </p:tgtEl>
-                                        <p:attrNameLst>
-                                          <p:attrName>ppt_y</p:attrName>
-                                        </p:attrNameLst>
-                                      </p:cBhvr>
-                                      <p:tavLst>
-                                        <p:tav tm="0">
-                                          <p:val>
-                                            <p:strVal val="0-#ppt_h/2"/>
-                                          </p:val>
-                                        </p:tav>
-                                        <p:tav tm="100000">
-                                          <p:val>
-                                            <p:strVal val="#ppt_y"/>
-                                          </p:val>
-                                        </p:tav>
-                                      </p:tavLst>
-                                    </p:anim>
-                                  </p:childTnLst>
-                                </p:cTn>
-                              </p:par>
-                            </p:childTnLst>
-                          </p:cTn>
-                        </p:par>
-                      </p:childTnLst>
-                    </p:cTn>
-                  </p:par>
-                  <p:par>
-                    <p:cTn id="194" fill="hold">
-                      <p:stCondLst>
-                        <p:cond delay="indefinite"/>
-                      </p:stCondLst>
-                      <p:childTnLst>
-                        <p:par>
-                          <p:cTn id="195" fill="hold">
-                            <p:stCondLst>
-                              <p:cond delay="0"/>
-                            </p:stCondLst>
-                            <p:childTnLst>
-                              <p:par>
-                                <p:cTn id="196" presetID="2" presetClass="exit" presetSubtype="4" fill="hold" nodeType="clickEffect">
-                                  <p:stCondLst>
-                                    <p:cond delay="0"/>
-                                  </p:stCondLst>
-                                  <p:childTnLst>
-                                    <p:anim calcmode="lin" valueType="num">
-                                      <p:cBhvr additive="base">
-                                        <p:cTn id="197" dur="500"/>
-                                        <p:tgtEl>
-                                          <p:spTgt spid="17"/>
-                                        </p:tgtEl>
-                                        <p:attrNameLst>
-                                          <p:attrName>ppt_x</p:attrName>
-                                        </p:attrNameLst>
-                                      </p:cBhvr>
-                                      <p:tavLst>
-                                        <p:tav tm="0">
-                                          <p:val>
-                                            <p:strVal val="ppt_x"/>
-                                          </p:val>
-                                        </p:tav>
-                                        <p:tav tm="100000">
-                                          <p:val>
-                                            <p:strVal val="ppt_x"/>
-                                          </p:val>
-                                        </p:tav>
-                                      </p:tavLst>
-                                    </p:anim>
-                                    <p:anim calcmode="lin" valueType="num">
-                                      <p:cBhvr additive="base">
-                                        <p:cTn id="198" dur="500"/>
-                                        <p:tgtEl>
-                                          <p:spTgt spid="17"/>
-                                        </p:tgtEl>
-                                        <p:attrNameLst>
-                                          <p:attrName>ppt_y</p:attrName>
-                                        </p:attrNameLst>
-                                      </p:cBhvr>
-                                      <p:tavLst>
-                                        <p:tav tm="0">
-                                          <p:val>
-                                            <p:strVal val="ppt_y"/>
-                                          </p:val>
-                                        </p:tav>
-                                        <p:tav tm="100000">
-                                          <p:val>
-                                            <p:strVal val="1+ppt_h/2"/>
-                                          </p:val>
-                                        </p:tav>
-                                      </p:tavLst>
-                                    </p:anim>
-                                    <p:set>
-                                      <p:cBhvr>
-                                        <p:cTn id="199" dur="1" fill="hold">
-                                          <p:stCondLst>
-                                            <p:cond delay="499"/>
-                                          </p:stCondLst>
-                                        </p:cTn>
-                                        <p:tgtEl>
-                                          <p:spTgt spid="17"/>
-                                        </p:tgtEl>
-                                        <p:attrNameLst>
-                                          <p:attrName>style.visibility</p:attrName>
-                                        </p:attrNameLst>
-                                      </p:cBhvr>
-                                      <p:to>
-                                        <p:strVal val="hidden"/>
-                                      </p:to>
-                                    </p:set>
-                                  </p:childTnLst>
-                                </p:cTn>
-                              </p:par>
-                            </p:childTnLst>
-                          </p:cTn>
-                        </p:par>
-                      </p:childTnLst>
-                    </p:cTn>
-                  </p:par>
-                  <p:par>
-                    <p:cTn id="200" fill="hold">
-                      <p:stCondLst>
-                        <p:cond delay="indefinite"/>
-                      </p:stCondLst>
-                      <p:childTnLst>
-                        <p:par>
-                          <p:cTn id="201" fill="hold">
-                            <p:stCondLst>
-                              <p:cond delay="0"/>
-                            </p:stCondLst>
-                            <p:childTnLst>
-                              <p:par>
-                                <p:cTn id="202" presetID="2" presetClass="entr" presetSubtype="4" fill="hold" nodeType="clickEffect">
-                                  <p:stCondLst>
-                                    <p:cond delay="0"/>
-                                  </p:stCondLst>
-                                  <p:childTnLst>
-                                    <p:set>
-                                      <p:cBhvr>
-                                        <p:cTn id="203" dur="1" fill="hold">
-                                          <p:stCondLst>
-                                            <p:cond delay="0"/>
-                                          </p:stCondLst>
-                                        </p:cTn>
-                                        <p:tgtEl>
-                                          <p:spTgt spid="18"/>
-                                        </p:tgtEl>
-                                        <p:attrNameLst>
-                                          <p:attrName>style.visibility</p:attrName>
-                                        </p:attrNameLst>
-                                      </p:cBhvr>
-                                      <p:to>
-                                        <p:strVal val="visible"/>
-                                      </p:to>
-                                    </p:set>
-                                    <p:anim calcmode="lin" valueType="num">
-                                      <p:cBhvr additive="base">
-                                        <p:cTn id="204" dur="500" fill="hold"/>
-                                        <p:tgtEl>
-                                          <p:spTgt spid="18"/>
-                                        </p:tgtEl>
-                                        <p:attrNameLst>
-                                          <p:attrName>ppt_x</p:attrName>
-                                        </p:attrNameLst>
-                                      </p:cBhvr>
-                                      <p:tavLst>
-                                        <p:tav tm="0">
-                                          <p:val>
-                                            <p:strVal val="#ppt_x"/>
-                                          </p:val>
-                                        </p:tav>
-                                        <p:tav tm="100000">
-                                          <p:val>
-                                            <p:strVal val="#ppt_x"/>
-                                          </p:val>
-                                        </p:tav>
-                                      </p:tavLst>
-                                    </p:anim>
-                                    <p:anim calcmode="lin" valueType="num">
-                                      <p:cBhvr additive="base">
-                                        <p:cTn id="205" dur="500" fill="hold"/>
-                                        <p:tgtEl>
-                                          <p:spTgt spid="18"/>
-                                        </p:tgtEl>
-                                        <p:attrNameLst>
-                                          <p:attrName>ppt_y</p:attrName>
-                                        </p:attrNameLst>
-                                      </p:cBhvr>
-                                      <p:tavLst>
-                                        <p:tav tm="0">
-                                          <p:val>
-                                            <p:strVal val="1+#ppt_h/2"/>
-                                          </p:val>
-                                        </p:tav>
-                                        <p:tav tm="100000">
-                                          <p:val>
-                                            <p:strVal val="#ppt_y"/>
-                                          </p:val>
-                                        </p:tav>
-                                      </p:tavLst>
-                                    </p:anim>
-                                  </p:childTnLst>
-                                </p:cTn>
-                              </p:par>
-                            </p:childTnLst>
-                          </p:cTn>
-                        </p:par>
-                      </p:childTnLst>
-                    </p:cTn>
-                  </p:par>
-                  <p:par>
-                    <p:cTn id="206" fill="hold">
-                      <p:stCondLst>
-                        <p:cond delay="indefinite"/>
-                      </p:stCondLst>
-                      <p:childTnLst>
-                        <p:par>
-                          <p:cTn id="207" fill="hold">
-                            <p:stCondLst>
-                              <p:cond delay="0"/>
-                            </p:stCondLst>
-                            <p:childTnLst>
-                              <p:par>
-                                <p:cTn id="208" presetID="2" presetClass="exit" presetSubtype="1" fill="hold" nodeType="clickEffect">
-                                  <p:stCondLst>
-                                    <p:cond delay="0"/>
-                                  </p:stCondLst>
-                                  <p:childTnLst>
-                                    <p:anim calcmode="lin" valueType="num">
-                                      <p:cBhvr additive="base">
-                                        <p:cTn id="209" dur="500"/>
-                                        <p:tgtEl>
-                                          <p:spTgt spid="18"/>
-                                        </p:tgtEl>
-                                        <p:attrNameLst>
-                                          <p:attrName>ppt_x</p:attrName>
-                                        </p:attrNameLst>
-                                      </p:cBhvr>
-                                      <p:tavLst>
-                                        <p:tav tm="0">
-                                          <p:val>
-                                            <p:strVal val="ppt_x"/>
-                                          </p:val>
-                                        </p:tav>
-                                        <p:tav tm="100000">
-                                          <p:val>
-                                            <p:strVal val="ppt_x"/>
-                                          </p:val>
-                                        </p:tav>
-                                      </p:tavLst>
-                                    </p:anim>
-                                    <p:anim calcmode="lin" valueType="num">
-                                      <p:cBhvr additive="base">
-                                        <p:cTn id="210" dur="500"/>
-                                        <p:tgtEl>
-                                          <p:spTgt spid="18"/>
-                                        </p:tgtEl>
-                                        <p:attrNameLst>
-                                          <p:attrName>ppt_y</p:attrName>
-                                        </p:attrNameLst>
-                                      </p:cBhvr>
-                                      <p:tavLst>
-                                        <p:tav tm="0">
-                                          <p:val>
-                                            <p:strVal val="ppt_y"/>
-                                          </p:val>
-                                        </p:tav>
-                                        <p:tav tm="100000">
-                                          <p:val>
-                                            <p:strVal val="0-ppt_h/2"/>
-                                          </p:val>
-                                        </p:tav>
-                                      </p:tavLst>
-                                    </p:anim>
-                                    <p:set>
-                                      <p:cBhvr>
-                                        <p:cTn id="211" dur="1" fill="hold">
-                                          <p:stCondLst>
-                                            <p:cond delay="499"/>
-                                          </p:stCondLst>
-                                        </p:cTn>
-                                        <p:tgtEl>
-                                          <p:spTgt spid="18"/>
-                                        </p:tgtEl>
-                                        <p:attrNameLst>
-                                          <p:attrName>style.visibility</p:attrName>
-                                        </p:attrNameLst>
-                                      </p:cBhvr>
-                                      <p:to>
-                                        <p:strVal val="hidden"/>
-                                      </p:to>
-                                    </p:set>
-                                  </p:childTnLst>
-                                </p:cTn>
-                              </p:par>
-                            </p:childTnLst>
-                          </p:cTn>
-                        </p:par>
-                      </p:childTnLst>
-                    </p:cTn>
-                  </p:par>
-                  <p:par>
-                    <p:cTn id="212" fill="hold">
-                      <p:stCondLst>
-                        <p:cond delay="indefinite"/>
-                      </p:stCondLst>
-                      <p:childTnLst>
-                        <p:par>
-                          <p:cTn id="213" fill="hold">
-                            <p:stCondLst>
-                              <p:cond delay="0"/>
-                            </p:stCondLst>
-                            <p:childTnLst>
-                              <p:par>
-                                <p:cTn id="214" presetID="2" presetClass="entr" presetSubtype="2" fill="hold" nodeType="clickEffect">
-                                  <p:stCondLst>
-                                    <p:cond delay="0"/>
-                                  </p:stCondLst>
-                                  <p:childTnLst>
-                                    <p:set>
-                                      <p:cBhvr>
-                                        <p:cTn id="215" dur="1" fill="hold">
-                                          <p:stCondLst>
-                                            <p:cond delay="0"/>
-                                          </p:stCondLst>
-                                        </p:cTn>
-                                        <p:tgtEl>
-                                          <p:spTgt spid="19"/>
-                                        </p:tgtEl>
-                                        <p:attrNameLst>
-                                          <p:attrName>style.visibility</p:attrName>
-                                        </p:attrNameLst>
-                                      </p:cBhvr>
-                                      <p:to>
-                                        <p:strVal val="visible"/>
-                                      </p:to>
-                                    </p:set>
-                                    <p:anim calcmode="lin" valueType="num">
-                                      <p:cBhvr additive="base">
-                                        <p:cTn id="216" dur="500" fill="hold"/>
-                                        <p:tgtEl>
-                                          <p:spTgt spid="19"/>
-                                        </p:tgtEl>
-                                        <p:attrNameLst>
-                                          <p:attrName>ppt_x</p:attrName>
-                                        </p:attrNameLst>
-                                      </p:cBhvr>
-                                      <p:tavLst>
-                                        <p:tav tm="0">
-                                          <p:val>
-                                            <p:strVal val="1+#ppt_w/2"/>
-                                          </p:val>
-                                        </p:tav>
-                                        <p:tav tm="100000">
-                                          <p:val>
-                                            <p:strVal val="#ppt_x"/>
-                                          </p:val>
-                                        </p:tav>
-                                      </p:tavLst>
-                                    </p:anim>
-                                    <p:anim calcmode="lin" valueType="num">
-                                      <p:cBhvr additive="base">
-                                        <p:cTn id="217" dur="500" fill="hold"/>
-                                        <p:tgtEl>
-                                          <p:spTgt spid="19"/>
-                                        </p:tgtEl>
-                                        <p:attrNameLst>
-                                          <p:attrName>ppt_y</p:attrName>
-                                        </p:attrNameLst>
-                                      </p:cBhvr>
-                                      <p:tavLst>
-                                        <p:tav tm="0">
-                                          <p:val>
-                                            <p:strVal val="#ppt_y"/>
-                                          </p:val>
-                                        </p:tav>
-                                        <p:tav tm="100000">
-                                          <p:val>
-                                            <p:strVal val="#ppt_y"/>
-                                          </p:val>
-                                        </p:tav>
-                                      </p:tavLst>
-                                    </p:anim>
-                                  </p:childTnLst>
-                                </p:cTn>
-                              </p:par>
-                            </p:childTnLst>
-                          </p:cTn>
-                        </p:par>
-                      </p:childTnLst>
-                    </p:cTn>
-                  </p:par>
-                  <p:par>
-                    <p:cTn id="218" fill="hold">
-                      <p:stCondLst>
-                        <p:cond delay="indefinite"/>
-                      </p:stCondLst>
-                      <p:childTnLst>
-                        <p:par>
-                          <p:cTn id="219" fill="hold">
-                            <p:stCondLst>
-                              <p:cond delay="0"/>
-                            </p:stCondLst>
-                            <p:childTnLst>
-                              <p:par>
-                                <p:cTn id="220" presetID="2" presetClass="exit" presetSubtype="8" fill="hold" nodeType="clickEffect">
-                                  <p:stCondLst>
-                                    <p:cond delay="0"/>
-                                  </p:stCondLst>
-                                  <p:childTnLst>
-                                    <p:anim calcmode="lin" valueType="num">
-                                      <p:cBhvr additive="base">
-                                        <p:cTn id="221" dur="500"/>
-                                        <p:tgtEl>
-                                          <p:spTgt spid="19"/>
-                                        </p:tgtEl>
-                                        <p:attrNameLst>
-                                          <p:attrName>ppt_x</p:attrName>
-                                        </p:attrNameLst>
-                                      </p:cBhvr>
-                                      <p:tavLst>
-                                        <p:tav tm="0">
-                                          <p:val>
-                                            <p:strVal val="ppt_x"/>
-                                          </p:val>
-                                        </p:tav>
-                                        <p:tav tm="100000">
-                                          <p:val>
-                                            <p:strVal val="0-ppt_w/2"/>
-                                          </p:val>
-                                        </p:tav>
-                                      </p:tavLst>
-                                    </p:anim>
-                                    <p:anim calcmode="lin" valueType="num">
-                                      <p:cBhvr additive="base">
-                                        <p:cTn id="222" dur="500"/>
-                                        <p:tgtEl>
-                                          <p:spTgt spid="19"/>
-                                        </p:tgtEl>
-                                        <p:attrNameLst>
-                                          <p:attrName>ppt_y</p:attrName>
-                                        </p:attrNameLst>
-                                      </p:cBhvr>
-                                      <p:tavLst>
-                                        <p:tav tm="0">
-                                          <p:val>
-                                            <p:strVal val="ppt_y"/>
-                                          </p:val>
-                                        </p:tav>
-                                        <p:tav tm="100000">
-                                          <p:val>
-                                            <p:strVal val="ppt_y"/>
-                                          </p:val>
-                                        </p:tav>
-                                      </p:tavLst>
-                                    </p:anim>
-                                    <p:set>
-                                      <p:cBhvr>
-                                        <p:cTn id="223" dur="1" fill="hold">
-                                          <p:stCondLst>
-                                            <p:cond delay="499"/>
-                                          </p:stCondLst>
-                                        </p:cTn>
-                                        <p:tgtEl>
-                                          <p:spTgt spid="19"/>
-                                        </p:tgtEl>
-                                        <p:attrNameLst>
-                                          <p:attrName>style.visibility</p:attrName>
-                                        </p:attrNameLst>
-                                      </p:cBhvr>
-                                      <p:to>
-                                        <p:strVal val="hidden"/>
-                                      </p:to>
-                                    </p:set>
-                                  </p:childTnLst>
-                                </p:cTn>
-                              </p:par>
-                            </p:childTnLst>
-                          </p:cTn>
-                        </p:par>
-                      </p:childTnLst>
-                    </p:cTn>
-                  </p:par>
-                  <p:par>
-                    <p:cTn id="224" fill="hold">
-                      <p:stCondLst>
-                        <p:cond delay="indefinite"/>
-                      </p:stCondLst>
-                      <p:childTnLst>
-                        <p:par>
-                          <p:cTn id="225" fill="hold">
-                            <p:stCondLst>
-                              <p:cond delay="0"/>
-                            </p:stCondLst>
-                            <p:childTnLst>
-                              <p:par>
-                                <p:cTn id="226" presetID="2" presetClass="entr" presetSubtype="9" fill="hold" nodeType="clickEffect">
-                                  <p:stCondLst>
-                                    <p:cond delay="0"/>
-                                  </p:stCondLst>
-                                  <p:childTnLst>
-                                    <p:set>
-                                      <p:cBhvr>
-                                        <p:cTn id="227" dur="1" fill="hold">
-                                          <p:stCondLst>
-                                            <p:cond delay="0"/>
-                                          </p:stCondLst>
-                                        </p:cTn>
-                                        <p:tgtEl>
-                                          <p:spTgt spid="20"/>
-                                        </p:tgtEl>
-                                        <p:attrNameLst>
-                                          <p:attrName>style.visibility</p:attrName>
-                                        </p:attrNameLst>
-                                      </p:cBhvr>
-                                      <p:to>
-                                        <p:strVal val="visible"/>
-                                      </p:to>
-                                    </p:set>
-                                    <p:anim calcmode="lin" valueType="num">
-                                      <p:cBhvr additive="base">
-                                        <p:cTn id="228" dur="500" fill="hold"/>
-                                        <p:tgtEl>
-                                          <p:spTgt spid="20"/>
-                                        </p:tgtEl>
-                                        <p:attrNameLst>
-                                          <p:attrName>ppt_x</p:attrName>
-                                        </p:attrNameLst>
-                                      </p:cBhvr>
-                                      <p:tavLst>
-                                        <p:tav tm="0">
-                                          <p:val>
-                                            <p:strVal val="0-#ppt_w/2"/>
-                                          </p:val>
-                                        </p:tav>
-                                        <p:tav tm="100000">
-                                          <p:val>
-                                            <p:strVal val="#ppt_x"/>
-                                          </p:val>
-                                        </p:tav>
-                                      </p:tavLst>
-                                    </p:anim>
-                                    <p:anim calcmode="lin" valueType="num">
-                                      <p:cBhvr additive="base">
-                                        <p:cTn id="229" dur="500" fill="hold"/>
-                                        <p:tgtEl>
-                                          <p:spTgt spid="20"/>
-                                        </p:tgtEl>
-                                        <p:attrNameLst>
-                                          <p:attrName>ppt_y</p:attrName>
-                                        </p:attrNameLst>
-                                      </p:cBhvr>
-                                      <p:tavLst>
-                                        <p:tav tm="0">
-                                          <p:val>
-                                            <p:strVal val="0-#ppt_h/2"/>
-                                          </p:val>
-                                        </p:tav>
-                                        <p:tav tm="100000">
-                                          <p:val>
-                                            <p:strVal val="#ppt_y"/>
-                                          </p:val>
-                                        </p:tav>
-                                      </p:tavLst>
-                                    </p:anim>
-                                  </p:childTnLst>
-                                </p:cTn>
-                              </p:par>
-                            </p:childTnLst>
-                          </p:cTn>
-                        </p:par>
-                      </p:childTnLst>
-                    </p:cTn>
-                  </p:par>
-                  <p:par>
-                    <p:cTn id="230" fill="hold">
-                      <p:stCondLst>
-                        <p:cond delay="indefinite"/>
-                      </p:stCondLst>
-                      <p:childTnLst>
-                        <p:par>
-                          <p:cTn id="231" fill="hold">
-                            <p:stCondLst>
-                              <p:cond delay="0"/>
-                            </p:stCondLst>
-                            <p:childTnLst>
-                              <p:par>
-                                <p:cTn id="232" presetID="2" presetClass="exit" presetSubtype="6" fill="hold" nodeType="clickEffect">
-                                  <p:stCondLst>
-                                    <p:cond delay="0"/>
-                                  </p:stCondLst>
-                                  <p:childTnLst>
-                                    <p:anim calcmode="lin" valueType="num">
-                                      <p:cBhvr additive="base">
-                                        <p:cTn id="233" dur="500"/>
-                                        <p:tgtEl>
-                                          <p:spTgt spid="20"/>
-                                        </p:tgtEl>
-                                        <p:attrNameLst>
-                                          <p:attrName>ppt_x</p:attrName>
-                                        </p:attrNameLst>
-                                      </p:cBhvr>
-                                      <p:tavLst>
-                                        <p:tav tm="0">
-                                          <p:val>
-                                            <p:strVal val="ppt_x"/>
-                                          </p:val>
-                                        </p:tav>
-                                        <p:tav tm="100000">
-                                          <p:val>
-                                            <p:strVal val="1+ppt_w/2"/>
-                                          </p:val>
-                                        </p:tav>
-                                      </p:tavLst>
-                                    </p:anim>
-                                    <p:anim calcmode="lin" valueType="num">
-                                      <p:cBhvr additive="base">
-                                        <p:cTn id="234" dur="500"/>
-                                        <p:tgtEl>
-                                          <p:spTgt spid="20"/>
-                                        </p:tgtEl>
-                                        <p:attrNameLst>
-                                          <p:attrName>ppt_y</p:attrName>
-                                        </p:attrNameLst>
-                                      </p:cBhvr>
-                                      <p:tavLst>
-                                        <p:tav tm="0">
-                                          <p:val>
-                                            <p:strVal val="ppt_y"/>
-                                          </p:val>
-                                        </p:tav>
-                                        <p:tav tm="100000">
-                                          <p:val>
-                                            <p:strVal val="1+ppt_h/2"/>
-                                          </p:val>
-                                        </p:tav>
-                                      </p:tavLst>
-                                    </p:anim>
-                                    <p:set>
-                                      <p:cBhvr>
-                                        <p:cTn id="235" dur="1" fill="hold">
-                                          <p:stCondLst>
-                                            <p:cond delay="499"/>
-                                          </p:stCondLst>
-                                        </p:cTn>
-                                        <p:tgtEl>
-                                          <p:spTgt spid="20"/>
-                                        </p:tgtEl>
-                                        <p:attrNameLst>
-                                          <p:attrName>style.visibility</p:attrName>
-                                        </p:attrNameLst>
-                                      </p:cBhvr>
-                                      <p:to>
-                                        <p:strVal val="hidden"/>
-                                      </p:to>
-                                    </p:set>
-                                  </p:childTnLst>
-                                </p:cTn>
-                              </p:par>
-                            </p:childTnLst>
-                          </p:cTn>
-                        </p:par>
-                      </p:childTnLst>
-                    </p:cTn>
-                  </p:par>
-                </p:childTnLst>
-              </p:cTn>
-              <p:prevCondLst>
-                <p:cond evt="onPrev" delay="0">
-                  <p:tgtEl>
-                    <p:sldTgt/>
-                  </p:tgtEl>
-                </p:cond>
-              </p:prevCondLst>
-              <p:nextCondLst>
-                <p:cond evt="onNext" delay="0">
-                  <p:tgtEl>
-                    <p:sldTgt/>
-                  </p:tgtEl>
-                </p:cond>
-              </p:nextCondLst>
-            </p:seq>
-          </p:childTnLst>
-        </p:cTn>
-      </p:par>
-    </p:tnLst>
-  </p:timing>
-</p:sld>
-</file>
-
 <file path=ppt/theme/theme1.xml><?xml version="1.0" encoding="utf-8"?>
 <a:theme xmlns:a="http://schemas.openxmlformats.org/drawingml/2006/main" name="Estela de condensación">
   <a:themeElements>
@@ -26590,7 +22518,7 @@
     </a:clrScheme>
     <a:fontScheme name="Vapor Trail">
       <a:majorFont>
-        <a:latin typeface="Century Gothic" panose="020B0502020202020204"/>
+        <a:latin typeface="Century Gothic"/>
         <a:ea typeface=""/>
         <a:cs typeface=""/>
         <a:font script="Jpan" typeface="ＭＳ Ｐゴシック"/>
@@ -26625,7 +22553,7 @@
         <a:font script="Geor" typeface="Sylfaen"/>
       </a:majorFont>
       <a:minorFont>
-        <a:latin typeface="Century Gothic" panose="020B0502020202020204"/>
+        <a:latin typeface="Century Gothic"/>
         <a:ea typeface=""/>
         <a:cs typeface=""/>
         <a:font script="Jpan" typeface="ＭＳ Ｐゴシック"/>
@@ -26811,7 +22739,7 @@
   <a:extraClrSchemeLst/>
   <a:extLst>
     <a:ext uri="{05A4C25C-085E-4340-85A3-A5531E510DB2}">
-      <thm15:themeFamily xmlns:thm15="http://schemas.microsoft.com/office/thememl/2012/main" name="Vapor Trail" id="{4FDF2955-7D9C-493C-B9F9-C205151B46CD}" vid="{8F31A783-2159-4870-BC29-2BA7D038EA44}"/>
+      <thm15:themeFamily xmlns:thm15="http://schemas.microsoft.com/office/thememl/2012/main" xmlns="" name="Vapor Trail" id="{4FDF2955-7D9C-493C-B9F9-C205151B46CD}" vid="{8F31A783-2159-4870-BC29-2BA7D038EA44}"/>
     </a:ext>
   </a:extLst>
 </a:theme>
